--- a/conference/Will MPA 2019.pptx
+++ b/conference/Will MPA 2019.pptx
@@ -148,7 +148,7 @@
   </p:defaultTextStyle>
   <p:extLst>
     <p:ext uri="{EFAFB233-063F-42B5-8137-9DF3F51BA10A}">
-      <p15:sldGuideLst xmlns:p15="http://schemas.microsoft.com/office/powerpoint/2012/main" xmlns="">
+      <p15:sldGuideLst xmlns:p15="http://schemas.microsoft.com/office/powerpoint/2012/main">
         <p15:guide id="1" orient="horz" pos="10368">
           <p15:clr>
             <a:srgbClr val="A4A3A4"/>
@@ -163,6 +163,115 @@
     </p:ext>
   </p:extLst>
 </p:presentation>
+</file>
+
+<file path=ppt/revisionInfo.xml><?xml version="1.0" encoding="utf-8"?>
+<p1510:revInfo xmlns:a="http://schemas.openxmlformats.org/drawingml/2006/main" xmlns:r="http://schemas.openxmlformats.org/officeDocument/2006/relationships" xmlns:p1510="http://schemas.microsoft.com/office/powerpoint/2015/10/main">
+  <p1510:revLst>
+    <p1510:client id="{DFB25F06-6005-AF46-9511-54B5A613CC3B}" v="1" dt="2019-04-01T16:30:38.458"/>
+  </p1510:revLst>
+</p1510:revInfo>
+</file>
+
+<file path=ppt/changesInfos/changesInfo1.xml><?xml version="1.0" encoding="utf-8"?>
+<pc:chgInfo xmlns:a="http://schemas.openxmlformats.org/drawingml/2006/main" xmlns:r="http://schemas.openxmlformats.org/officeDocument/2006/relationships" xmlns:ac="http://schemas.microsoft.com/office/drawing/2013/main/command" xmlns:pc="http://schemas.microsoft.com/office/powerpoint/2013/main/command">
+  <pc:docChgLst>
+    <pc:chgData name="Erin Buchanan" userId="a202a620-6e05-42b1-a3fc-fcfad0b42cdc" providerId="ADAL" clId="{DFB25F06-6005-AF46-9511-54B5A613CC3B}"/>
+    <pc:docChg chg="modSld">
+      <pc:chgData name="Erin Buchanan" userId="a202a620-6e05-42b1-a3fc-fcfad0b42cdc" providerId="ADAL" clId="{DFB25F06-6005-AF46-9511-54B5A613CC3B}" dt="2019-04-01T16:30:57.597" v="25" actId="1037"/>
+      <pc:docMkLst>
+        <pc:docMk/>
+      </pc:docMkLst>
+      <pc:sldChg chg="modSp">
+        <pc:chgData name="Erin Buchanan" userId="a202a620-6e05-42b1-a3fc-fcfad0b42cdc" providerId="ADAL" clId="{DFB25F06-6005-AF46-9511-54B5A613CC3B}" dt="2019-04-01T16:30:57.597" v="25" actId="1037"/>
+        <pc:sldMkLst>
+          <pc:docMk/>
+          <pc:sldMk cId="0" sldId="256"/>
+        </pc:sldMkLst>
+        <pc:spChg chg="mod">
+          <ac:chgData name="Erin Buchanan" userId="a202a620-6e05-42b1-a3fc-fcfad0b42cdc" providerId="ADAL" clId="{DFB25F06-6005-AF46-9511-54B5A613CC3B}" dt="2019-04-01T16:30:17.738" v="12" actId="1038"/>
+          <ac:spMkLst>
+            <pc:docMk/>
+            <pc:sldMk cId="0" sldId="256"/>
+            <ac:spMk id="15" creationId="{00000000-0000-0000-0000-000000000000}"/>
+          </ac:spMkLst>
+        </pc:spChg>
+        <pc:spChg chg="mod">
+          <ac:chgData name="Erin Buchanan" userId="a202a620-6e05-42b1-a3fc-fcfad0b42cdc" providerId="ADAL" clId="{DFB25F06-6005-AF46-9511-54B5A613CC3B}" dt="2019-04-01T16:30:25.315" v="13" actId="1038"/>
+          <ac:spMkLst>
+            <pc:docMk/>
+            <pc:sldMk cId="0" sldId="256"/>
+            <ac:spMk id="24" creationId="{00000000-0000-0000-0000-000000000000}"/>
+          </ac:spMkLst>
+        </pc:spChg>
+        <pc:spChg chg="mod">
+          <ac:chgData name="Erin Buchanan" userId="a202a620-6e05-42b1-a3fc-fcfad0b42cdc" providerId="ADAL" clId="{DFB25F06-6005-AF46-9511-54B5A613CC3B}" dt="2019-04-01T16:30:57.597" v="25" actId="1037"/>
+          <ac:spMkLst>
+            <pc:docMk/>
+            <pc:sldMk cId="0" sldId="256"/>
+            <ac:spMk id="26" creationId="{00000000-0000-0000-0000-000000000000}"/>
+          </ac:spMkLst>
+        </pc:spChg>
+        <pc:spChg chg="mod">
+          <ac:chgData name="Erin Buchanan" userId="a202a620-6e05-42b1-a3fc-fcfad0b42cdc" providerId="ADAL" clId="{DFB25F06-6005-AF46-9511-54B5A613CC3B}" dt="2019-04-01T16:30:12.970" v="10" actId="1038"/>
+          <ac:spMkLst>
+            <pc:docMk/>
+            <pc:sldMk cId="0" sldId="256"/>
+            <ac:spMk id="35" creationId="{00000000-0000-0000-0000-000000000000}"/>
+          </ac:spMkLst>
+        </pc:spChg>
+        <pc:spChg chg="mod">
+          <ac:chgData name="Erin Buchanan" userId="a202a620-6e05-42b1-a3fc-fcfad0b42cdc" providerId="ADAL" clId="{DFB25F06-6005-AF46-9511-54B5A613CC3B}" dt="2019-04-01T16:28:39.774" v="0" actId="20577"/>
+          <ac:spMkLst>
+            <pc:docMk/>
+            <pc:sldMk cId="0" sldId="256"/>
+            <ac:spMk id="39" creationId="{00000000-0000-0000-0000-000000000000}"/>
+          </ac:spMkLst>
+        </pc:spChg>
+        <pc:spChg chg="mod">
+          <ac:chgData name="Erin Buchanan" userId="a202a620-6e05-42b1-a3fc-fcfad0b42cdc" providerId="ADAL" clId="{DFB25F06-6005-AF46-9511-54B5A613CC3B}" dt="2019-04-01T16:30:50.555" v="20" actId="14100"/>
+          <ac:spMkLst>
+            <pc:docMk/>
+            <pc:sldMk cId="0" sldId="256"/>
+            <ac:spMk id="51" creationId="{00000000-0000-0000-0000-000000000000}"/>
+          </ac:spMkLst>
+        </pc:spChg>
+        <pc:graphicFrameChg chg="mod">
+          <ac:chgData name="Erin Buchanan" userId="a202a620-6e05-42b1-a3fc-fcfad0b42cdc" providerId="ADAL" clId="{DFB25F06-6005-AF46-9511-54B5A613CC3B}" dt="2019-04-01T16:30:01.626" v="8" actId="1038"/>
+          <ac:graphicFrameMkLst>
+            <pc:docMk/>
+            <pc:sldMk cId="0" sldId="256"/>
+            <ac:graphicFrameMk id="7" creationId="{00000000-0000-0000-0000-000000000000}"/>
+          </ac:graphicFrameMkLst>
+        </pc:graphicFrameChg>
+        <pc:graphicFrameChg chg="mod">
+          <ac:chgData name="Erin Buchanan" userId="a202a620-6e05-42b1-a3fc-fcfad0b42cdc" providerId="ADAL" clId="{DFB25F06-6005-AF46-9511-54B5A613CC3B}" dt="2019-04-01T16:29:53.096" v="4" actId="1038"/>
+          <ac:graphicFrameMkLst>
+            <pc:docMk/>
+            <pc:sldMk cId="0" sldId="256"/>
+            <ac:graphicFrameMk id="23" creationId="{00000000-0000-0000-0000-000000000000}"/>
+          </ac:graphicFrameMkLst>
+        </pc:graphicFrameChg>
+        <pc:graphicFrameChg chg="mod">
+          <ac:chgData name="Erin Buchanan" userId="a202a620-6e05-42b1-a3fc-fcfad0b42cdc" providerId="ADAL" clId="{DFB25F06-6005-AF46-9511-54B5A613CC3B}" dt="2019-04-01T16:29:58.003" v="6" actId="1038"/>
+          <ac:graphicFrameMkLst>
+            <pc:docMk/>
+            <pc:sldMk cId="0" sldId="256"/>
+            <ac:graphicFrameMk id="33" creationId="{00000000-0000-0000-0000-000000000000}"/>
+          </ac:graphicFrameMkLst>
+        </pc:graphicFrameChg>
+        <pc:picChg chg="mod">
+          <ac:chgData name="Erin Buchanan" userId="a202a620-6e05-42b1-a3fc-fcfad0b42cdc" providerId="ADAL" clId="{DFB25F06-6005-AF46-9511-54B5A613CC3B}" dt="2019-04-01T16:30:38.457" v="17" actId="167"/>
+          <ac:picMkLst>
+            <pc:docMk/>
+            <pc:sldMk cId="0" sldId="256"/>
+            <ac:picMk id="2" creationId="{00000000-0000-0000-0000-000000000000}"/>
+          </ac:picMkLst>
+        </pc:picChg>
+      </pc:sldChg>
+    </pc:docChg>
+  </pc:docChgLst>
+</pc:chgInfo>
 </file>
 
 <file path=ppt/notesMasters/notesMaster1.xml><?xml version="1.0" encoding="utf-8"?>
@@ -248,7 +357,7 @@
             <a:fld id="{FD943D7A-167B-4D1B-8238-B31E320746FF}" type="datetimeFigureOut">
               <a:rPr lang="en-US"/>
               <a:pPr/>
-              <a:t>3/30/19</a:t>
+              <a:t>4/1/19</a:t>
             </a:fld>
             <a:endParaRPr lang="en-US"/>
           </a:p>
@@ -643,7 +752,7 @@
           </a:lstStyle>
           <a:p>
             <a:r>
-              <a:rPr lang="en-US" smtClean="0"/>
+              <a:rPr lang="en-US"/>
               <a:t>Click to edit Master title style</a:t>
             </a:r>
             <a:endParaRPr lang="en-US" dirty="0"/>
@@ -708,7 +817,7 @@
           </a:lstStyle>
           <a:p>
             <a:r>
-              <a:rPr lang="en-US" smtClean="0"/>
+              <a:rPr lang="en-US"/>
               <a:t>Click to edit Master subtitle style</a:t>
             </a:r>
             <a:endParaRPr lang="en-US" dirty="0"/>
@@ -732,7 +841,7 @@
           <a:p>
             <a:fld id="{663379F8-D3CD-4F84-8ABE-D8B7DBD32689}" type="datetimeFigureOut">
               <a:rPr lang="en-US" smtClean="0"/>
-              <a:t>3/30/19</a:t>
+              <a:t>4/1/19</a:t>
             </a:fld>
             <a:endParaRPr lang="en-US"/>
           </a:p>
@@ -827,7 +936,7 @@
           <a:lstStyle/>
           <a:p>
             <a:r>
-              <a:rPr lang="en-US" smtClean="0"/>
+              <a:rPr lang="en-US"/>
               <a:t>Click to edit Master title style</a:t>
             </a:r>
             <a:endParaRPr lang="en-US" dirty="0"/>
@@ -851,35 +960,35 @@
           <a:p>
             <a:pPr lvl="0"/>
             <a:r>
-              <a:rPr lang="en-US" smtClean="0"/>
+              <a:rPr lang="en-US"/>
               <a:t>Click to edit Master text styles</a:t>
             </a:r>
           </a:p>
           <a:p>
             <a:pPr lvl="1"/>
             <a:r>
-              <a:rPr lang="en-US" smtClean="0"/>
+              <a:rPr lang="en-US"/>
               <a:t>Second level</a:t>
             </a:r>
           </a:p>
           <a:p>
             <a:pPr lvl="2"/>
             <a:r>
-              <a:rPr lang="en-US" smtClean="0"/>
+              <a:rPr lang="en-US"/>
               <a:t>Third level</a:t>
             </a:r>
           </a:p>
           <a:p>
             <a:pPr lvl="3"/>
             <a:r>
-              <a:rPr lang="en-US" smtClean="0"/>
+              <a:rPr lang="en-US"/>
               <a:t>Fourth level</a:t>
             </a:r>
           </a:p>
           <a:p>
             <a:pPr lvl="4"/>
             <a:r>
-              <a:rPr lang="en-US" smtClean="0"/>
+              <a:rPr lang="en-US"/>
               <a:t>Fifth level</a:t>
             </a:r>
             <a:endParaRPr lang="en-US" dirty="0"/>
@@ -903,7 +1012,7 @@
           <a:p>
             <a:fld id="{663379F8-D3CD-4F84-8ABE-D8B7DBD32689}" type="datetimeFigureOut">
               <a:rPr lang="en-US" smtClean="0"/>
-              <a:t>3/30/19</a:t>
+              <a:t>4/1/19</a:t>
             </a:fld>
             <a:endParaRPr lang="en-US"/>
           </a:p>
@@ -1003,7 +1112,7 @@
           <a:lstStyle/>
           <a:p>
             <a:r>
-              <a:rPr lang="en-US" smtClean="0"/>
+              <a:rPr lang="en-US"/>
               <a:t>Click to edit Master title style</a:t>
             </a:r>
             <a:endParaRPr lang="en-US" dirty="0"/>
@@ -1032,35 +1141,35 @@
           <a:p>
             <a:pPr lvl="0"/>
             <a:r>
-              <a:rPr lang="en-US" smtClean="0"/>
+              <a:rPr lang="en-US"/>
               <a:t>Click to edit Master text styles</a:t>
             </a:r>
           </a:p>
           <a:p>
             <a:pPr lvl="1"/>
             <a:r>
-              <a:rPr lang="en-US" smtClean="0"/>
+              <a:rPr lang="en-US"/>
               <a:t>Second level</a:t>
             </a:r>
           </a:p>
           <a:p>
             <a:pPr lvl="2"/>
             <a:r>
-              <a:rPr lang="en-US" smtClean="0"/>
+              <a:rPr lang="en-US"/>
               <a:t>Third level</a:t>
             </a:r>
           </a:p>
           <a:p>
             <a:pPr lvl="3"/>
             <a:r>
-              <a:rPr lang="en-US" smtClean="0"/>
+              <a:rPr lang="en-US"/>
               <a:t>Fourth level</a:t>
             </a:r>
           </a:p>
           <a:p>
             <a:pPr lvl="4"/>
             <a:r>
-              <a:rPr lang="en-US" smtClean="0"/>
+              <a:rPr lang="en-US"/>
               <a:t>Fifth level</a:t>
             </a:r>
             <a:endParaRPr lang="en-US" dirty="0"/>
@@ -1084,7 +1193,7 @@
           <a:p>
             <a:fld id="{663379F8-D3CD-4F84-8ABE-D8B7DBD32689}" type="datetimeFigureOut">
               <a:rPr lang="en-US" smtClean="0"/>
-              <a:t>3/30/19</a:t>
+              <a:t>4/1/19</a:t>
             </a:fld>
             <a:endParaRPr lang="en-US"/>
           </a:p>
@@ -1179,7 +1288,7 @@
           <a:lstStyle/>
           <a:p>
             <a:r>
-              <a:rPr lang="en-US" smtClean="0"/>
+              <a:rPr lang="en-US"/>
               <a:t>Click to edit Master title style</a:t>
             </a:r>
             <a:endParaRPr lang="en-US" dirty="0"/>
@@ -1203,35 +1312,35 @@
           <a:p>
             <a:pPr lvl="0"/>
             <a:r>
-              <a:rPr lang="en-US" smtClean="0"/>
+              <a:rPr lang="en-US"/>
               <a:t>Click to edit Master text styles</a:t>
             </a:r>
           </a:p>
           <a:p>
             <a:pPr lvl="1"/>
             <a:r>
-              <a:rPr lang="en-US" smtClean="0"/>
+              <a:rPr lang="en-US"/>
               <a:t>Second level</a:t>
             </a:r>
           </a:p>
           <a:p>
             <a:pPr lvl="2"/>
             <a:r>
-              <a:rPr lang="en-US" smtClean="0"/>
+              <a:rPr lang="en-US"/>
               <a:t>Third level</a:t>
             </a:r>
           </a:p>
           <a:p>
             <a:pPr lvl="3"/>
             <a:r>
-              <a:rPr lang="en-US" smtClean="0"/>
+              <a:rPr lang="en-US"/>
               <a:t>Fourth level</a:t>
             </a:r>
           </a:p>
           <a:p>
             <a:pPr lvl="4"/>
             <a:r>
-              <a:rPr lang="en-US" smtClean="0"/>
+              <a:rPr lang="en-US"/>
               <a:t>Fifth level</a:t>
             </a:r>
             <a:endParaRPr lang="en-US" dirty="0"/>
@@ -1255,7 +1364,7 @@
           <a:p>
             <a:fld id="{663379F8-D3CD-4F84-8ABE-D8B7DBD32689}" type="datetimeFigureOut">
               <a:rPr lang="en-US" smtClean="0"/>
-              <a:t>3/30/19</a:t>
+              <a:t>4/1/19</a:t>
             </a:fld>
             <a:endParaRPr lang="en-US"/>
           </a:p>
@@ -1359,7 +1468,7 @@
           </a:lstStyle>
           <a:p>
             <a:r>
-              <a:rPr lang="en-US" smtClean="0"/>
+              <a:rPr lang="en-US"/>
               <a:t>Click to edit Master title style</a:t>
             </a:r>
             <a:endParaRPr lang="en-US" dirty="0"/>
@@ -1477,7 +1586,7 @@
           <a:p>
             <a:pPr lvl="0"/>
             <a:r>
-              <a:rPr lang="en-US" smtClean="0"/>
+              <a:rPr lang="en-US"/>
               <a:t>Click to edit Master text styles</a:t>
             </a:r>
           </a:p>
@@ -1500,7 +1609,7 @@
           <a:p>
             <a:fld id="{663379F8-D3CD-4F84-8ABE-D8B7DBD32689}" type="datetimeFigureOut">
               <a:rPr lang="en-US" smtClean="0"/>
-              <a:t>3/30/19</a:t>
+              <a:t>4/1/19</a:t>
             </a:fld>
             <a:endParaRPr lang="en-US"/>
           </a:p>
@@ -1595,7 +1704,7 @@
           <a:lstStyle/>
           <a:p>
             <a:r>
-              <a:rPr lang="en-US" smtClean="0"/>
+              <a:rPr lang="en-US"/>
               <a:t>Click to edit Master title style</a:t>
             </a:r>
             <a:endParaRPr lang="en-US" dirty="0"/>
@@ -1624,35 +1733,35 @@
           <a:p>
             <a:pPr lvl="0"/>
             <a:r>
-              <a:rPr lang="en-US" smtClean="0"/>
+              <a:rPr lang="en-US"/>
               <a:t>Click to edit Master text styles</a:t>
             </a:r>
           </a:p>
           <a:p>
             <a:pPr lvl="1"/>
             <a:r>
-              <a:rPr lang="en-US" smtClean="0"/>
+              <a:rPr lang="en-US"/>
               <a:t>Second level</a:t>
             </a:r>
           </a:p>
           <a:p>
             <a:pPr lvl="2"/>
             <a:r>
-              <a:rPr lang="en-US" smtClean="0"/>
+              <a:rPr lang="en-US"/>
               <a:t>Third level</a:t>
             </a:r>
           </a:p>
           <a:p>
             <a:pPr lvl="3"/>
             <a:r>
-              <a:rPr lang="en-US" smtClean="0"/>
+              <a:rPr lang="en-US"/>
               <a:t>Fourth level</a:t>
             </a:r>
           </a:p>
           <a:p>
             <a:pPr lvl="4"/>
             <a:r>
-              <a:rPr lang="en-US" smtClean="0"/>
+              <a:rPr lang="en-US"/>
               <a:t>Fifth level</a:t>
             </a:r>
             <a:endParaRPr lang="en-US" dirty="0"/>
@@ -1681,35 +1790,35 @@
           <a:p>
             <a:pPr lvl="0"/>
             <a:r>
-              <a:rPr lang="en-US" smtClean="0"/>
+              <a:rPr lang="en-US"/>
               <a:t>Click to edit Master text styles</a:t>
             </a:r>
           </a:p>
           <a:p>
             <a:pPr lvl="1"/>
             <a:r>
-              <a:rPr lang="en-US" smtClean="0"/>
+              <a:rPr lang="en-US"/>
               <a:t>Second level</a:t>
             </a:r>
           </a:p>
           <a:p>
             <a:pPr lvl="2"/>
             <a:r>
-              <a:rPr lang="en-US" smtClean="0"/>
+              <a:rPr lang="en-US"/>
               <a:t>Third level</a:t>
             </a:r>
           </a:p>
           <a:p>
             <a:pPr lvl="3"/>
             <a:r>
-              <a:rPr lang="en-US" smtClean="0"/>
+              <a:rPr lang="en-US"/>
               <a:t>Fourth level</a:t>
             </a:r>
           </a:p>
           <a:p>
             <a:pPr lvl="4"/>
             <a:r>
-              <a:rPr lang="en-US" smtClean="0"/>
+              <a:rPr lang="en-US"/>
               <a:t>Fifth level</a:t>
             </a:r>
             <a:endParaRPr lang="en-US" dirty="0"/>
@@ -1733,7 +1842,7 @@
           <a:p>
             <a:fld id="{663379F8-D3CD-4F84-8ABE-D8B7DBD32689}" type="datetimeFigureOut">
               <a:rPr lang="en-US" smtClean="0"/>
-              <a:t>3/30/19</a:t>
+              <a:t>4/1/19</a:t>
             </a:fld>
             <a:endParaRPr lang="en-US"/>
           </a:p>
@@ -1833,7 +1942,7 @@
           <a:lstStyle/>
           <a:p>
             <a:r>
-              <a:rPr lang="en-US" smtClean="0"/>
+              <a:rPr lang="en-US"/>
               <a:t>Click to edit Master title style</a:t>
             </a:r>
             <a:endParaRPr lang="en-US" dirty="0"/>
@@ -1899,7 +2008,7 @@
           <a:p>
             <a:pPr lvl="0"/>
             <a:r>
-              <a:rPr lang="en-US" smtClean="0"/>
+              <a:rPr lang="en-US"/>
               <a:t>Click to edit Master text styles</a:t>
             </a:r>
           </a:p>
@@ -1927,35 +2036,35 @@
           <a:p>
             <a:pPr lvl="0"/>
             <a:r>
-              <a:rPr lang="en-US" smtClean="0"/>
+              <a:rPr lang="en-US"/>
               <a:t>Click to edit Master text styles</a:t>
             </a:r>
           </a:p>
           <a:p>
             <a:pPr lvl="1"/>
             <a:r>
-              <a:rPr lang="en-US" smtClean="0"/>
+              <a:rPr lang="en-US"/>
               <a:t>Second level</a:t>
             </a:r>
           </a:p>
           <a:p>
             <a:pPr lvl="2"/>
             <a:r>
-              <a:rPr lang="en-US" smtClean="0"/>
+              <a:rPr lang="en-US"/>
               <a:t>Third level</a:t>
             </a:r>
           </a:p>
           <a:p>
             <a:pPr lvl="3"/>
             <a:r>
-              <a:rPr lang="en-US" smtClean="0"/>
+              <a:rPr lang="en-US"/>
               <a:t>Fourth level</a:t>
             </a:r>
           </a:p>
           <a:p>
             <a:pPr lvl="4"/>
             <a:r>
-              <a:rPr lang="en-US" smtClean="0"/>
+              <a:rPr lang="en-US"/>
               <a:t>Fifth level</a:t>
             </a:r>
             <a:endParaRPr lang="en-US" dirty="0"/>
@@ -2021,7 +2130,7 @@
           <a:p>
             <a:pPr lvl="0"/>
             <a:r>
-              <a:rPr lang="en-US" smtClean="0"/>
+              <a:rPr lang="en-US"/>
               <a:t>Click to edit Master text styles</a:t>
             </a:r>
           </a:p>
@@ -2049,35 +2158,35 @@
           <a:p>
             <a:pPr lvl="0"/>
             <a:r>
-              <a:rPr lang="en-US" smtClean="0"/>
+              <a:rPr lang="en-US"/>
               <a:t>Click to edit Master text styles</a:t>
             </a:r>
           </a:p>
           <a:p>
             <a:pPr lvl="1"/>
             <a:r>
-              <a:rPr lang="en-US" smtClean="0"/>
+              <a:rPr lang="en-US"/>
               <a:t>Second level</a:t>
             </a:r>
           </a:p>
           <a:p>
             <a:pPr lvl="2"/>
             <a:r>
-              <a:rPr lang="en-US" smtClean="0"/>
+              <a:rPr lang="en-US"/>
               <a:t>Third level</a:t>
             </a:r>
           </a:p>
           <a:p>
             <a:pPr lvl="3"/>
             <a:r>
-              <a:rPr lang="en-US" smtClean="0"/>
+              <a:rPr lang="en-US"/>
               <a:t>Fourth level</a:t>
             </a:r>
           </a:p>
           <a:p>
             <a:pPr lvl="4"/>
             <a:r>
-              <a:rPr lang="en-US" smtClean="0"/>
+              <a:rPr lang="en-US"/>
               <a:t>Fifth level</a:t>
             </a:r>
             <a:endParaRPr lang="en-US" dirty="0"/>
@@ -2101,7 +2210,7 @@
           <a:p>
             <a:fld id="{663379F8-D3CD-4F84-8ABE-D8B7DBD32689}" type="datetimeFigureOut">
               <a:rPr lang="en-US" smtClean="0"/>
-              <a:t>3/30/19</a:t>
+              <a:t>4/1/19</a:t>
             </a:fld>
             <a:endParaRPr lang="en-US"/>
           </a:p>
@@ -2196,7 +2305,7 @@
           <a:lstStyle/>
           <a:p>
             <a:r>
-              <a:rPr lang="en-US" smtClean="0"/>
+              <a:rPr lang="en-US"/>
               <a:t>Click to edit Master title style</a:t>
             </a:r>
             <a:endParaRPr lang="en-US" dirty="0"/>
@@ -2220,7 +2329,7 @@
           <a:p>
             <a:fld id="{663379F8-D3CD-4F84-8ABE-D8B7DBD32689}" type="datetimeFigureOut">
               <a:rPr lang="en-US" smtClean="0"/>
-              <a:t>3/30/19</a:t>
+              <a:t>4/1/19</a:t>
             </a:fld>
             <a:endParaRPr lang="en-US"/>
           </a:p>
@@ -2316,7 +2425,7 @@
           <a:p>
             <a:fld id="{663379F8-D3CD-4F84-8ABE-D8B7DBD32689}" type="datetimeFigureOut">
               <a:rPr lang="en-US" smtClean="0"/>
-              <a:t>3/30/19</a:t>
+              <a:t>4/1/19</a:t>
             </a:fld>
             <a:endParaRPr lang="en-US"/>
           </a:p>
@@ -2420,7 +2529,7 @@
           </a:lstStyle>
           <a:p>
             <a:r>
-              <a:rPr lang="en-US" smtClean="0"/>
+              <a:rPr lang="en-US"/>
               <a:t>Click to edit Master title style</a:t>
             </a:r>
             <a:endParaRPr lang="en-US" dirty="0"/>
@@ -2477,35 +2586,35 @@
           <a:p>
             <a:pPr lvl="0"/>
             <a:r>
-              <a:rPr lang="en-US" smtClean="0"/>
+              <a:rPr lang="en-US"/>
               <a:t>Click to edit Master text styles</a:t>
             </a:r>
           </a:p>
           <a:p>
             <a:pPr lvl="1"/>
             <a:r>
-              <a:rPr lang="en-US" smtClean="0"/>
+              <a:rPr lang="en-US"/>
               <a:t>Second level</a:t>
             </a:r>
           </a:p>
           <a:p>
             <a:pPr lvl="2"/>
             <a:r>
-              <a:rPr lang="en-US" smtClean="0"/>
+              <a:rPr lang="en-US"/>
               <a:t>Third level</a:t>
             </a:r>
           </a:p>
           <a:p>
             <a:pPr lvl="3"/>
             <a:r>
-              <a:rPr lang="en-US" smtClean="0"/>
+              <a:rPr lang="en-US"/>
               <a:t>Fourth level</a:t>
             </a:r>
           </a:p>
           <a:p>
             <a:pPr lvl="4"/>
             <a:r>
-              <a:rPr lang="en-US" smtClean="0"/>
+              <a:rPr lang="en-US"/>
               <a:t>Fifth level</a:t>
             </a:r>
             <a:endParaRPr lang="en-US" dirty="0"/>
@@ -2571,7 +2680,7 @@
           <a:p>
             <a:pPr lvl="0"/>
             <a:r>
-              <a:rPr lang="en-US" smtClean="0"/>
+              <a:rPr lang="en-US"/>
               <a:t>Click to edit Master text styles</a:t>
             </a:r>
           </a:p>
@@ -2594,7 +2703,7 @@
           <a:p>
             <a:fld id="{663379F8-D3CD-4F84-8ABE-D8B7DBD32689}" type="datetimeFigureOut">
               <a:rPr lang="en-US" smtClean="0"/>
-              <a:t>3/30/19</a:t>
+              <a:t>4/1/19</a:t>
             </a:fld>
             <a:endParaRPr lang="en-US"/>
           </a:p>
@@ -2698,7 +2807,7 @@
           </a:lstStyle>
           <a:p>
             <a:r>
-              <a:rPr lang="en-US" smtClean="0"/>
+              <a:rPr lang="en-US"/>
               <a:t>Click to edit Master title style</a:t>
             </a:r>
             <a:endParaRPr lang="en-US" dirty="0"/>
@@ -2763,7 +2872,7 @@
           </a:lstStyle>
           <a:p>
             <a:r>
-              <a:rPr lang="en-US" smtClean="0"/>
+              <a:rPr lang="en-US"/>
               <a:t>Click icon to add picture</a:t>
             </a:r>
             <a:endParaRPr lang="en-US" dirty="0"/>
@@ -2829,7 +2938,7 @@
           <a:p>
             <a:pPr lvl="0"/>
             <a:r>
-              <a:rPr lang="en-US" smtClean="0"/>
+              <a:rPr lang="en-US"/>
               <a:t>Click to edit Master text styles</a:t>
             </a:r>
           </a:p>
@@ -2852,7 +2961,7 @@
           <a:p>
             <a:fld id="{663379F8-D3CD-4F84-8ABE-D8B7DBD32689}" type="datetimeFigureOut">
               <a:rPr lang="en-US" smtClean="0"/>
-              <a:t>3/30/19</a:t>
+              <a:t>4/1/19</a:t>
             </a:fld>
             <a:endParaRPr lang="en-US"/>
           </a:p>
@@ -2962,7 +3071,7 @@
           <a:lstStyle/>
           <a:p>
             <a:r>
-              <a:rPr lang="en-US" smtClean="0"/>
+              <a:rPr lang="en-US"/>
               <a:t>Click to edit Master title style</a:t>
             </a:r>
             <a:endParaRPr lang="en-US" dirty="0"/>
@@ -2996,35 +3105,35 @@
           <a:p>
             <a:pPr lvl="0"/>
             <a:r>
-              <a:rPr lang="en-US" smtClean="0"/>
+              <a:rPr lang="en-US"/>
               <a:t>Click to edit Master text styles</a:t>
             </a:r>
           </a:p>
           <a:p>
             <a:pPr lvl="1"/>
             <a:r>
-              <a:rPr lang="en-US" smtClean="0"/>
+              <a:rPr lang="en-US"/>
               <a:t>Second level</a:t>
             </a:r>
           </a:p>
           <a:p>
             <a:pPr lvl="2"/>
             <a:r>
-              <a:rPr lang="en-US" smtClean="0"/>
+              <a:rPr lang="en-US"/>
               <a:t>Third level</a:t>
             </a:r>
           </a:p>
           <a:p>
             <a:pPr lvl="3"/>
             <a:r>
-              <a:rPr lang="en-US" smtClean="0"/>
+              <a:rPr lang="en-US"/>
               <a:t>Fourth level</a:t>
             </a:r>
           </a:p>
           <a:p>
             <a:pPr lvl="4"/>
             <a:r>
-              <a:rPr lang="en-US" smtClean="0"/>
+              <a:rPr lang="en-US"/>
               <a:t>Fifth level</a:t>
             </a:r>
             <a:endParaRPr lang="en-US" dirty="0"/>
@@ -3066,7 +3175,7 @@
           <a:p>
             <a:fld id="{663379F8-D3CD-4F84-8ABE-D8B7DBD32689}" type="datetimeFigureOut">
               <a:rPr lang="en-US" smtClean="0"/>
-              <a:t>3/30/19</a:t>
+              <a:t>4/1/19</a:t>
             </a:fld>
             <a:endParaRPr lang="en-US"/>
           </a:p>
@@ -3473,6 +3582,30 @@
           <a:chExt cx="0" cy="0"/>
         </a:xfrm>
       </p:grpSpPr>
+      <p:pic>
+        <p:nvPicPr>
+          <p:cNvPr id="2" name="Picture 1"/>
+          <p:cNvPicPr>
+            <a:picLocks noChangeAspect="1"/>
+          </p:cNvPicPr>
+          <p:nvPr/>
+        </p:nvPicPr>
+        <p:blipFill>
+          <a:blip r:embed="rId3"/>
+          <a:stretch>
+            <a:fillRect/>
+          </a:stretch>
+        </p:blipFill>
+        <p:spPr>
+          <a:xfrm>
+            <a:off x="28600400" y="6400800"/>
+            <a:ext cx="13309600" cy="9982200"/>
+          </a:xfrm>
+          <a:prstGeom prst="rect">
+            <a:avLst/>
+          </a:prstGeom>
+        </p:spPr>
+      </p:pic>
       <p:sp>
         <p:nvSpPr>
           <p:cNvPr id="13330" name="Rectangle 3"/>
@@ -3639,7 +3772,7 @@
           <a:p>
             <a:pPr algn="ctr" eaLnBrk="1" hangingPunct="1"/>
             <a:r>
-              <a:rPr lang="en-US" sz="6000" b="1" dirty="0" smtClean="0">
+              <a:rPr lang="en-US" sz="6000" b="1" dirty="0">
                 <a:solidFill>
                   <a:schemeClr val="bg1"/>
                 </a:solidFill>
@@ -3650,7 +3783,7 @@
               </a:rPr>
               <a:t>Moral Foundations of U.S. Political News Organizations</a:t>
             </a:r>
-            <a:endParaRPr lang="en-US" sz="6000" b="1" dirty="0" smtClean="0">
+            <a:endParaRPr lang="en-US" sz="6000" b="1" dirty="0">
               <a:solidFill>
                 <a:schemeClr val="bg1"/>
               </a:solidFill>
@@ -3661,7 +3794,7 @@
           <a:p>
             <a:pPr algn="ctr" eaLnBrk="1" hangingPunct="1"/>
             <a:r>
-              <a:rPr lang="en-US" sz="6000" dirty="0" smtClean="0">
+              <a:rPr lang="en-US" sz="6000" dirty="0">
                 <a:solidFill>
                   <a:schemeClr val="bg1"/>
                 </a:solidFill>
@@ -3670,10 +3803,13 @@
                 <a:cs typeface="Times New Roman"/>
                 <a:sym typeface="Minion Pro" pitchFamily="18" charset="0"/>
               </a:rPr>
-              <a:t>William E. Padfield and Erin </a:t>
-            </a:r>
-            <a:r>
-              <a:rPr lang="en-US" sz="6000" dirty="0" smtClean="0">
+              <a:t>William E. Padfield and Erin M. Buchanan</a:t>
+            </a:r>
+          </a:p>
+          <a:p>
+            <a:pPr algn="ctr" eaLnBrk="1" hangingPunct="1"/>
+            <a:r>
+              <a:rPr lang="en-US" sz="6000" dirty="0">
                 <a:solidFill>
                   <a:schemeClr val="bg1"/>
                 </a:solidFill>
@@ -3682,56 +3818,8 @@
                 <a:cs typeface="Times New Roman"/>
                 <a:sym typeface="Minion Pro" pitchFamily="18" charset="0"/>
               </a:rPr>
-              <a:t>M. </a:t>
-            </a:r>
-            <a:r>
-              <a:rPr lang="en-US" sz="6000" dirty="0" smtClean="0">
-                <a:solidFill>
-                  <a:schemeClr val="bg1"/>
-                </a:solidFill>
-                <a:latin typeface="Times New Roman"/>
-                <a:ea typeface="MS PGothic" panose="020B0600070205080204" pitchFamily="34" charset="-128"/>
-                <a:cs typeface="Times New Roman"/>
-                <a:sym typeface="Minion Pro" pitchFamily="18" charset="0"/>
-              </a:rPr>
-              <a:t>Buchanan</a:t>
-            </a:r>
-          </a:p>
-          <a:p>
-            <a:pPr algn="ctr" eaLnBrk="1" hangingPunct="1"/>
-            <a:r>
-              <a:rPr lang="en-US" sz="6000" dirty="0" smtClean="0">
-                <a:solidFill>
-                  <a:schemeClr val="bg1"/>
-                </a:solidFill>
-                <a:latin typeface="Times New Roman"/>
-                <a:ea typeface="MS PGothic" panose="020B0600070205080204" pitchFamily="34" charset="-128"/>
-                <a:cs typeface="Times New Roman"/>
-                <a:sym typeface="Minion Pro" pitchFamily="18" charset="0"/>
-              </a:rPr>
-              <a:t>Missouri </a:t>
-            </a:r>
-            <a:r>
-              <a:rPr lang="en-US" sz="6000" dirty="0" smtClean="0">
-                <a:solidFill>
-                  <a:schemeClr val="bg1"/>
-                </a:solidFill>
-                <a:latin typeface="Times New Roman"/>
-                <a:ea typeface="MS PGothic" panose="020B0600070205080204" pitchFamily="34" charset="-128"/>
-                <a:cs typeface="Times New Roman"/>
-                <a:sym typeface="Minion Pro" pitchFamily="18" charset="0"/>
-              </a:rPr>
-              <a:t>State University</a:t>
-            </a:r>
-            <a:endParaRPr lang="en-US" sz="6000" dirty="0">
-              <a:solidFill>
-                <a:schemeClr val="bg1"/>
-              </a:solidFill>
-              <a:latin typeface="Times New Roman"/>
-              <a:ea typeface="MS PGothic" panose="020B0600070205080204" pitchFamily="34" charset="-128"/>
-              <a:cs typeface="Times New Roman"/>
-              <a:sym typeface="Minion Pro" pitchFamily="18" charset="0"/>
-            </a:endParaRPr>
+              <a:t>Missouri State University</a:t>
+            </a:r>
           </a:p>
         </p:txBody>
       </p:sp>
@@ -3757,7 +3845,7 @@
           </a:ln>
           <a:extLst>
             <a:ext uri="{909E8E84-426E-40dd-AFC4-6F175D3DCCD1}">
-              <a14:hiddenFill xmlns:a14="http://schemas.microsoft.com/office/drawing/2010/main">
+              <a14:hiddenFill xmlns:a14="http://schemas.microsoft.com/office/drawing/2010/main" xmlns="">
                 <a:noFill/>
               </a14:hiddenFill>
             </a:ext>
@@ -3807,7 +3895,7 @@
           </a:ln>
           <a:extLst>
             <a:ext uri="{909E8E84-426E-40dd-AFC4-6F175D3DCCD1}">
-              <a14:hiddenFill xmlns:a14="http://schemas.microsoft.com/office/drawing/2010/main">
+              <a14:hiddenFill xmlns:a14="http://schemas.microsoft.com/office/drawing/2010/main" xmlns="">
                 <a:noFill/>
               </a14:hiddenFill>
             </a:ext>
@@ -3857,7 +3945,7 @@
           </a:ln>
           <a:extLst>
             <a:ext uri="{909E8E84-426E-40dd-AFC4-6F175D3DCCD1}">
-              <a14:hiddenFill xmlns:a14="http://schemas.microsoft.com/office/drawing/2010/main">
+              <a14:hiddenFill xmlns:a14="http://schemas.microsoft.com/office/drawing/2010/main" xmlns="">
                 <a:noFill/>
               </a14:hiddenFill>
             </a:ext>
@@ -3907,14 +3995,14 @@
           </a:ln>
           <a:extLst>
             <a:ext uri="{909E8E84-426E-40dd-AFC4-6F175D3DCCD1}">
-              <a14:hiddenFill xmlns:a14="http://schemas.microsoft.com/office/drawing/2010/main">
+              <a14:hiddenFill xmlns:a14="http://schemas.microsoft.com/office/drawing/2010/main" xmlns="">
                 <a:solidFill>
                   <a:srgbClr val="FFFFFF"/>
                 </a:solidFill>
               </a14:hiddenFill>
             </a:ext>
             <a:ext uri="{91240B29-F687-4f45-9708-019B960494DF}">
-              <a14:hiddenLine xmlns:a14="http://schemas.microsoft.com/office/drawing/2010/main" w="12700" cap="rnd">
+              <a14:hiddenLine xmlns:a14="http://schemas.microsoft.com/office/drawing/2010/main" xmlns="" w="12700" cap="rnd">
                 <a:solidFill>
                   <a:schemeClr val="tx1"/>
                 </a:solidFill>
@@ -4046,7 +4134,7 @@
           <a:p>
             <a:pPr algn="ctr" eaLnBrk="1" hangingPunct="1"/>
             <a:r>
-              <a:rPr lang="en-US" sz="4400" b="1" dirty="0" smtClean="0">
+              <a:rPr lang="en-US" sz="4400" b="1" dirty="0">
                 <a:solidFill>
                   <a:schemeClr val="accent6">
                     <a:lumMod val="75000"/>
@@ -4063,20 +4151,13 @@
           <a:p>
             <a:pPr eaLnBrk="1" hangingPunct="1"/>
             <a:r>
-              <a:rPr lang="en-US" sz="3600" dirty="0" smtClean="0">
+              <a:rPr lang="en-US" sz="3600" dirty="0">
                 <a:latin typeface="Times New Roman"/>
                 <a:cs typeface="Times New Roman"/>
               </a:rPr>
-              <a:t>The media ecosystem has grown, and political opinions have diverged such that there are competing conceptions of objective truth. Commentators often point to political biases in news coverage as a catalyst for this political divide. The Moral Foundations Dictionary (MFD) facilitates identification of ideological leanings in text through frequency of the occurrence of certain words. Through web scraping, the researchers extracted articles from popular news sources’ websites, calculated MFD word frequencies, and identified words’ respective valences. This process attempts to uncover news outlets’ positive or negative endorsements of certain moral dimensions concomitant with a particular ideology. The researchers gathered political articles from four sources</a:t>
-            </a:r>
-            <a:r>
-              <a:rPr lang="en-US" sz="3600" dirty="0" smtClean="0">
-                <a:latin typeface="Times New Roman"/>
-                <a:cs typeface="Times New Roman"/>
-              </a:rPr>
-              <a:t>. They were unable to reveal significant differences in moral or political endorsements, but they solidified the method for future research.</a:t>
-            </a:r>
-            <a:endParaRPr lang="en-US" sz="3600" dirty="0" smtClean="0">
+              <a:t>The media ecosystem has grown, and political opinions have diverged such that there are competing conceptions of objective truth. Commentators often point to political biases in news coverage as a catalyst for this political divide. The Moral Foundations Dictionary (MFD) facilitates identification of ideological leanings in text through frequency of the occurrence of certain words. Through web scraping, the researchers extracted articles from popular news sources’ websites, calculated MFD word frequencies, and identified words’ respective valences. This process attempts to uncover news outlets’ positive or negative endorsements of certain moral dimensions concomitant with a particular ideology. The researchers gathered political articles from four sources. They were unable to reveal significant differences in moral or political endorsements, but they solidified the method for future research.</a:t>
+            </a:r>
+            <a:endParaRPr lang="en-US" sz="3600" dirty="0">
               <a:solidFill>
                 <a:schemeClr val="tx1"/>
               </a:solidFill>
@@ -4088,7 +4169,7 @@
           </a:p>
           <a:p>
             <a:pPr eaLnBrk="1" hangingPunct="1"/>
-            <a:endParaRPr lang="en-US" sz="4400" b="1" dirty="0" smtClean="0">
+            <a:endParaRPr lang="en-US" sz="4400" b="1" dirty="0">
               <a:latin typeface="Times New Roman"/>
               <a:cs typeface="Times New Roman"/>
             </a:endParaRPr>
@@ -4117,14 +4198,14 @@
           </a:ln>
           <a:extLst>
             <a:ext uri="{909E8E84-426E-40dd-AFC4-6F175D3DCCD1}">
-              <a14:hiddenFill xmlns:a14="http://schemas.microsoft.com/office/drawing/2010/main">
+              <a14:hiddenFill xmlns:a14="http://schemas.microsoft.com/office/drawing/2010/main" xmlns="">
                 <a:solidFill>
                   <a:srgbClr val="FFFFFF"/>
                 </a:solidFill>
               </a14:hiddenFill>
             </a:ext>
             <a:ext uri="{91240B29-F687-4f45-9708-019B960494DF}">
-              <a14:hiddenLine xmlns:a14="http://schemas.microsoft.com/office/drawing/2010/main" w="12700" cap="rnd">
+              <a14:hiddenLine xmlns:a14="http://schemas.microsoft.com/office/drawing/2010/main" xmlns="" w="12700" cap="rnd">
                 <a:solidFill>
                   <a:schemeClr val="tx1"/>
                 </a:solidFill>
@@ -4297,14 +4378,14 @@
           </a:ln>
           <a:extLst>
             <a:ext uri="{909E8E84-426E-40dd-AFC4-6F175D3DCCD1}">
-              <a14:hiddenFill xmlns:a14="http://schemas.microsoft.com/office/drawing/2010/main">
+              <a14:hiddenFill xmlns:a14="http://schemas.microsoft.com/office/drawing/2010/main" xmlns="">
                 <a:solidFill>
                   <a:srgbClr val="FFFFFF"/>
                 </a:solidFill>
               </a14:hiddenFill>
             </a:ext>
             <a:ext uri="{91240B29-F687-4f45-9708-019B960494DF}">
-              <a14:hiddenLine xmlns:a14="http://schemas.microsoft.com/office/drawing/2010/main" w="12700" cap="rnd">
+              <a14:hiddenLine xmlns:a14="http://schemas.microsoft.com/office/drawing/2010/main" xmlns="" w="12700" cap="rnd">
                 <a:solidFill>
                   <a:schemeClr val="tx1"/>
                 </a:solidFill>
@@ -4436,7 +4517,7 @@
           <a:p>
             <a:pPr algn="ctr" eaLnBrk="1" hangingPunct="1"/>
             <a:r>
-              <a:rPr lang="en-US" sz="4400" b="1" dirty="0" smtClean="0">
+              <a:rPr lang="en-US" sz="4400" b="1" dirty="0">
                 <a:solidFill>
                   <a:schemeClr val="accent6">
                     <a:lumMod val="75000"/>
@@ -4453,7 +4534,7 @@
           <a:p>
             <a:pPr eaLnBrk="1" hangingPunct="1"/>
             <a:r>
-              <a:rPr lang="en-US" sz="3600" b="1" i="1" dirty="0" smtClean="0">
+              <a:rPr lang="en-US" sz="3600" b="1" i="1" dirty="0">
                 <a:solidFill>
                   <a:schemeClr val="tx1"/>
                 </a:solidFill>
@@ -4464,15 +4545,6 @@
               </a:rPr>
               <a:t>Sources</a:t>
             </a:r>
-            <a:endParaRPr lang="en-US" sz="3600" b="1" i="1" dirty="0" smtClean="0">
-              <a:solidFill>
-                <a:schemeClr val="tx1"/>
-              </a:solidFill>
-              <a:latin typeface="Times New Roman"/>
-              <a:ea typeface="MS PGothic" panose="020B0600070205080204" pitchFamily="34" charset="-128"/>
-              <a:cs typeface="Times New Roman"/>
-              <a:sym typeface="Times New Roman Bold" panose="02020803070505020304" pitchFamily="18" charset="0"/>
-            </a:endParaRPr>
           </a:p>
           <a:p>
             <a:pPr eaLnBrk="1" hangingPunct="1"/>
@@ -4489,7 +4561,7 @@
               <a:t>	</a:t>
             </a:r>
             <a:r>
-              <a:rPr lang="en-US" sz="3600" dirty="0" smtClean="0">
+              <a:rPr lang="en-US" sz="3600" dirty="0">
                 <a:solidFill>
                   <a:prstClr val="black"/>
                 </a:solidFill>
@@ -4497,21 +4569,10 @@
                 <a:ea typeface="Calibri"/>
                 <a:cs typeface="Times New Roman"/>
               </a:rPr>
-              <a:t>Political n</a:t>
-            </a:r>
-            <a:r>
-              <a:rPr lang="en-US" sz="3600" dirty="0" smtClean="0">
-                <a:solidFill>
-                  <a:prstClr val="black"/>
-                </a:solidFill>
-                <a:latin typeface="Times New Roman"/>
-                <a:ea typeface="Calibri"/>
-                <a:cs typeface="Times New Roman"/>
-              </a:rPr>
-              <a:t>ews articles from four U.S. sources - two preferred by liberals and two by conservatives (Mitchell, et al., 2014). The sources were </a:t>
-            </a:r>
-            <a:r>
-              <a:rPr lang="en-US" sz="3600" i="1" dirty="0" smtClean="0">
+              <a:t>Political news articles from four U.S. sources - two preferred by liberals and two by conservatives (Mitchell, et al., 2014). The sources were </a:t>
+            </a:r>
+            <a:r>
+              <a:rPr lang="en-US" sz="3600" i="1" dirty="0">
                 <a:solidFill>
                   <a:prstClr val="black"/>
                 </a:solidFill>
@@ -4522,7 +4583,7 @@
               <a:t>The New York Times, NPR, Fox News, and </a:t>
             </a:r>
             <a:r>
-              <a:rPr lang="en-US" sz="3600" i="1" dirty="0" err="1" smtClean="0">
+              <a:rPr lang="en-US" sz="3600" i="1" dirty="0" err="1">
                 <a:solidFill>
                   <a:prstClr val="black"/>
                 </a:solidFill>
@@ -4533,7 +4594,7 @@
               <a:t>Breitbart</a:t>
             </a:r>
             <a:r>
-              <a:rPr lang="en-US" sz="3600" i="1" dirty="0" smtClean="0">
+              <a:rPr lang="en-US" sz="3600" i="1" dirty="0">
                 <a:solidFill>
                   <a:prstClr val="black"/>
                 </a:solidFill>
@@ -4543,7 +4604,7 @@
               </a:rPr>
               <a:t>.</a:t>
             </a:r>
-            <a:endParaRPr lang="en-US" sz="3600" dirty="0" smtClean="0">
+            <a:endParaRPr lang="en-US" sz="3600" dirty="0">
               <a:solidFill>
                 <a:prstClr val="black"/>
               </a:solidFill>
@@ -4597,7 +4658,7 @@
               <a:buChar char="•"/>
             </a:pPr>
             <a:r>
-              <a:rPr lang="en-US" sz="3600" dirty="0" smtClean="0">
+              <a:rPr lang="en-US" sz="3600" dirty="0">
                 <a:solidFill>
                   <a:schemeClr val="tx1"/>
                 </a:solidFill>
@@ -4609,7 +4670,7 @@
               <a:t>Body text of articles was scraped using the </a:t>
             </a:r>
             <a:r>
-              <a:rPr lang="en-US" sz="3600" i="1" dirty="0" err="1" smtClean="0">
+              <a:rPr lang="en-US" sz="3600" i="1" dirty="0" err="1">
                 <a:solidFill>
                   <a:schemeClr val="tx1"/>
                 </a:solidFill>
@@ -4621,7 +4682,7 @@
               <a:t>rvest</a:t>
             </a:r>
             <a:r>
-              <a:rPr lang="en-US" sz="3600" dirty="0" smtClean="0">
+              <a:rPr lang="en-US" sz="3600" dirty="0">
                 <a:solidFill>
                   <a:schemeClr val="tx1"/>
                 </a:solidFill>
@@ -4633,7 +4694,7 @@
               <a:t> library in </a:t>
             </a:r>
             <a:r>
-              <a:rPr lang="en-US" sz="3600" i="1" dirty="0" smtClean="0">
+              <a:rPr lang="en-US" sz="3600" i="1" dirty="0">
                 <a:solidFill>
                   <a:schemeClr val="tx1"/>
                 </a:solidFill>
@@ -4651,7 +4712,7 @@
               <a:buChar char="•"/>
             </a:pPr>
             <a:r>
-              <a:rPr lang="en-US" sz="3600" dirty="0" smtClean="0">
+              <a:rPr lang="en-US" sz="3600" dirty="0">
                 <a:solidFill>
                   <a:schemeClr val="tx1"/>
                 </a:solidFill>
@@ -4663,7 +4724,7 @@
               <a:t>Using the </a:t>
             </a:r>
             <a:r>
-              <a:rPr lang="en-US" sz="3600" i="1" dirty="0" smtClean="0">
+              <a:rPr lang="en-US" sz="3600" i="1" dirty="0">
                 <a:solidFill>
                   <a:schemeClr val="tx1"/>
                 </a:solidFill>
@@ -4675,7 +4736,7 @@
               <a:t>tm </a:t>
             </a:r>
             <a:r>
-              <a:rPr lang="en-US" sz="3600" dirty="0" smtClean="0">
+              <a:rPr lang="en-US" sz="3600" dirty="0">
                 <a:solidFill>
                   <a:schemeClr val="tx1"/>
                 </a:solidFill>
@@ -4687,7 +4748,7 @@
               <a:t>and </a:t>
             </a:r>
             <a:r>
-              <a:rPr lang="en-US" sz="3600" i="1" dirty="0" err="1" smtClean="0">
+              <a:rPr lang="en-US" sz="3600" i="1" dirty="0" err="1">
                 <a:solidFill>
                   <a:schemeClr val="tx1"/>
                 </a:solidFill>
@@ -4699,7 +4760,7 @@
               <a:t>ngram</a:t>
             </a:r>
             <a:r>
-              <a:rPr lang="en-US" sz="3600" i="1" dirty="0" smtClean="0">
+              <a:rPr lang="en-US" sz="3600" i="1" dirty="0">
                 <a:solidFill>
                   <a:schemeClr val="tx1"/>
                 </a:solidFill>
@@ -4711,7 +4772,7 @@
               <a:t> </a:t>
             </a:r>
             <a:r>
-              <a:rPr lang="en-US" sz="3600" dirty="0" smtClean="0">
+              <a:rPr lang="en-US" sz="3600" dirty="0">
                 <a:solidFill>
                   <a:schemeClr val="tx1"/>
                 </a:solidFill>
@@ -4729,7 +4790,7 @@
               <a:buChar char="•"/>
             </a:pPr>
             <a:r>
-              <a:rPr lang="en-US" sz="3600" dirty="0" smtClean="0">
+              <a:rPr lang="en-US" sz="3600" dirty="0">
                 <a:solidFill>
                   <a:schemeClr val="tx1"/>
                 </a:solidFill>
@@ -4741,7 +4802,7 @@
               <a:t>The same procedure was applied to the words in the </a:t>
             </a:r>
             <a:r>
-              <a:rPr lang="en-US" sz="3600" dirty="0" err="1" smtClean="0">
+              <a:rPr lang="en-US" sz="3600" dirty="0" err="1">
                 <a:solidFill>
                   <a:schemeClr val="tx1"/>
                 </a:solidFill>
@@ -4753,7 +4814,7 @@
               <a:t>Warriner</a:t>
             </a:r>
             <a:r>
-              <a:rPr lang="en-US" sz="3600" dirty="0" smtClean="0">
+              <a:rPr lang="en-US" sz="3600" dirty="0">
                 <a:solidFill>
                   <a:schemeClr val="tx1"/>
                 </a:solidFill>
@@ -4771,7 +4832,7 @@
               <a:buChar char="•"/>
             </a:pPr>
             <a:r>
-              <a:rPr lang="en-US" sz="3600" dirty="0" smtClean="0">
+              <a:rPr lang="en-US" sz="3600" dirty="0">
                 <a:solidFill>
                   <a:schemeClr val="tx1"/>
                 </a:solidFill>
@@ -4783,7 +4844,7 @@
               <a:t>Problem: Graham, et al.’s (2009) MFD does not account for valence </a:t>
             </a:r>
             <a:r>
-              <a:rPr lang="mr-IN" sz="3600" dirty="0" smtClean="0">
+              <a:rPr lang="mr-IN" sz="3600" dirty="0">
                 <a:solidFill>
                   <a:schemeClr val="tx1"/>
                 </a:solidFill>
@@ -4795,7 +4856,7 @@
               <a:t>–</a:t>
             </a:r>
             <a:r>
-              <a:rPr lang="en-US" sz="3600" dirty="0" smtClean="0">
+              <a:rPr lang="en-US" sz="3600" dirty="0">
                 <a:solidFill>
                   <a:schemeClr val="tx1"/>
                 </a:solidFill>
@@ -4804,10 +4865,10 @@
                 <a:cs typeface="Times New Roman"/>
                 <a:sym typeface="Times New Roman Bold" panose="02020803070505020304" pitchFamily="18" charset="0"/>
               </a:rPr>
-              <a:t> it assumes any word occurrence is positive endorsement Also, it cannot be as specific as the Moral Foundations Questionnaire (MFQ; Graham, et. al., 2011). See example for </a:t>
-            </a:r>
-            <a:r>
-              <a:rPr lang="en-US" sz="3600" i="1" dirty="0" smtClean="0">
+              <a:t> it assumes any word occurrence is positive endorsement. Also, it cannot be as specific as the Moral Foundations Questionnaire (MFQ; Graham, et. al., 2011). See example for </a:t>
+            </a:r>
+            <a:r>
+              <a:rPr lang="en-US" sz="3600" i="1" dirty="0">
                 <a:solidFill>
                   <a:schemeClr val="tx1"/>
                 </a:solidFill>
@@ -4819,7 +4880,7 @@
               <a:t>harm/care</a:t>
             </a:r>
             <a:r>
-              <a:rPr lang="en-US" sz="3600" dirty="0" smtClean="0">
+              <a:rPr lang="en-US" sz="3600" dirty="0">
                 <a:solidFill>
                   <a:schemeClr val="tx1"/>
                 </a:solidFill>
@@ -4837,7 +4898,7 @@
               <a:buChar char="•"/>
             </a:pPr>
             <a:r>
-              <a:rPr lang="en-US" sz="3600" dirty="0" smtClean="0">
+              <a:rPr lang="en-US" sz="3600" dirty="0">
                 <a:solidFill>
                   <a:schemeClr val="tx1"/>
                 </a:solidFill>
@@ -4849,7 +4910,7 @@
               <a:t>MFQ item: </a:t>
             </a:r>
             <a:r>
-              <a:rPr lang="en-US" sz="3600" i="1" dirty="0" smtClean="0">
+              <a:rPr lang="en-US" sz="3600" i="1" dirty="0">
                 <a:solidFill>
                   <a:schemeClr val="tx1"/>
                 </a:solidFill>
@@ -4860,7 +4921,7 @@
               </a:rPr>
               <a:t>It can never be right to kill another human being.</a:t>
             </a:r>
-            <a:endParaRPr lang="en-US" sz="3600" dirty="0" smtClean="0">
+            <a:endParaRPr lang="en-US" sz="3600" dirty="0">
               <a:solidFill>
                 <a:schemeClr val="tx1"/>
               </a:solidFill>
@@ -4876,7 +4937,7 @@
               <a:buChar char="•"/>
             </a:pPr>
             <a:r>
-              <a:rPr lang="en-US" sz="3600" dirty="0" smtClean="0">
+              <a:rPr lang="en-US" sz="3600" dirty="0">
                 <a:solidFill>
                   <a:schemeClr val="tx1"/>
                 </a:solidFill>
@@ -4894,7 +4955,7 @@
               <a:buChar char="•"/>
             </a:pPr>
             <a:r>
-              <a:rPr lang="en-US" sz="3600" dirty="0" smtClean="0">
+              <a:rPr lang="en-US" sz="3600" dirty="0">
                 <a:solidFill>
                   <a:schemeClr val="tx1"/>
                 </a:solidFill>
@@ -4906,7 +4967,7 @@
               <a:t>MFD words: </a:t>
             </a:r>
             <a:r>
-              <a:rPr lang="en-US" sz="3600" i="1" dirty="0" smtClean="0">
+              <a:rPr lang="en-US" sz="3600" i="1" dirty="0">
                 <a:solidFill>
                   <a:schemeClr val="tx1"/>
                 </a:solidFill>
@@ -4918,7 +4979,7 @@
               <a:t>benefit</a:t>
             </a:r>
             <a:r>
-              <a:rPr lang="en-US" sz="3600" dirty="0" smtClean="0">
+              <a:rPr lang="en-US" sz="3600" dirty="0">
                 <a:solidFill>
                   <a:schemeClr val="tx1"/>
                 </a:solidFill>
@@ -4930,7 +4991,7 @@
               <a:t>, </a:t>
             </a:r>
             <a:r>
-              <a:rPr lang="en-US" sz="3600" i="1" dirty="0" smtClean="0">
+              <a:rPr lang="en-US" sz="3600" i="1" dirty="0">
                 <a:solidFill>
                   <a:schemeClr val="tx1"/>
                 </a:solidFill>
@@ -4942,7 +5003,7 @@
               <a:t>cruel, guard</a:t>
             </a:r>
             <a:r>
-              <a:rPr lang="en-US" sz="3600" dirty="0" smtClean="0">
+              <a:rPr lang="en-US" sz="3600" dirty="0">
                 <a:solidFill>
                   <a:schemeClr val="tx1"/>
                 </a:solidFill>
@@ -4954,7 +5015,7 @@
               <a:t>, </a:t>
             </a:r>
             <a:r>
-              <a:rPr lang="en-US" sz="3600" i="1" dirty="0" smtClean="0">
+              <a:rPr lang="en-US" sz="3600" i="1" dirty="0">
                 <a:solidFill>
                   <a:schemeClr val="tx1"/>
                 </a:solidFill>
@@ -4966,7 +5027,7 @@
               <a:t>kill</a:t>
             </a:r>
             <a:r>
-              <a:rPr lang="en-US" sz="3600" dirty="0" smtClean="0">
+              <a:rPr lang="en-US" sz="3600" dirty="0">
                 <a:solidFill>
                   <a:schemeClr val="tx1"/>
                 </a:solidFill>
@@ -4978,7 +5039,7 @@
               <a:t>; valence is intuitive, but unaccounted for by MFD analyses. Other foundations (such as </a:t>
             </a:r>
             <a:r>
-              <a:rPr lang="en-US" sz="3600" i="1" dirty="0" smtClean="0">
+              <a:rPr lang="en-US" sz="3600" i="1" dirty="0">
                 <a:solidFill>
                   <a:schemeClr val="tx1"/>
                 </a:solidFill>
@@ -4990,7 +5051,7 @@
               <a:t>purity/sanctity</a:t>
             </a:r>
             <a:r>
-              <a:rPr lang="en-US" sz="3600" dirty="0" smtClean="0">
+              <a:rPr lang="en-US" sz="3600" dirty="0">
                 <a:solidFill>
                   <a:schemeClr val="tx1"/>
                 </a:solidFill>
@@ -5002,7 +5063,7 @@
               <a:t>)</a:t>
             </a:r>
             <a:r>
-              <a:rPr lang="en-US" sz="3600" i="1" dirty="0" smtClean="0">
+              <a:rPr lang="en-US" sz="3600" i="1" dirty="0">
                 <a:solidFill>
                   <a:schemeClr val="tx1"/>
                 </a:solidFill>
@@ -5014,7 +5075,7 @@
               <a:t> </a:t>
             </a:r>
             <a:r>
-              <a:rPr lang="en-US" sz="3600" dirty="0" smtClean="0">
+              <a:rPr lang="en-US" sz="3600" dirty="0">
                 <a:solidFill>
                   <a:schemeClr val="tx1"/>
                 </a:solidFill>
@@ -5032,7 +5093,7 @@
               <a:buChar char="•"/>
             </a:pPr>
             <a:r>
-              <a:rPr lang="en-US" sz="3600" dirty="0" smtClean="0">
+              <a:rPr lang="en-US" sz="3600" dirty="0">
                 <a:solidFill>
                   <a:schemeClr val="tx1"/>
                 </a:solidFill>
@@ -5044,7 +5105,7 @@
               <a:t>Solution: incorporate valence (pleasantness) ratings from </a:t>
             </a:r>
             <a:r>
-              <a:rPr lang="en-US" sz="3600" dirty="0" err="1" smtClean="0">
+              <a:rPr lang="en-US" sz="3600" dirty="0" err="1">
                 <a:solidFill>
                   <a:schemeClr val="tx1"/>
                 </a:solidFill>
@@ -5056,7 +5117,7 @@
               <a:t>Warriner</a:t>
             </a:r>
             <a:r>
-              <a:rPr lang="en-US" sz="3600" dirty="0" smtClean="0">
+              <a:rPr lang="en-US" sz="3600" dirty="0">
                 <a:solidFill>
                   <a:schemeClr val="tx1"/>
                 </a:solidFill>
@@ -5074,7 +5135,7 @@
               <a:buChar char="•"/>
             </a:pPr>
             <a:r>
-              <a:rPr lang="en-US" sz="3600" dirty="0" smtClean="0">
+              <a:rPr lang="en-US" sz="3600" dirty="0">
                 <a:solidFill>
                   <a:schemeClr val="tx1"/>
                 </a:solidFill>
@@ -5086,7 +5147,7 @@
               <a:t>Article words were matched up with MFD counterparts and percent occurrence, which was multiplied by </a:t>
             </a:r>
             <a:r>
-              <a:rPr lang="en-US" sz="3600" i="1" dirty="0" smtClean="0">
+              <a:rPr lang="en-US" sz="3600" i="1" dirty="0">
                 <a:solidFill>
                   <a:schemeClr val="tx1"/>
                 </a:solidFill>
@@ -5098,7 +5159,7 @@
               <a:t>z</a:t>
             </a:r>
             <a:r>
-              <a:rPr lang="en-US" sz="3600" dirty="0" smtClean="0">
+              <a:rPr lang="en-US" sz="3600" dirty="0">
                 <a:solidFill>
                   <a:schemeClr val="tx1"/>
                 </a:solidFill>
@@ -5121,7 +5182,7 @@
           </a:p>
           <a:p>
             <a:r>
-              <a:rPr lang="en-US" sz="3600" b="1" i="1" dirty="0" smtClean="0">
+              <a:rPr lang="en-US" sz="3600" b="1" i="1" dirty="0">
                 <a:solidFill>
                   <a:schemeClr val="tx1"/>
                 </a:solidFill>
@@ -5132,7 +5193,7 @@
               </a:rPr>
               <a:t>Analysis </a:t>
             </a:r>
-            <a:endParaRPr lang="en-US" sz="3600" dirty="0" smtClean="0">
+            <a:endParaRPr lang="en-US" sz="3600" dirty="0">
               <a:latin typeface="Times New Roman" charset="0"/>
               <a:ea typeface="Times New Roman" charset="0"/>
               <a:cs typeface="Times New Roman" charset="0"/>
@@ -5144,44 +5205,26 @@
               <a:buChar char="•"/>
             </a:pPr>
             <a:r>
-              <a:rPr lang="en-US" sz="3600" dirty="0" smtClean="0">
+              <a:rPr lang="en-US" sz="3600" dirty="0">
                 <a:latin typeface="Times New Roman" charset="0"/>
                 <a:ea typeface="Times New Roman" charset="0"/>
                 <a:cs typeface="Times New Roman" charset="0"/>
               </a:rPr>
-              <a:t>A </a:t>
-            </a:r>
-            <a:r>
-              <a:rPr lang="en-US" sz="3600" dirty="0" smtClean="0">
+              <a:t>A multilevel model controlling for correlated error of political lean and source was used to analyze the data. </a:t>
+            </a:r>
+          </a:p>
+          <a:p>
+            <a:pPr marL="457200" indent="-457200">
+              <a:buFont typeface="Arial" charset="0"/>
+              <a:buChar char="•"/>
+            </a:pPr>
+            <a:r>
+              <a:rPr lang="en-US" sz="3600" dirty="0">
                 <a:latin typeface="Times New Roman" charset="0"/>
                 <a:ea typeface="Times New Roman" charset="0"/>
                 <a:cs typeface="Times New Roman" charset="0"/>
               </a:rPr>
-              <a:t>multilevel model controlling for correlated error of </a:t>
-            </a:r>
-            <a:r>
-              <a:rPr lang="en-US" sz="3600" dirty="0" smtClean="0">
-                <a:latin typeface="Times New Roman" charset="0"/>
-                <a:ea typeface="Times New Roman" charset="0"/>
-                <a:cs typeface="Times New Roman" charset="0"/>
-              </a:rPr>
-              <a:t>political lean </a:t>
-            </a:r>
-            <a:r>
-              <a:rPr lang="en-US" sz="3600" dirty="0" smtClean="0">
-                <a:latin typeface="Times New Roman" charset="0"/>
-                <a:ea typeface="Times New Roman" charset="0"/>
-                <a:cs typeface="Times New Roman" charset="0"/>
-              </a:rPr>
-              <a:t>and source was </a:t>
-            </a:r>
-            <a:r>
-              <a:rPr lang="en-US" sz="3600" dirty="0" smtClean="0">
-                <a:latin typeface="Times New Roman" charset="0"/>
-                <a:ea typeface="Times New Roman" charset="0"/>
-                <a:cs typeface="Times New Roman" charset="0"/>
-              </a:rPr>
-              <a:t>used to analyze the data. </a:t>
+              <a:t>Independent variable was political lean with news source as a random intercept predicting weighted percentage of each foundation.</a:t>
             </a:r>
           </a:p>
           <a:p>
@@ -5190,29 +5233,7 @@
               <a:buChar char="•"/>
             </a:pPr>
             <a:r>
-              <a:rPr lang="en-US" sz="3600" dirty="0" smtClean="0">
-                <a:latin typeface="Times New Roman" charset="0"/>
-                <a:ea typeface="Times New Roman" charset="0"/>
-                <a:cs typeface="Times New Roman" charset="0"/>
-              </a:rPr>
-              <a:t>Independent </a:t>
-            </a:r>
-            <a:r>
-              <a:rPr lang="en-US" sz="3600" dirty="0" smtClean="0">
-                <a:latin typeface="Times New Roman" charset="0"/>
-                <a:ea typeface="Times New Roman" charset="0"/>
-                <a:cs typeface="Times New Roman" charset="0"/>
-              </a:rPr>
-              <a:t>variable was political lean with news source as a random intercept predicting weighted percentage of each foundation.</a:t>
-            </a:r>
-          </a:p>
-          <a:p>
-            <a:pPr marL="457200" indent="-457200">
-              <a:buFont typeface="Arial" charset="0"/>
-              <a:buChar char="•"/>
-            </a:pPr>
-            <a:r>
-              <a:rPr lang="en-US" sz="3600" dirty="0" smtClean="0">
+              <a:rPr lang="en-US" sz="3600" dirty="0">
                 <a:latin typeface="Times New Roman" charset="0"/>
                 <a:ea typeface="Times New Roman" charset="0"/>
                 <a:cs typeface="Times New Roman" charset="0"/>
@@ -5248,14 +5269,14 @@
           </a:ln>
           <a:extLst>
             <a:ext uri="{909E8E84-426E-40dd-AFC4-6F175D3DCCD1}">
-              <a14:hiddenFill xmlns:a14="http://schemas.microsoft.com/office/drawing/2010/main">
+              <a14:hiddenFill xmlns:a14="http://schemas.microsoft.com/office/drawing/2010/main" xmlns="">
                 <a:solidFill>
                   <a:srgbClr val="FFFFFF"/>
                 </a:solidFill>
               </a14:hiddenFill>
             </a:ext>
             <a:ext uri="{91240B29-F687-4f45-9708-019B960494DF}">
-              <a14:hiddenLine xmlns:a14="http://schemas.microsoft.com/office/drawing/2010/main" w="12700" cap="rnd">
+              <a14:hiddenLine xmlns:a14="http://schemas.microsoft.com/office/drawing/2010/main" xmlns="" w="12700" cap="rnd">
                 <a:solidFill>
                   <a:schemeClr val="tx1"/>
                 </a:solidFill>
@@ -5387,7 +5408,7 @@
           <a:p>
             <a:pPr algn="ctr" eaLnBrk="1" hangingPunct="1"/>
             <a:r>
-              <a:rPr lang="en-US" sz="4400" b="1" dirty="0" smtClean="0">
+              <a:rPr lang="en-US" sz="4400" b="1" dirty="0">
                 <a:solidFill>
                   <a:schemeClr val="accent6">
                     <a:lumMod val="75000"/>
@@ -5400,7 +5421,7 @@
               </a:rPr>
               <a:t>Results</a:t>
             </a:r>
-            <a:endParaRPr lang="en-US" sz="3600" dirty="0" smtClean="0">
+            <a:endParaRPr lang="en-US" sz="3600" dirty="0">
               <a:solidFill>
                 <a:schemeClr val="tx1"/>
               </a:solidFill>
@@ -5412,7 +5433,7 @@
           </a:p>
           <a:p>
             <a:pPr eaLnBrk="1" hangingPunct="1"/>
-            <a:endParaRPr lang="en-US" sz="4400" b="1" dirty="0" smtClean="0">
+            <a:endParaRPr lang="en-US" sz="4400" b="1" dirty="0">
               <a:latin typeface="Gill Sans"/>
             </a:endParaRPr>
           </a:p>
@@ -5470,58 +5491,44 @@
           <a:lstStyle/>
           <a:p>
             <a:r>
-              <a:rPr lang="en-US" sz="3500" b="1" dirty="0" smtClean="0">
+              <a:rPr lang="en-US" sz="3500" b="1" dirty="0">
                 <a:latin typeface="Times New Roman" pitchFamily="18" charset="0"/>
                 <a:cs typeface="Times New Roman" pitchFamily="18" charset="0"/>
               </a:rPr>
               <a:t>Contact: </a:t>
             </a:r>
             <a:r>
-              <a:rPr lang="en-US" sz="3500" dirty="0" smtClean="0">
+              <a:rPr lang="en-US" sz="3500" dirty="0">
                 <a:latin typeface="Times New Roman" pitchFamily="18" charset="0"/>
                 <a:cs typeface="Times New Roman" pitchFamily="18" charset="0"/>
               </a:rPr>
               <a:t>William E. Padfield (</a:t>
             </a:r>
             <a:r>
-              <a:rPr lang="en-US" sz="3500" dirty="0" smtClean="0">
-                <a:latin typeface="Times New Roman" pitchFamily="18" charset="0"/>
-                <a:cs typeface="Times New Roman" pitchFamily="18" charset="0"/>
-                <a:hlinkClick r:id="rId3"/>
-              </a:rPr>
-              <a:t>Padfield94@live.missouristate.edu</a:t>
-            </a:r>
-            <a:r>
-              <a:rPr lang="en-US" sz="3500" dirty="0" smtClean="0">
-                <a:latin typeface="Times New Roman" pitchFamily="18" charset="0"/>
-                <a:cs typeface="Times New Roman" pitchFamily="18" charset="0"/>
-              </a:rPr>
-              <a:t>) or </a:t>
-            </a:r>
-            <a:r>
-              <a:rPr lang="en-US" sz="3500" dirty="0" smtClean="0">
-                <a:latin typeface="Times New Roman" pitchFamily="18" charset="0"/>
-                <a:cs typeface="Times New Roman" pitchFamily="18" charset="0"/>
-              </a:rPr>
-              <a:t>Dr</a:t>
-            </a:r>
-            <a:r>
-              <a:rPr lang="en-US" sz="3500" dirty="0" smtClean="0">
-                <a:latin typeface="Times New Roman" pitchFamily="18" charset="0"/>
-                <a:cs typeface="Times New Roman" pitchFamily="18" charset="0"/>
-              </a:rPr>
-              <a:t>. Erin M. Buchanan (</a:t>
-            </a:r>
-            <a:r>
-              <a:rPr lang="en-US" sz="3500" dirty="0" smtClean="0">
+              <a:rPr lang="en-US" sz="3500" dirty="0">
                 <a:latin typeface="Times New Roman" pitchFamily="18" charset="0"/>
                 <a:cs typeface="Times New Roman" pitchFamily="18" charset="0"/>
                 <a:hlinkClick r:id="rId4"/>
               </a:rPr>
+              <a:t>Padfield94@live.missouristate.edu</a:t>
+            </a:r>
+            <a:r>
+              <a:rPr lang="en-US" sz="3500" dirty="0">
+                <a:latin typeface="Times New Roman" pitchFamily="18" charset="0"/>
+                <a:cs typeface="Times New Roman" pitchFamily="18" charset="0"/>
+              </a:rPr>
+              <a:t>) or Dr. Erin M. Buchanan (</a:t>
+            </a:r>
+            <a:r>
+              <a:rPr lang="en-US" sz="3500" dirty="0">
+                <a:latin typeface="Times New Roman" pitchFamily="18" charset="0"/>
+                <a:cs typeface="Times New Roman" pitchFamily="18" charset="0"/>
+                <a:hlinkClick r:id="rId5"/>
+              </a:rPr>
               <a:t>erinbuchanan@missouristate.edu</a:t>
             </a:r>
             <a:r>
-              <a:rPr lang="en-US" sz="3500" dirty="0" smtClean="0">
+              <a:rPr lang="en-US" sz="3500" dirty="0">
                 <a:latin typeface="Times New Roman" pitchFamily="18" charset="0"/>
                 <a:cs typeface="Times New Roman" pitchFamily="18" charset="0"/>
               </a:rPr>
@@ -5529,7 +5536,7 @@
             </a:r>
           </a:p>
           <a:p>
-            <a:endParaRPr lang="en-US" sz="3500" b="1" dirty="0" smtClean="0">
+            <a:endParaRPr lang="en-US" sz="3500" b="1" dirty="0">
               <a:latin typeface="Times New Roman" pitchFamily="18" charset="0"/>
               <a:cs typeface="Times New Roman" pitchFamily="18" charset="0"/>
             </a:endParaRPr>
@@ -5558,7 +5565,7 @@
           </a:ln>
           <a:extLst>
             <a:ext uri="{909E8E84-426E-40dd-AFC4-6F175D3DCCD1}">
-              <a14:hiddenFill xmlns:a14="http://schemas.microsoft.com/office/drawing/2010/main">
+              <a14:hiddenFill xmlns:a14="http://schemas.microsoft.com/office/drawing/2010/main" xmlns="">
                 <a:noFill/>
               </a14:hiddenFill>
             </a:ext>
@@ -5608,7 +5615,7 @@
           </a:ln>
           <a:extLst>
             <a:ext uri="{909E8E84-426E-40dd-AFC4-6F175D3DCCD1}">
-              <a14:hiddenFill xmlns:a14="http://schemas.microsoft.com/office/drawing/2010/main">
+              <a14:hiddenFill xmlns:a14="http://schemas.microsoft.com/office/drawing/2010/main" xmlns="">
                 <a:noFill/>
               </a14:hiddenFill>
             </a:ext>
@@ -5644,7 +5651,7 @@
         </p:nvSpPr>
         <p:spPr>
           <a:xfrm>
-            <a:off x="28498800" y="19888200"/>
+            <a:off x="28727400" y="19888200"/>
             <a:ext cx="12954000" cy="10187406"/>
           </a:xfrm>
           <a:prstGeom prst="rect">
@@ -5660,7 +5667,7 @@
           <a:p>
             <a:pPr algn="ctr" eaLnBrk="1" hangingPunct="1"/>
             <a:r>
-              <a:rPr lang="en-US" sz="4400" b="1" dirty="0" smtClean="0">
+              <a:rPr lang="en-US" sz="4400" b="1" dirty="0">
                 <a:solidFill>
                   <a:schemeClr val="accent6">
                     <a:lumMod val="75000"/>
@@ -5672,44 +5679,6 @@
                 <a:sym typeface="Times New Roman Bold" panose="02020803070505020304" pitchFamily="18" charset="0"/>
               </a:rPr>
               <a:t>Discussion</a:t>
-            </a:r>
-            <a:endParaRPr lang="en-US" sz="4400" b="1" dirty="0">
-              <a:solidFill>
-                <a:schemeClr val="accent6">
-                  <a:lumMod val="75000"/>
-                </a:schemeClr>
-              </a:solidFill>
-              <a:latin typeface="Times New Roman"/>
-              <a:ea typeface="MS PGothic" panose="020B0600070205080204" pitchFamily="34" charset="-128"/>
-              <a:cs typeface="Times New Roman"/>
-              <a:sym typeface="Times New Roman Bold" panose="02020803070505020304" pitchFamily="18" charset="0"/>
-            </a:endParaRPr>
-          </a:p>
-          <a:p>
-            <a:pPr eaLnBrk="1" hangingPunct="1"/>
-            <a:endParaRPr lang="en-US" sz="3600" dirty="0" smtClean="0">
-              <a:solidFill>
-                <a:schemeClr val="tx1"/>
-              </a:solidFill>
-              <a:latin typeface="Times New Roman" charset="0"/>
-              <a:ea typeface="Times New Roman" charset="0"/>
-              <a:cs typeface="Times New Roman" charset="0"/>
-              <a:sym typeface="Times New Roman Bold" panose="02020803070505020304" pitchFamily="18" charset="0"/>
-            </a:endParaRPr>
-          </a:p>
-          <a:p>
-            <a:pPr eaLnBrk="1" hangingPunct="1"/>
-            <a:r>
-              <a:rPr lang="en-US" sz="3600" dirty="0" smtClean="0">
-                <a:solidFill>
-                  <a:schemeClr val="tx1"/>
-                </a:solidFill>
-                <a:latin typeface="Times New Roman" charset="0"/>
-                <a:ea typeface="Times New Roman" charset="0"/>
-                <a:cs typeface="Times New Roman" charset="0"/>
-                <a:sym typeface="Times New Roman Bold" panose="02020803070505020304" pitchFamily="18" charset="0"/>
-              </a:rPr>
-              <a:t>The researchers found little compelling evidence of an effect of partisan lean on MFD endorsement. Upon speculation, the researchers identified one possible reason for why the results failed to reveal such an effect: the selection of the amorphous topic of “political news” may have led to the scraping of large numbers of articles with little to no moral-centric content. Rather, many articles have contained, for example, simple reporting on procedural matters that would leave little room for the use of words from the Moral Foundations Dictionary. </a:t>
             </a:r>
           </a:p>
           <a:p>
@@ -5727,7 +5696,34 @@
           <a:p>
             <a:pPr eaLnBrk="1" hangingPunct="1"/>
             <a:r>
-              <a:rPr lang="en-US" sz="3600" dirty="0" smtClean="0">
+              <a:rPr lang="en-US" sz="3600" dirty="0">
+                <a:solidFill>
+                  <a:schemeClr val="tx1"/>
+                </a:solidFill>
+                <a:latin typeface="Times New Roman" charset="0"/>
+                <a:ea typeface="Times New Roman" charset="0"/>
+                <a:cs typeface="Times New Roman" charset="0"/>
+                <a:sym typeface="Times New Roman Bold" panose="02020803070505020304" pitchFamily="18" charset="0"/>
+              </a:rPr>
+              <a:t>The researchers found little compelling evidence of an effect of partisan lean on MFD endorsement. Upon speculation, the researchers identified one possible reason for why the results failed to reveal such an effect: the selection of the amorphous topic of “political news” may have led to the scraping of large numbers of articles with little to no moral-centric content. Rather, many articles have contained, for example, simple reporting on procedural matters that would leave little room for the use of words from the Moral Foundations Dictionary. </a:t>
+            </a:r>
+          </a:p>
+          <a:p>
+            <a:pPr eaLnBrk="1" hangingPunct="1"/>
+            <a:endParaRPr lang="en-US" sz="3600" dirty="0">
+              <a:solidFill>
+                <a:schemeClr val="tx1"/>
+              </a:solidFill>
+              <a:latin typeface="Times New Roman" charset="0"/>
+              <a:ea typeface="Times New Roman" charset="0"/>
+              <a:cs typeface="Times New Roman" charset="0"/>
+              <a:sym typeface="Times New Roman Bold" panose="02020803070505020304" pitchFamily="18" charset="0"/>
+            </a:endParaRPr>
+          </a:p>
+          <a:p>
+            <a:pPr eaLnBrk="1" hangingPunct="1"/>
+            <a:r>
+              <a:rPr lang="en-US" sz="3600" dirty="0">
                 <a:solidFill>
                   <a:schemeClr val="tx1"/>
                 </a:solidFill>
@@ -5739,7 +5735,7 @@
               <a:t>Given the exploratory nature of this study, the researchers were able to fine-tune the methodology for use in future research. To this end, current research is underway that focuses on specific topics with moral relevance, including Brett </a:t>
             </a:r>
             <a:r>
-              <a:rPr lang="en-US" sz="3600" dirty="0" err="1" smtClean="0">
+              <a:rPr lang="en-US" sz="3600" dirty="0" err="1">
                 <a:solidFill>
                   <a:schemeClr val="tx1"/>
                 </a:solidFill>
@@ -5751,7 +5747,7 @@
               <a:t>Kavanaugh’s</a:t>
             </a:r>
             <a:r>
-              <a:rPr lang="en-US" sz="3600" dirty="0" smtClean="0">
+              <a:rPr lang="en-US" sz="3600" dirty="0">
                 <a:solidFill>
                   <a:schemeClr val="tx1"/>
                 </a:solidFill>
@@ -5760,31 +5756,7 @@
                 <a:cs typeface="Times New Roman" charset="0"/>
                 <a:sym typeface="Times New Roman Bold" panose="02020803070505020304" pitchFamily="18" charset="0"/>
               </a:rPr>
-              <a:t> Supreme Court nomination and the most recent government shutdown. </a:t>
-            </a:r>
-            <a:r>
-              <a:rPr lang="en-US" sz="3600" dirty="0">
-                <a:solidFill>
-                  <a:schemeClr val="tx1"/>
-                </a:solidFill>
-                <a:latin typeface="Times New Roman" charset="0"/>
-                <a:ea typeface="Times New Roman" charset="0"/>
-                <a:cs typeface="Times New Roman" charset="0"/>
-                <a:sym typeface="Times New Roman Bold" panose="02020803070505020304" pitchFamily="18" charset="0"/>
-              </a:rPr>
-              <a:t>A</a:t>
-            </a:r>
-            <a:r>
-              <a:rPr lang="en-US" sz="3600" dirty="0" smtClean="0">
-                <a:solidFill>
-                  <a:schemeClr val="tx1"/>
-                </a:solidFill>
-                <a:latin typeface="Times New Roman" charset="0"/>
-                <a:ea typeface="Times New Roman" charset="0"/>
-                <a:cs typeface="Times New Roman" charset="0"/>
-                <a:sym typeface="Times New Roman Bold" panose="02020803070505020304" pitchFamily="18" charset="0"/>
-              </a:rPr>
-              <a:t>rticles are being scraped from a wider range of sources as well.</a:t>
+              <a:t> Supreme Court nomination and the most recent government shutdown. Articles are being scraped from a wider range of sources as well.</a:t>
             </a:r>
           </a:p>
         </p:txBody>
@@ -5812,7 +5784,7 @@
           <a:lstStyle/>
           <a:p>
             <a:r>
-              <a:rPr lang="en-US" sz="3600" b="1" i="1" dirty="0" smtClean="0">
+              <a:rPr lang="en-US" sz="3600" b="1" i="1" dirty="0">
                 <a:solidFill>
                   <a:prstClr val="black"/>
                 </a:solidFill>
@@ -5824,7 +5796,7 @@
               <a:t>Descriptive Statistics </a:t>
             </a:r>
             <a:r>
-              <a:rPr lang="mr-IN" sz="3600" b="1" i="1" dirty="0" smtClean="0">
+              <a:rPr lang="mr-IN" sz="3600" b="1" i="1" dirty="0">
                 <a:solidFill>
                   <a:prstClr val="black"/>
                 </a:solidFill>
@@ -5836,7 +5808,7 @@
               <a:t>–</a:t>
             </a:r>
             <a:r>
-              <a:rPr lang="en-US" sz="3600" b="1" i="1" dirty="0" smtClean="0">
+              <a:rPr lang="en-US" sz="3600" b="1" i="1" dirty="0">
                 <a:solidFill>
                   <a:prstClr val="black"/>
                 </a:solidFill>
@@ -5847,7 +5819,7 @@
               </a:rPr>
               <a:t> Moral Foundations</a:t>
             </a:r>
-            <a:endParaRPr lang="en-US" sz="3600" dirty="0" smtClean="0">
+            <a:endParaRPr lang="en-US" sz="3600" dirty="0">
               <a:solidFill>
                 <a:prstClr val="black"/>
               </a:solidFill>
@@ -5870,7 +5842,7 @@
         </p:nvSpPr>
         <p:spPr>
           <a:xfrm>
-            <a:off x="15697200" y="10744200"/>
+            <a:off x="15849600" y="10744200"/>
             <a:ext cx="12344400" cy="3970318"/>
           </a:xfrm>
           <a:prstGeom prst="rect">
@@ -5885,7 +5857,7 @@
           <a:lstStyle/>
           <a:p>
             <a:r>
-              <a:rPr lang="en-US" sz="3600" i="1" dirty="0" smtClean="0">
+              <a:rPr lang="en-US" sz="3600" i="1" dirty="0">
                 <a:latin typeface="Times New Roman" charset="0"/>
                 <a:ea typeface="Times New Roman" charset="0"/>
                 <a:cs typeface="Times New Roman" charset="0"/>
@@ -5893,18 +5865,13 @@
               <a:t>Note. </a:t>
             </a:r>
             <a:r>
-              <a:rPr lang="en-US" sz="3600" dirty="0" smtClean="0">
+              <a:rPr lang="en-US" sz="3600" dirty="0">
                 <a:latin typeface="Times New Roman" charset="0"/>
                 <a:ea typeface="Times New Roman" charset="0"/>
                 <a:cs typeface="Times New Roman" charset="0"/>
               </a:rPr>
               <a:t>For mean and standard deviation values, ‘C’ and ‘L’ refer to ‘conservative’ and ‘liberal’ respectively. Given the values obtained, it became clear usage of MFD words was quite similar across the foundations regardless of political lean.</a:t>
             </a:r>
-            <a:endParaRPr lang="en-US" sz="3600" dirty="0" smtClean="0">
-              <a:latin typeface="Times New Roman" charset="0"/>
-              <a:ea typeface="Times New Roman" charset="0"/>
-              <a:cs typeface="Times New Roman" charset="0"/>
-            </a:endParaRPr>
           </a:p>
           <a:p>
             <a:endParaRPr lang="en-US" sz="3600" i="1" dirty="0">
@@ -5915,7 +5882,7 @@
           </a:p>
           <a:p>
             <a:r>
-              <a:rPr lang="en-US" sz="3600" b="1" i="1" dirty="0" smtClean="0">
+              <a:rPr lang="en-US" sz="3600" b="1" i="1" dirty="0">
                 <a:latin typeface="Times New Roman" charset="0"/>
                 <a:ea typeface="Times New Roman" charset="0"/>
                 <a:cs typeface="Times New Roman" charset="0"/>
@@ -5923,7 +5890,7 @@
               <a:t>Multilevel Model </a:t>
             </a:r>
             <a:r>
-              <a:rPr lang="mr-IN" sz="3600" b="1" i="1" dirty="0" smtClean="0">
+              <a:rPr lang="mr-IN" sz="3600" b="1" i="1" dirty="0">
                 <a:latin typeface="Times New Roman" charset="0"/>
                 <a:ea typeface="Times New Roman" charset="0"/>
                 <a:cs typeface="Times New Roman" charset="0"/>
@@ -5931,21 +5898,21 @@
               <a:t>–</a:t>
             </a:r>
             <a:r>
-              <a:rPr lang="en-US" sz="3600" b="1" i="1" dirty="0" smtClean="0">
+              <a:rPr lang="en-US" sz="3600" b="1" i="1" dirty="0">
                 <a:latin typeface="Times New Roman" charset="0"/>
                 <a:ea typeface="Times New Roman" charset="0"/>
                 <a:cs typeface="Times New Roman" charset="0"/>
               </a:rPr>
               <a:t> Moral Foundations</a:t>
             </a:r>
-            <a:endParaRPr lang="en-US" sz="3600" dirty="0" smtClean="0">
+            <a:endParaRPr lang="en-US" sz="3600" dirty="0">
               <a:latin typeface="Times New Roman" charset="0"/>
               <a:ea typeface="Times New Roman" charset="0"/>
               <a:cs typeface="Times New Roman" charset="0"/>
             </a:endParaRPr>
           </a:p>
           <a:p>
-            <a:endParaRPr lang="en-US" sz="3600" b="1" i="1" dirty="0" smtClean="0">
+            <a:endParaRPr lang="en-US" sz="3600" b="1" i="1" dirty="0">
               <a:latin typeface="Times New Roman" charset="0"/>
               <a:ea typeface="Times New Roman" charset="0"/>
               <a:cs typeface="Times New Roman" charset="0"/>
@@ -5976,7 +5943,7 @@
           <a:lstStyle/>
           <a:p>
             <a:r>
-              <a:rPr lang="en-US" sz="3600" b="1" i="1" dirty="0" smtClean="0">
+              <a:rPr lang="en-US" sz="3600" b="1" i="1" dirty="0">
                 <a:solidFill>
                   <a:prstClr val="black"/>
                 </a:solidFill>
@@ -5988,7 +5955,7 @@
               <a:t>Graph </a:t>
             </a:r>
             <a:r>
-              <a:rPr lang="mr-IN" sz="3600" b="1" i="1" dirty="0" smtClean="0">
+              <a:rPr lang="mr-IN" sz="3600" b="1" i="1" dirty="0">
                 <a:solidFill>
                   <a:prstClr val="black"/>
                 </a:solidFill>
@@ -6000,7 +5967,7 @@
               <a:t>–</a:t>
             </a:r>
             <a:r>
-              <a:rPr lang="en-US" sz="3600" b="1" i="1" dirty="0" smtClean="0">
+              <a:rPr lang="en-US" sz="3600" b="1" i="1" dirty="0">
                 <a:solidFill>
                   <a:prstClr val="black"/>
                 </a:solidFill>
@@ -6011,7 +5978,7 @@
               </a:rPr>
               <a:t> Mean Weighted Valence by Foundation</a:t>
             </a:r>
-            <a:endParaRPr lang="en-US" sz="3600" dirty="0" smtClean="0">
+            <a:endParaRPr lang="en-US" sz="3600" dirty="0">
               <a:solidFill>
                 <a:prstClr val="black"/>
               </a:solidFill>
@@ -6034,8 +6001,8 @@
         </p:nvSpPr>
         <p:spPr>
           <a:xfrm>
-            <a:off x="28498800" y="16306800"/>
-            <a:ext cx="12496800" cy="3970318"/>
+            <a:off x="28651199" y="16306800"/>
+            <a:ext cx="12876213" cy="3970318"/>
           </a:xfrm>
           <a:prstGeom prst="rect">
             <a:avLst/>
@@ -6049,7 +6016,7 @@
           <a:lstStyle/>
           <a:p>
             <a:r>
-              <a:rPr lang="en-US" sz="3600" i="1" dirty="0" smtClean="0">
+              <a:rPr lang="en-US" sz="3600" i="1" dirty="0">
                 <a:solidFill>
                   <a:prstClr val="black"/>
                 </a:solidFill>
@@ -6061,7 +6028,7 @@
               <a:t>Note</a:t>
             </a:r>
             <a:r>
-              <a:rPr lang="en-US" sz="3600" dirty="0" smtClean="0">
+              <a:rPr lang="en-US" sz="3600" dirty="0">
                 <a:solidFill>
                   <a:prstClr val="black"/>
                 </a:solidFill>
@@ -6073,7 +6040,7 @@
               <a:t>. This graph is a visualization of the mean weighted valence scores and standard deviations for the five moral foundations. Each foundation appeared to receive slightly positively-</a:t>
             </a:r>
             <a:r>
-              <a:rPr lang="en-US" sz="3600" dirty="0" err="1" smtClean="0">
+              <a:rPr lang="en-US" sz="3600" dirty="0" err="1">
                 <a:solidFill>
                   <a:prstClr val="black"/>
                 </a:solidFill>
@@ -6085,7 +6052,7 @@
               <a:t>valenced</a:t>
             </a:r>
             <a:r>
-              <a:rPr lang="en-US" sz="3600" dirty="0" smtClean="0">
+              <a:rPr lang="en-US" sz="3600" dirty="0">
                 <a:solidFill>
                   <a:prstClr val="black"/>
                 </a:solidFill>
@@ -6096,15 +6063,6 @@
               </a:rPr>
               <a:t> endorsements across political lean. None, however, seem to be appreciably different from one another despite the political lean of the sources.</a:t>
             </a:r>
-            <a:endParaRPr lang="en-US" sz="3600" dirty="0" smtClean="0">
-              <a:solidFill>
-                <a:prstClr val="black"/>
-              </a:solidFill>
-              <a:latin typeface="Times New Roman"/>
-              <a:ea typeface="MS PGothic" panose="020B0600070205080204" pitchFamily="34" charset="-128"/>
-              <a:cs typeface="Times New Roman"/>
-              <a:sym typeface="Times New Roman Bold" panose="02020803070505020304" pitchFamily="18" charset="0"/>
-            </a:endParaRPr>
           </a:p>
           <a:p>
             <a:endParaRPr lang="en-US" sz="3600" dirty="0"/>
@@ -6120,13 +6078,13 @@
           <p:nvPr>
             <p:extLst>
               <p:ext uri="{D42A27DB-BD31-4B8C-83A1-F6EECF244321}">
-                <p14:modId xmlns:p14="http://schemas.microsoft.com/office/powerpoint/2010/main" val="1345712094"/>
+                <p14:modId xmlns:p14="http://schemas.microsoft.com/office/powerpoint/2010/main" val="2338025215"/>
               </p:ext>
             </p:extLst>
           </p:nvPr>
         </p:nvGraphicFramePr>
         <p:xfrm>
-          <a:off x="15697200" y="6781800"/>
+          <a:off x="15843319" y="6781800"/>
           <a:ext cx="12198281" cy="3840480"/>
         </p:xfrm>
         <a:graphic>
@@ -6136,11 +6094,41 @@
                 <a:tableStyleId>{5C22544A-7EE6-4342-B048-85BDC9FD1C3A}</a:tableStyleId>
               </a:tblPr>
               <a:tblGrid>
-                <a:gridCol w="5037370"/>
-                <a:gridCol w="1441364"/>
-                <a:gridCol w="2430099"/>
-                <a:gridCol w="1257730"/>
-                <a:gridCol w="2031718"/>
+                <a:gridCol w="5037370">
+                  <a:extLst>
+                    <a:ext uri="{9D8B030D-6E8A-4147-A177-3AD203B41FA5}">
+                      <a16:colId xmlns:a16="http://schemas.microsoft.com/office/drawing/2014/main" val="20000"/>
+                    </a:ext>
+                  </a:extLst>
+                </a:gridCol>
+                <a:gridCol w="1441364">
+                  <a:extLst>
+                    <a:ext uri="{9D8B030D-6E8A-4147-A177-3AD203B41FA5}">
+                      <a16:colId xmlns:a16="http://schemas.microsoft.com/office/drawing/2014/main" val="20001"/>
+                    </a:ext>
+                  </a:extLst>
+                </a:gridCol>
+                <a:gridCol w="2430099">
+                  <a:extLst>
+                    <a:ext uri="{9D8B030D-6E8A-4147-A177-3AD203B41FA5}">
+                      <a16:colId xmlns:a16="http://schemas.microsoft.com/office/drawing/2014/main" val="20002"/>
+                    </a:ext>
+                  </a:extLst>
+                </a:gridCol>
+                <a:gridCol w="1257730">
+                  <a:extLst>
+                    <a:ext uri="{9D8B030D-6E8A-4147-A177-3AD203B41FA5}">
+                      <a16:colId xmlns:a16="http://schemas.microsoft.com/office/drawing/2014/main" val="20003"/>
+                    </a:ext>
+                  </a:extLst>
+                </a:gridCol>
+                <a:gridCol w="2031718">
+                  <a:extLst>
+                    <a:ext uri="{9D8B030D-6E8A-4147-A177-3AD203B41FA5}">
+                      <a16:colId xmlns:a16="http://schemas.microsoft.com/office/drawing/2014/main" val="20004"/>
+                    </a:ext>
+                  </a:extLst>
+                </a:gridCol>
               </a:tblGrid>
               <a:tr h="181734">
                 <a:tc>
@@ -6149,7 +6137,7 @@
                     <a:lstStyle/>
                     <a:p>
                       <a:r>
-                        <a:rPr lang="en-US" sz="3600" dirty="0" smtClean="0">
+                        <a:rPr lang="en-US" sz="3600" dirty="0">
                           <a:solidFill>
                             <a:schemeClr val="tx1"/>
                           </a:solidFill>
@@ -6159,14 +6147,6 @@
                         </a:rPr>
                         <a:t>Foundation</a:t>
                       </a:r>
-                      <a:endParaRPr lang="en-US" sz="3600" dirty="0">
-                        <a:solidFill>
-                          <a:schemeClr val="tx1"/>
-                        </a:solidFill>
-                        <a:latin typeface="Times New Roman" charset="0"/>
-                        <a:ea typeface="Times New Roman" charset="0"/>
-                        <a:cs typeface="Times New Roman" charset="0"/>
-                      </a:endParaRPr>
                     </a:p>
                   </a:txBody>
                   <a:tcPr>
@@ -6198,7 +6178,7 @@
                     <a:p>
                       <a:pPr algn="ctr"/>
                       <a:r>
-                        <a:rPr lang="en-US" sz="3600" i="1" dirty="0" smtClean="0">
+                        <a:rPr lang="en-US" sz="3600" i="1" dirty="0">
                           <a:solidFill>
                             <a:schemeClr val="tx1"/>
                           </a:solidFill>
@@ -6209,7 +6189,7 @@
                         <a:t>M</a:t>
                       </a:r>
                       <a:r>
-                        <a:rPr lang="en-US" sz="3600" i="1" baseline="-25000" dirty="0" smtClean="0">
+                        <a:rPr lang="en-US" sz="3600" i="1" baseline="-25000" dirty="0">
                           <a:solidFill>
                             <a:schemeClr val="tx1"/>
                           </a:solidFill>
@@ -6219,14 +6199,6 @@
                         </a:rPr>
                         <a:t>C</a:t>
                       </a:r>
-                      <a:endParaRPr lang="en-US" sz="3600" i="1" baseline="-25000" dirty="0">
-                        <a:solidFill>
-                          <a:schemeClr val="tx1"/>
-                        </a:solidFill>
-                        <a:latin typeface="Times New Roman" charset="0"/>
-                        <a:ea typeface="Times New Roman" charset="0"/>
-                        <a:cs typeface="Times New Roman" charset="0"/>
-                      </a:endParaRPr>
                     </a:p>
                   </a:txBody>
                   <a:tcPr>
@@ -6258,7 +6230,7 @@
                     <a:p>
                       <a:pPr algn="ctr"/>
                       <a:r>
-                        <a:rPr lang="en-US" sz="3600" i="1" dirty="0" smtClean="0">
+                        <a:rPr lang="en-US" sz="3600" i="1" dirty="0">
                           <a:solidFill>
                             <a:schemeClr val="tx1"/>
                           </a:solidFill>
@@ -6269,7 +6241,7 @@
                         <a:t>SD</a:t>
                       </a:r>
                       <a:r>
-                        <a:rPr lang="en-US" sz="3600" i="1" baseline="-25000" dirty="0" smtClean="0">
+                        <a:rPr lang="en-US" sz="3600" i="1" baseline="-25000" dirty="0">
                           <a:solidFill>
                             <a:schemeClr val="tx1"/>
                           </a:solidFill>
@@ -6279,14 +6251,6 @@
                         </a:rPr>
                         <a:t>C</a:t>
                       </a:r>
-                      <a:endParaRPr lang="en-US" sz="3600" i="1" baseline="-25000" dirty="0">
-                        <a:solidFill>
-                          <a:schemeClr val="tx1"/>
-                        </a:solidFill>
-                        <a:latin typeface="Times New Roman" charset="0"/>
-                        <a:ea typeface="Times New Roman" charset="0"/>
-                        <a:cs typeface="Times New Roman" charset="0"/>
-                      </a:endParaRPr>
                     </a:p>
                   </a:txBody>
                   <a:tcPr>
@@ -6318,7 +6282,7 @@
                     <a:p>
                       <a:pPr algn="ctr"/>
                       <a:r>
-                        <a:rPr lang="en-US" sz="3600" i="1" dirty="0" smtClean="0">
+                        <a:rPr lang="en-US" sz="3600" i="1" dirty="0">
                           <a:solidFill>
                             <a:schemeClr val="tx1"/>
                           </a:solidFill>
@@ -6329,7 +6293,7 @@
                         <a:t>M</a:t>
                       </a:r>
                       <a:r>
-                        <a:rPr lang="en-US" sz="3600" i="1" baseline="-25000" dirty="0" smtClean="0">
+                        <a:rPr lang="en-US" sz="3600" i="1" baseline="-25000" dirty="0">
                           <a:solidFill>
                             <a:schemeClr val="tx1"/>
                           </a:solidFill>
@@ -6339,14 +6303,6 @@
                         </a:rPr>
                         <a:t>L</a:t>
                       </a:r>
-                      <a:endParaRPr lang="en-US" sz="3600" i="1" baseline="-25000" dirty="0">
-                        <a:solidFill>
-                          <a:schemeClr val="tx1"/>
-                        </a:solidFill>
-                        <a:latin typeface="Times New Roman" charset="0"/>
-                        <a:ea typeface="Times New Roman" charset="0"/>
-                        <a:cs typeface="Times New Roman" charset="0"/>
-                      </a:endParaRPr>
                     </a:p>
                   </a:txBody>
                   <a:tcPr>
@@ -6378,7 +6334,7 @@
                     <a:p>
                       <a:pPr algn="ctr"/>
                       <a:r>
-                        <a:rPr lang="en-US" sz="3600" i="1" dirty="0" smtClean="0">
+                        <a:rPr lang="en-US" sz="3600" i="1" dirty="0">
                           <a:solidFill>
                             <a:schemeClr val="tx1"/>
                           </a:solidFill>
@@ -6389,7 +6345,7 @@
                         <a:t>SD</a:t>
                       </a:r>
                       <a:r>
-                        <a:rPr lang="en-US" sz="3600" i="1" baseline="-25000" dirty="0" smtClean="0">
+                        <a:rPr lang="en-US" sz="3600" i="1" baseline="-25000" dirty="0">
                           <a:solidFill>
                             <a:schemeClr val="tx1"/>
                           </a:solidFill>
@@ -6399,14 +6355,6 @@
                         </a:rPr>
                         <a:t>L</a:t>
                       </a:r>
-                      <a:endParaRPr lang="en-US" sz="3600" i="1" baseline="-25000" dirty="0">
-                        <a:solidFill>
-                          <a:schemeClr val="tx1"/>
-                        </a:solidFill>
-                        <a:latin typeface="Times New Roman" charset="0"/>
-                        <a:ea typeface="Times New Roman" charset="0"/>
-                        <a:cs typeface="Times New Roman" charset="0"/>
-                      </a:endParaRPr>
                     </a:p>
                   </a:txBody>
                   <a:tcPr>
@@ -6431,6 +6379,11 @@
                     <a:noFill/>
                   </a:tcPr>
                 </a:tc>
+                <a:extLst>
+                  <a:ext uri="{0D108BD9-81ED-4DB2-BD59-A6C34878D82A}">
+                    <a16:rowId xmlns:a16="http://schemas.microsoft.com/office/drawing/2014/main" val="10000"/>
+                  </a:ext>
+                </a:extLst>
               </a:tr>
               <a:tr h="366238">
                 <a:tc>
@@ -6439,7 +6392,7 @@
                     <a:lstStyle/>
                     <a:p>
                       <a:r>
-                        <a:rPr lang="en-US" sz="3600" dirty="0" smtClean="0">
+                        <a:rPr lang="en-US" sz="3600" dirty="0">
                           <a:solidFill>
                             <a:schemeClr val="tx1"/>
                           </a:solidFill>
@@ -6449,14 +6402,6 @@
                         </a:rPr>
                         <a:t>Harm/Care</a:t>
                       </a:r>
-                      <a:endParaRPr lang="en-US" sz="3600" dirty="0">
-                        <a:solidFill>
-                          <a:schemeClr val="tx1"/>
-                        </a:solidFill>
-                        <a:latin typeface="Times New Roman" charset="0"/>
-                        <a:ea typeface="Times New Roman" charset="0"/>
-                        <a:cs typeface="Times New Roman" charset="0"/>
-                      </a:endParaRPr>
                     </a:p>
                   </a:txBody>
                   <a:tcPr>
@@ -6479,7 +6424,7 @@
                     <a:p>
                       <a:pPr algn="ctr"/>
                       <a:r>
-                        <a:rPr lang="en-US" sz="3600" dirty="0" smtClean="0">
+                        <a:rPr lang="en-US" sz="3600" dirty="0">
                           <a:solidFill>
                             <a:schemeClr val="tx1"/>
                           </a:solidFill>
@@ -6489,14 +6434,6 @@
                         </a:rPr>
                         <a:t>0.50</a:t>
                       </a:r>
-                      <a:endParaRPr lang="en-US" sz="3600" dirty="0">
-                        <a:solidFill>
-                          <a:schemeClr val="tx1"/>
-                        </a:solidFill>
-                        <a:latin typeface="Times New Roman" charset="0"/>
-                        <a:ea typeface="Times New Roman" charset="0"/>
-                        <a:cs typeface="Times New Roman" charset="0"/>
-                      </a:endParaRPr>
                     </a:p>
                   </a:txBody>
                   <a:tcPr>
@@ -6519,7 +6456,7 @@
                     <a:p>
                       <a:pPr algn="ctr"/>
                       <a:r>
-                        <a:rPr lang="en-US" sz="3600" dirty="0" smtClean="0">
+                        <a:rPr lang="en-US" sz="3600" dirty="0">
                           <a:solidFill>
                             <a:schemeClr val="tx1"/>
                           </a:solidFill>
@@ -6529,14 +6466,6 @@
                         </a:rPr>
                         <a:t>2.21</a:t>
                       </a:r>
-                      <a:endParaRPr lang="en-US" sz="3600" dirty="0">
-                        <a:solidFill>
-                          <a:schemeClr val="tx1"/>
-                        </a:solidFill>
-                        <a:latin typeface="Times New Roman" charset="0"/>
-                        <a:ea typeface="Times New Roman" charset="0"/>
-                        <a:cs typeface="Times New Roman" charset="0"/>
-                      </a:endParaRPr>
                     </a:p>
                   </a:txBody>
                   <a:tcPr>
@@ -6559,7 +6488,7 @@
                     <a:p>
                       <a:pPr algn="ctr"/>
                       <a:r>
-                        <a:rPr lang="en-US" sz="3600" dirty="0" smtClean="0">
+                        <a:rPr lang="en-US" sz="3600" dirty="0">
                           <a:solidFill>
                             <a:schemeClr val="tx1"/>
                           </a:solidFill>
@@ -6569,14 +6498,6 @@
                         </a:rPr>
                         <a:t>0.49</a:t>
                       </a:r>
-                      <a:endParaRPr lang="en-US" sz="3600" dirty="0">
-                        <a:solidFill>
-                          <a:schemeClr val="tx1"/>
-                        </a:solidFill>
-                        <a:latin typeface="Times New Roman" charset="0"/>
-                        <a:ea typeface="Times New Roman" charset="0"/>
-                        <a:cs typeface="Times New Roman" charset="0"/>
-                      </a:endParaRPr>
                     </a:p>
                   </a:txBody>
                   <a:tcPr>
@@ -6599,7 +6520,7 @@
                     <a:p>
                       <a:pPr algn="ctr"/>
                       <a:r>
-                        <a:rPr lang="en-US" sz="3600" dirty="0" smtClean="0">
+                        <a:rPr lang="en-US" sz="3600" dirty="0">
                           <a:solidFill>
                             <a:schemeClr val="tx1"/>
                           </a:solidFill>
@@ -6609,14 +6530,6 @@
                         </a:rPr>
                         <a:t>2.21</a:t>
                       </a:r>
-                      <a:endParaRPr lang="en-US" sz="3600" dirty="0">
-                        <a:solidFill>
-                          <a:schemeClr val="tx1"/>
-                        </a:solidFill>
-                        <a:latin typeface="Times New Roman" charset="0"/>
-                        <a:ea typeface="Times New Roman" charset="0"/>
-                        <a:cs typeface="Times New Roman" charset="0"/>
-                      </a:endParaRPr>
                     </a:p>
                   </a:txBody>
                   <a:tcPr>
@@ -6632,6 +6545,11 @@
                     <a:noFill/>
                   </a:tcPr>
                 </a:tc>
+                <a:extLst>
+                  <a:ext uri="{0D108BD9-81ED-4DB2-BD59-A6C34878D82A}">
+                    <a16:rowId xmlns:a16="http://schemas.microsoft.com/office/drawing/2014/main" val="10001"/>
+                  </a:ext>
+                </a:extLst>
               </a:tr>
               <a:tr h="366238">
                 <a:tc>
@@ -6640,7 +6558,7 @@
                     <a:lstStyle/>
                     <a:p>
                       <a:r>
-                        <a:rPr lang="en-US" sz="3600" dirty="0" smtClean="0">
+                        <a:rPr lang="en-US" sz="3600" dirty="0">
                           <a:solidFill>
                             <a:schemeClr val="tx1"/>
                           </a:solidFill>
@@ -6650,14 +6568,6 @@
                         </a:rPr>
                         <a:t>Fairness/Reciprocity</a:t>
                       </a:r>
-                      <a:endParaRPr lang="en-US" sz="3600" dirty="0">
-                        <a:solidFill>
-                          <a:schemeClr val="tx1"/>
-                        </a:solidFill>
-                        <a:latin typeface="Times New Roman" charset="0"/>
-                        <a:ea typeface="Times New Roman" charset="0"/>
-                        <a:cs typeface="Times New Roman" charset="0"/>
-                      </a:endParaRPr>
                     </a:p>
                   </a:txBody>
                   <a:tcPr>
@@ -6671,7 +6581,7 @@
                     <a:p>
                       <a:pPr algn="ctr"/>
                       <a:r>
-                        <a:rPr lang="en-US" sz="3600" i="0" dirty="0" smtClean="0">
+                        <a:rPr lang="en-US" sz="3600" i="0" dirty="0">
                           <a:solidFill>
                             <a:schemeClr val="tx1"/>
                           </a:solidFill>
@@ -6681,14 +6591,6 @@
                         </a:rPr>
                         <a:t>1.13</a:t>
                       </a:r>
-                      <a:endParaRPr lang="en-US" sz="3600" i="0" dirty="0">
-                        <a:solidFill>
-                          <a:schemeClr val="tx1"/>
-                        </a:solidFill>
-                        <a:latin typeface="Times New Roman" charset="0"/>
-                        <a:ea typeface="Times New Roman" charset="0"/>
-                        <a:cs typeface="Times New Roman" charset="0"/>
-                      </a:endParaRPr>
                     </a:p>
                   </a:txBody>
                   <a:tcPr>
@@ -6702,7 +6604,7 @@
                     <a:p>
                       <a:pPr algn="ctr"/>
                       <a:r>
-                        <a:rPr lang="en-US" sz="3600" i="0" dirty="0" smtClean="0">
+                        <a:rPr lang="en-US" sz="3600" i="0" dirty="0">
                           <a:solidFill>
                             <a:schemeClr val="tx1"/>
                           </a:solidFill>
@@ -6712,14 +6614,6 @@
                         </a:rPr>
                         <a:t>1.38</a:t>
                       </a:r>
-                      <a:endParaRPr lang="en-US" sz="3600" i="0" dirty="0">
-                        <a:solidFill>
-                          <a:schemeClr val="tx1"/>
-                        </a:solidFill>
-                        <a:latin typeface="Times New Roman" charset="0"/>
-                        <a:ea typeface="Times New Roman" charset="0"/>
-                        <a:cs typeface="Times New Roman" charset="0"/>
-                      </a:endParaRPr>
                     </a:p>
                   </a:txBody>
                   <a:tcPr>
@@ -6733,7 +6627,7 @@
                     <a:p>
                       <a:pPr algn="ctr"/>
                       <a:r>
-                        <a:rPr lang="en-US" sz="3600" dirty="0" smtClean="0">
+                        <a:rPr lang="en-US" sz="3600" dirty="0">
                           <a:solidFill>
                             <a:schemeClr val="tx1"/>
                           </a:solidFill>
@@ -6743,14 +6637,6 @@
                         </a:rPr>
                         <a:t>1.11</a:t>
                       </a:r>
-                      <a:endParaRPr lang="en-US" sz="3600" dirty="0">
-                        <a:solidFill>
-                          <a:schemeClr val="tx1"/>
-                        </a:solidFill>
-                        <a:latin typeface="Times New Roman" charset="0"/>
-                        <a:ea typeface="Times New Roman" charset="0"/>
-                        <a:cs typeface="Times New Roman" charset="0"/>
-                      </a:endParaRPr>
                     </a:p>
                   </a:txBody>
                   <a:tcPr>
@@ -6764,7 +6650,7 @@
                     <a:p>
                       <a:pPr algn="ctr"/>
                       <a:r>
-                        <a:rPr lang="en-US" sz="3600" dirty="0" smtClean="0">
+                        <a:rPr lang="en-US" sz="3600" dirty="0">
                           <a:solidFill>
                             <a:schemeClr val="tx1"/>
                           </a:solidFill>
@@ -6774,20 +6660,17 @@
                         </a:rPr>
                         <a:t>1.38</a:t>
                       </a:r>
-                      <a:endParaRPr lang="en-US" sz="3600" dirty="0">
-                        <a:solidFill>
-                          <a:schemeClr val="tx1"/>
-                        </a:solidFill>
-                        <a:latin typeface="Times New Roman" charset="0"/>
-                        <a:ea typeface="Times New Roman" charset="0"/>
-                        <a:cs typeface="Times New Roman" charset="0"/>
-                      </a:endParaRPr>
                     </a:p>
                   </a:txBody>
                   <a:tcPr>
                     <a:noFill/>
                   </a:tcPr>
                 </a:tc>
+                <a:extLst>
+                  <a:ext uri="{0D108BD9-81ED-4DB2-BD59-A6C34878D82A}">
+                    <a16:rowId xmlns:a16="http://schemas.microsoft.com/office/drawing/2014/main" val="10002"/>
+                  </a:ext>
+                </a:extLst>
               </a:tr>
               <a:tr h="366238">
                 <a:tc>
@@ -6796,7 +6679,7 @@
                     <a:lstStyle/>
                     <a:p>
                       <a:r>
-                        <a:rPr lang="en-US" sz="3600" b="0" baseline="0" dirty="0" err="1" smtClean="0">
+                        <a:rPr lang="en-US" sz="3600" b="0" baseline="0" dirty="0" err="1">
                           <a:solidFill>
                             <a:schemeClr val="tx1"/>
                           </a:solidFill>
@@ -6807,7 +6690,7 @@
                         <a:t>Ingroup</a:t>
                       </a:r>
                       <a:r>
-                        <a:rPr lang="en-US" sz="3600" b="0" baseline="0" dirty="0" smtClean="0">
+                        <a:rPr lang="en-US" sz="3600" b="0" baseline="0" dirty="0">
                           <a:solidFill>
                             <a:schemeClr val="tx1"/>
                           </a:solidFill>
@@ -6838,7 +6721,7 @@
                     <a:p>
                       <a:pPr algn="ctr"/>
                       <a:r>
-                        <a:rPr lang="en-US" sz="3600" b="0" i="0" dirty="0" smtClean="0">
+                        <a:rPr lang="en-US" sz="3600" b="0" i="0" dirty="0">
                           <a:solidFill>
                             <a:schemeClr val="tx1"/>
                           </a:solidFill>
@@ -6848,14 +6731,6 @@
                         </a:rPr>
                         <a:t>1.28</a:t>
                       </a:r>
-                      <a:endParaRPr lang="en-US" sz="3600" b="0" i="0" dirty="0">
-                        <a:solidFill>
-                          <a:schemeClr val="tx1"/>
-                        </a:solidFill>
-                        <a:latin typeface="Times New Roman" charset="0"/>
-                        <a:ea typeface="Times New Roman" charset="0"/>
-                        <a:cs typeface="Times New Roman" charset="0"/>
-                      </a:endParaRPr>
                     </a:p>
                   </a:txBody>
                   <a:tcPr>
@@ -6869,7 +6744,7 @@
                     <a:p>
                       <a:pPr algn="ctr"/>
                       <a:r>
-                        <a:rPr lang="en-US" sz="3600" b="0" i="0" dirty="0" smtClean="0">
+                        <a:rPr lang="en-US" sz="3600" b="0" i="0" dirty="0">
                           <a:solidFill>
                             <a:schemeClr val="tx1"/>
                           </a:solidFill>
@@ -6879,14 +6754,6 @@
                         </a:rPr>
                         <a:t>1.63</a:t>
                       </a:r>
-                      <a:endParaRPr lang="en-US" sz="3600" b="0" i="0" dirty="0">
-                        <a:solidFill>
-                          <a:schemeClr val="tx1"/>
-                        </a:solidFill>
-                        <a:latin typeface="Times New Roman" charset="0"/>
-                        <a:ea typeface="Times New Roman" charset="0"/>
-                        <a:cs typeface="Times New Roman" charset="0"/>
-                      </a:endParaRPr>
                     </a:p>
                   </a:txBody>
                   <a:tcPr>
@@ -6900,7 +6767,7 @@
                     <a:p>
                       <a:pPr algn="ctr"/>
                       <a:r>
-                        <a:rPr lang="en-US" sz="3600" b="0" dirty="0" smtClean="0">
+                        <a:rPr lang="en-US" sz="3600" b="0" dirty="0">
                           <a:solidFill>
                             <a:schemeClr val="tx1"/>
                           </a:solidFill>
@@ -6909,6 +6776,69 @@
                           <a:cs typeface="Times New Roman" charset="0"/>
                         </a:rPr>
                         <a:t>1.34</a:t>
+                      </a:r>
+                    </a:p>
+                  </a:txBody>
+                  <a:tcPr>
+                    <a:noFill/>
+                  </a:tcPr>
+                </a:tc>
+                <a:tc>
+                  <a:txBody>
+                    <a:bodyPr/>
+                    <a:lstStyle/>
+                    <a:p>
+                      <a:pPr algn="ctr"/>
+                      <a:r>
+                        <a:rPr lang="en-US" sz="3600" b="0" dirty="0">
+                          <a:solidFill>
+                            <a:schemeClr val="tx1"/>
+                          </a:solidFill>
+                          <a:latin typeface="Times New Roman" charset="0"/>
+                          <a:ea typeface="Times New Roman" charset="0"/>
+                          <a:cs typeface="Times New Roman" charset="0"/>
+                        </a:rPr>
+                        <a:t>1.63</a:t>
+                      </a:r>
+                    </a:p>
+                  </a:txBody>
+                  <a:tcPr>
+                    <a:noFill/>
+                  </a:tcPr>
+                </a:tc>
+                <a:extLst>
+                  <a:ext uri="{0D108BD9-81ED-4DB2-BD59-A6C34878D82A}">
+                    <a16:rowId xmlns:a16="http://schemas.microsoft.com/office/drawing/2014/main" val="10003"/>
+                  </a:ext>
+                </a:extLst>
+              </a:tr>
+              <a:tr h="366238">
+                <a:tc>
+                  <a:txBody>
+                    <a:bodyPr/>
+                    <a:lstStyle/>
+                    <a:p>
+                      <a:r>
+                        <a:rPr lang="en-US" sz="3600" b="0" dirty="0">
+                          <a:solidFill>
+                            <a:schemeClr val="tx1"/>
+                          </a:solidFill>
+                          <a:latin typeface="Times New Roman" charset="0"/>
+                          <a:ea typeface="Times New Roman" charset="0"/>
+                          <a:cs typeface="Times New Roman" charset="0"/>
+                        </a:rPr>
+                        <a:t>Authority</a:t>
+                      </a:r>
+                      <a:r>
+                        <a:rPr lang="en-US" sz="3600" b="0" baseline="0" dirty="0">
+                          <a:solidFill>
+                            <a:schemeClr val="tx1"/>
+                          </a:solidFill>
+                          <a:latin typeface="Times New Roman" charset="0"/>
+                          <a:ea typeface="Times New Roman" charset="0"/>
+                          <a:cs typeface="Times New Roman" charset="0"/>
+                        </a:rPr>
+                        <a:t>/Respect</a:t>
                       </a:r>
                       <a:endParaRPr lang="en-US" sz="3600" b="0" dirty="0">
                         <a:solidFill>
@@ -6931,67 +6861,16 @@
                     <a:p>
                       <a:pPr algn="ctr"/>
                       <a:r>
-                        <a:rPr lang="en-US" sz="3600" b="0" dirty="0" smtClean="0">
-                          <a:solidFill>
-                            <a:schemeClr val="tx1"/>
-                          </a:solidFill>
-                          <a:latin typeface="Times New Roman" charset="0"/>
-                          <a:ea typeface="Times New Roman" charset="0"/>
-                          <a:cs typeface="Times New Roman" charset="0"/>
-                        </a:rPr>
-                        <a:t>1.63</a:t>
-                      </a:r>
-                      <a:endParaRPr lang="en-US" sz="3600" b="0" dirty="0">
-                        <a:solidFill>
-                          <a:schemeClr val="tx1"/>
-                        </a:solidFill>
-                        <a:latin typeface="Times New Roman" charset="0"/>
-                        <a:ea typeface="Times New Roman" charset="0"/>
-                        <a:cs typeface="Times New Roman" charset="0"/>
-                      </a:endParaRPr>
-                    </a:p>
-                  </a:txBody>
-                  <a:tcPr>
-                    <a:noFill/>
-                  </a:tcPr>
-                </a:tc>
-              </a:tr>
-              <a:tr h="366238">
-                <a:tc>
-                  <a:txBody>
-                    <a:bodyPr/>
-                    <a:lstStyle/>
-                    <a:p>
-                      <a:r>
-                        <a:rPr lang="en-US" sz="3600" b="0" dirty="0" smtClean="0">
-                          <a:solidFill>
-                            <a:schemeClr val="tx1"/>
-                          </a:solidFill>
-                          <a:latin typeface="Times New Roman" charset="0"/>
-                          <a:ea typeface="Times New Roman" charset="0"/>
-                          <a:cs typeface="Times New Roman" charset="0"/>
-                        </a:rPr>
-                        <a:t>Authority</a:t>
-                      </a:r>
-                      <a:r>
-                        <a:rPr lang="en-US" sz="3600" b="0" baseline="0" dirty="0" smtClean="0">
-                          <a:solidFill>
-                            <a:schemeClr val="tx1"/>
-                          </a:solidFill>
-                          <a:latin typeface="Times New Roman" charset="0"/>
-                          <a:ea typeface="Times New Roman" charset="0"/>
-                          <a:cs typeface="Times New Roman" charset="0"/>
-                        </a:rPr>
-                        <a:t>/Respect</a:t>
-                      </a:r>
-                      <a:endParaRPr lang="en-US" sz="3600" b="0" dirty="0">
-                        <a:solidFill>
-                          <a:schemeClr val="tx1"/>
-                        </a:solidFill>
-                        <a:latin typeface="Times New Roman" charset="0"/>
-                        <a:ea typeface="Times New Roman" charset="0"/>
-                        <a:cs typeface="Times New Roman" charset="0"/>
-                      </a:endParaRPr>
+                        <a:rPr lang="en-US" sz="3600" b="0" i="0" dirty="0">
+                          <a:solidFill>
+                            <a:schemeClr val="tx1"/>
+                          </a:solidFill>
+                          <a:latin typeface="Times New Roman" charset="0"/>
+                          <a:ea typeface="Times New Roman" charset="0"/>
+                          <a:cs typeface="Times New Roman" charset="0"/>
+                        </a:rPr>
+                        <a:t>0.72</a:t>
+                      </a:r>
                     </a:p>
                   </a:txBody>
                   <a:tcPr>
@@ -7005,24 +6884,16 @@
                     <a:p>
                       <a:pPr algn="ctr"/>
                       <a:r>
-                        <a:rPr lang="en-US" sz="3600" b="0" i="0" dirty="0" smtClean="0">
-                          <a:solidFill>
-                            <a:schemeClr val="tx1"/>
-                          </a:solidFill>
-                          <a:latin typeface="Times New Roman" charset="0"/>
-                          <a:ea typeface="Times New Roman" charset="0"/>
-                          <a:cs typeface="Times New Roman" charset="0"/>
-                        </a:rPr>
-                        <a:t>0.72</a:t>
-                      </a:r>
-                      <a:endParaRPr lang="en-US" sz="3600" b="0" i="0" dirty="0">
-                        <a:solidFill>
-                          <a:schemeClr val="tx1"/>
-                        </a:solidFill>
-                        <a:latin typeface="Times New Roman" charset="0"/>
-                        <a:ea typeface="Times New Roman" charset="0"/>
-                        <a:cs typeface="Times New Roman" charset="0"/>
-                      </a:endParaRPr>
+                        <a:rPr lang="en-US" sz="3600" b="0" i="0" dirty="0">
+                          <a:solidFill>
+                            <a:schemeClr val="tx1"/>
+                          </a:solidFill>
+                          <a:latin typeface="Times New Roman" charset="0"/>
+                          <a:ea typeface="Times New Roman" charset="0"/>
+                          <a:cs typeface="Times New Roman" charset="0"/>
+                        </a:rPr>
+                        <a:t>1.62</a:t>
+                      </a:r>
                     </a:p>
                   </a:txBody>
                   <a:tcPr>
@@ -7036,24 +6907,16 @@
                     <a:p>
                       <a:pPr algn="ctr"/>
                       <a:r>
-                        <a:rPr lang="en-US" sz="3600" b="0" i="0" dirty="0" smtClean="0">
-                          <a:solidFill>
-                            <a:schemeClr val="tx1"/>
-                          </a:solidFill>
-                          <a:latin typeface="Times New Roman" charset="0"/>
-                          <a:ea typeface="Times New Roman" charset="0"/>
-                          <a:cs typeface="Times New Roman" charset="0"/>
-                        </a:rPr>
-                        <a:t>1.62</a:t>
-                      </a:r>
-                      <a:endParaRPr lang="en-US" sz="3600" b="0" i="0" dirty="0">
-                        <a:solidFill>
-                          <a:schemeClr val="tx1"/>
-                        </a:solidFill>
-                        <a:latin typeface="Times New Roman" charset="0"/>
-                        <a:ea typeface="Times New Roman" charset="0"/>
-                        <a:cs typeface="Times New Roman" charset="0"/>
-                      </a:endParaRPr>
+                        <a:rPr lang="en-US" sz="3600" b="0" dirty="0">
+                          <a:solidFill>
+                            <a:schemeClr val="tx1"/>
+                          </a:solidFill>
+                          <a:latin typeface="Times New Roman" charset="0"/>
+                          <a:ea typeface="Times New Roman" charset="0"/>
+                          <a:cs typeface="Times New Roman" charset="0"/>
+                        </a:rPr>
+                        <a:t>1.06</a:t>
+                      </a:r>
                     </a:p>
                   </a:txBody>
                   <a:tcPr>
@@ -7067,61 +6930,27 @@
                     <a:p>
                       <a:pPr algn="ctr"/>
                       <a:r>
-                        <a:rPr lang="en-US" sz="3600" b="0" dirty="0" smtClean="0">
-                          <a:solidFill>
-                            <a:schemeClr val="tx1"/>
-                          </a:solidFill>
-                          <a:latin typeface="Times New Roman" charset="0"/>
-                          <a:ea typeface="Times New Roman" charset="0"/>
-                          <a:cs typeface="Times New Roman" charset="0"/>
-                        </a:rPr>
-                        <a:t>1.06</a:t>
-                      </a:r>
-                      <a:endParaRPr lang="en-US" sz="3600" b="0" dirty="0">
-                        <a:solidFill>
-                          <a:schemeClr val="tx1"/>
-                        </a:solidFill>
-                        <a:latin typeface="Times New Roman" charset="0"/>
-                        <a:ea typeface="Times New Roman" charset="0"/>
-                        <a:cs typeface="Times New Roman" charset="0"/>
-                      </a:endParaRPr>
+                        <a:rPr lang="en-US" sz="3600" b="0" dirty="0">
+                          <a:solidFill>
+                            <a:schemeClr val="tx1"/>
+                          </a:solidFill>
+                          <a:latin typeface="Times New Roman" charset="0"/>
+                          <a:ea typeface="Times New Roman" charset="0"/>
+                          <a:cs typeface="Times New Roman" charset="0"/>
+                        </a:rPr>
+                        <a:t>1.62</a:t>
+                      </a:r>
                     </a:p>
                   </a:txBody>
                   <a:tcPr>
                     <a:noFill/>
                   </a:tcPr>
                 </a:tc>
-                <a:tc>
-                  <a:txBody>
-                    <a:bodyPr/>
-                    <a:lstStyle/>
-                    <a:p>
-                      <a:pPr algn="ctr"/>
-                      <a:r>
-                        <a:rPr lang="en-US" sz="3600" b="0" dirty="0" smtClean="0">
-                          <a:solidFill>
-                            <a:schemeClr val="tx1"/>
-                          </a:solidFill>
-                          <a:latin typeface="Times New Roman" charset="0"/>
-                          <a:ea typeface="Times New Roman" charset="0"/>
-                          <a:cs typeface="Times New Roman" charset="0"/>
-                        </a:rPr>
-                        <a:t>1.62</a:t>
-                      </a:r>
-                      <a:endParaRPr lang="en-US" sz="3600" b="0" dirty="0">
-                        <a:solidFill>
-                          <a:schemeClr val="tx1"/>
-                        </a:solidFill>
-                        <a:latin typeface="Times New Roman" charset="0"/>
-                        <a:ea typeface="Times New Roman" charset="0"/>
-                        <a:cs typeface="Times New Roman" charset="0"/>
-                      </a:endParaRPr>
-                    </a:p>
-                  </a:txBody>
-                  <a:tcPr>
-                    <a:noFill/>
-                  </a:tcPr>
-                </a:tc>
+                <a:extLst>
+                  <a:ext uri="{0D108BD9-81ED-4DB2-BD59-A6C34878D82A}">
+                    <a16:rowId xmlns:a16="http://schemas.microsoft.com/office/drawing/2014/main" val="10004"/>
+                  </a:ext>
+                </a:extLst>
               </a:tr>
               <a:tr h="366238">
                 <a:tc>
@@ -7130,7 +6959,7 @@
                     <a:lstStyle/>
                     <a:p>
                       <a:r>
-                        <a:rPr lang="en-US" sz="3600" b="0" dirty="0" smtClean="0">
+                        <a:rPr lang="en-US" sz="3600" b="0" dirty="0">
                           <a:solidFill>
                             <a:schemeClr val="tx1"/>
                           </a:solidFill>
@@ -7140,14 +6969,6 @@
                         </a:rPr>
                         <a:t>Purity/Sanctity</a:t>
                       </a:r>
-                      <a:endParaRPr lang="en-US" sz="3600" b="0" dirty="0">
-                        <a:solidFill>
-                          <a:schemeClr val="tx1"/>
-                        </a:solidFill>
-                        <a:latin typeface="Times New Roman" charset="0"/>
-                        <a:ea typeface="Times New Roman" charset="0"/>
-                        <a:cs typeface="Times New Roman" charset="0"/>
-                      </a:endParaRPr>
                     </a:p>
                   </a:txBody>
                   <a:tcPr>
@@ -7170,7 +6991,7 @@
                     <a:p>
                       <a:pPr algn="ctr"/>
                       <a:r>
-                        <a:rPr lang="en-US" sz="3600" b="0" i="0" dirty="0" smtClean="0">
+                        <a:rPr lang="en-US" sz="3600" b="0" i="0" dirty="0">
                           <a:solidFill>
                             <a:schemeClr val="tx1"/>
                           </a:solidFill>
@@ -7180,14 +7001,6 @@
                         </a:rPr>
                         <a:t>1.11</a:t>
                       </a:r>
-                      <a:endParaRPr lang="en-US" sz="3600" b="0" i="0" dirty="0">
-                        <a:solidFill>
-                          <a:schemeClr val="tx1"/>
-                        </a:solidFill>
-                        <a:latin typeface="Times New Roman" charset="0"/>
-                        <a:ea typeface="Times New Roman" charset="0"/>
-                        <a:cs typeface="Times New Roman" charset="0"/>
-                      </a:endParaRPr>
                     </a:p>
                   </a:txBody>
                   <a:tcPr>
@@ -7210,7 +7023,7 @@
                     <a:p>
                       <a:pPr algn="ctr"/>
                       <a:r>
-                        <a:rPr lang="en-US" sz="3600" b="0" i="0" dirty="0" smtClean="0">
+                        <a:rPr lang="en-US" sz="3600" b="0" i="0" dirty="0">
                           <a:solidFill>
                             <a:schemeClr val="tx1"/>
                           </a:solidFill>
@@ -7220,14 +7033,6 @@
                         </a:rPr>
                         <a:t>1.48</a:t>
                       </a:r>
-                      <a:endParaRPr lang="en-US" sz="3600" b="0" i="0" dirty="0">
-                        <a:solidFill>
-                          <a:schemeClr val="tx1"/>
-                        </a:solidFill>
-                        <a:latin typeface="Times New Roman" charset="0"/>
-                        <a:ea typeface="Times New Roman" charset="0"/>
-                        <a:cs typeface="Times New Roman" charset="0"/>
-                      </a:endParaRPr>
                     </a:p>
                   </a:txBody>
                   <a:tcPr>
@@ -7250,7 +7055,7 @@
                     <a:p>
                       <a:pPr algn="ctr"/>
                       <a:r>
-                        <a:rPr lang="en-US" sz="3600" b="0" dirty="0" smtClean="0">
+                        <a:rPr lang="en-US" sz="3600" b="0" dirty="0">
                           <a:solidFill>
                             <a:schemeClr val="tx1"/>
                           </a:solidFill>
@@ -7260,14 +7065,6 @@
                         </a:rPr>
                         <a:t>1.27</a:t>
                       </a:r>
-                      <a:endParaRPr lang="en-US" sz="3600" b="0" dirty="0">
-                        <a:solidFill>
-                          <a:schemeClr val="tx1"/>
-                        </a:solidFill>
-                        <a:latin typeface="Times New Roman" charset="0"/>
-                        <a:ea typeface="Times New Roman" charset="0"/>
-                        <a:cs typeface="Times New Roman" charset="0"/>
-                      </a:endParaRPr>
                     </a:p>
                   </a:txBody>
                   <a:tcPr>
@@ -7290,7 +7087,7 @@
                     <a:p>
                       <a:pPr algn="ctr"/>
                       <a:r>
-                        <a:rPr lang="en-US" sz="3600" b="0" dirty="0" smtClean="0">
+                        <a:rPr lang="en-US" sz="3600" b="0" dirty="0">
                           <a:solidFill>
                             <a:schemeClr val="tx1"/>
                           </a:solidFill>
@@ -7300,14 +7097,6 @@
                         </a:rPr>
                         <a:t>1.48</a:t>
                       </a:r>
-                      <a:endParaRPr lang="en-US" sz="3600" b="0" dirty="0">
-                        <a:solidFill>
-                          <a:schemeClr val="tx1"/>
-                        </a:solidFill>
-                        <a:latin typeface="Times New Roman" charset="0"/>
-                        <a:ea typeface="Times New Roman" charset="0"/>
-                        <a:cs typeface="Times New Roman" charset="0"/>
-                      </a:endParaRPr>
                     </a:p>
                   </a:txBody>
                   <a:tcPr>
@@ -7323,6 +7112,11 @@
                     <a:noFill/>
                   </a:tcPr>
                 </a:tc>
+                <a:extLst>
+                  <a:ext uri="{0D108BD9-81ED-4DB2-BD59-A6C34878D82A}">
+                    <a16:rowId xmlns:a16="http://schemas.microsoft.com/office/drawing/2014/main" val="10005"/>
+                  </a:ext>
+                </a:extLst>
               </a:tr>
             </a:tbl>
           </a:graphicData>
@@ -7337,13 +7131,13 @@
           <p:nvPr>
             <p:extLst>
               <p:ext uri="{D42A27DB-BD31-4B8C-83A1-F6EECF244321}">
-                <p14:modId xmlns:p14="http://schemas.microsoft.com/office/powerpoint/2010/main" val="2432077735"/>
+                <p14:modId xmlns:p14="http://schemas.microsoft.com/office/powerpoint/2010/main" val="2104729952"/>
               </p:ext>
             </p:extLst>
           </p:nvPr>
         </p:nvGraphicFramePr>
         <p:xfrm>
-          <a:off x="15773400" y="14249400"/>
+          <a:off x="15925801" y="14249400"/>
           <a:ext cx="12191999" cy="3840480"/>
         </p:xfrm>
         <a:graphic>
@@ -7353,10 +7147,34 @@
                 <a:tableStyleId>{5C22544A-7EE6-4342-B048-85BDC9FD1C3A}</a:tableStyleId>
               </a:tblPr>
               <a:tblGrid>
-                <a:gridCol w="4097370"/>
-                <a:gridCol w="2934294"/>
-                <a:gridCol w="2934294"/>
-                <a:gridCol w="2226041"/>
+                <a:gridCol w="4097370">
+                  <a:extLst>
+                    <a:ext uri="{9D8B030D-6E8A-4147-A177-3AD203B41FA5}">
+                      <a16:colId xmlns:a16="http://schemas.microsoft.com/office/drawing/2014/main" val="20000"/>
+                    </a:ext>
+                  </a:extLst>
+                </a:gridCol>
+                <a:gridCol w="2934294">
+                  <a:extLst>
+                    <a:ext uri="{9D8B030D-6E8A-4147-A177-3AD203B41FA5}">
+                      <a16:colId xmlns:a16="http://schemas.microsoft.com/office/drawing/2014/main" val="20001"/>
+                    </a:ext>
+                  </a:extLst>
+                </a:gridCol>
+                <a:gridCol w="2934294">
+                  <a:extLst>
+                    <a:ext uri="{9D8B030D-6E8A-4147-A177-3AD203B41FA5}">
+                      <a16:colId xmlns:a16="http://schemas.microsoft.com/office/drawing/2014/main" val="20002"/>
+                    </a:ext>
+                  </a:extLst>
+                </a:gridCol>
+                <a:gridCol w="2226041">
+                  <a:extLst>
+                    <a:ext uri="{9D8B030D-6E8A-4147-A177-3AD203B41FA5}">
+                      <a16:colId xmlns:a16="http://schemas.microsoft.com/office/drawing/2014/main" val="20003"/>
+                    </a:ext>
+                  </a:extLst>
+                </a:gridCol>
               </a:tblGrid>
               <a:tr h="181734">
                 <a:tc>
@@ -7365,7 +7183,7 @@
                     <a:lstStyle/>
                     <a:p>
                       <a:r>
-                        <a:rPr lang="en-US" sz="3600" dirty="0" smtClean="0">
+                        <a:rPr lang="en-US" sz="3600" dirty="0">
                           <a:solidFill>
                             <a:schemeClr val="tx1"/>
                           </a:solidFill>
@@ -7375,14 +7193,6 @@
                         </a:rPr>
                         <a:t>Foundation</a:t>
                       </a:r>
-                      <a:endParaRPr lang="en-US" sz="3600" dirty="0">
-                        <a:solidFill>
-                          <a:schemeClr val="tx1"/>
-                        </a:solidFill>
-                        <a:latin typeface="Times New Roman" charset="0"/>
-                        <a:ea typeface="Times New Roman" charset="0"/>
-                        <a:cs typeface="Times New Roman" charset="0"/>
-                      </a:endParaRPr>
                     </a:p>
                   </a:txBody>
                   <a:tcPr>
@@ -7414,7 +7224,7 @@
                     <a:p>
                       <a:pPr algn="ctr"/>
                       <a:r>
-                        <a:rPr lang="en-US" sz="3600" i="1" dirty="0" smtClean="0">
+                        <a:rPr lang="en-US" sz="3600" i="1" dirty="0">
                           <a:solidFill>
                             <a:schemeClr val="tx1"/>
                           </a:solidFill>
@@ -7423,6 +7233,899 @@
                           <a:cs typeface="Times New Roman" charset="0"/>
                         </a:rPr>
                         <a:t>t</a:t>
+                      </a:r>
+                    </a:p>
+                  </a:txBody>
+                  <a:tcPr>
+                    <a:lnT w="12700" cap="flat" cmpd="sng" algn="ctr">
+                      <a:solidFill>
+                        <a:scrgbClr r="0" g="0" b="0"/>
+                      </a:solidFill>
+                      <a:prstDash val="solid"/>
+                      <a:round/>
+                      <a:headEnd type="none" w="med" len="med"/>
+                      <a:tailEnd type="none" w="med" len="med"/>
+                    </a:lnT>
+                    <a:lnB w="12700" cap="flat" cmpd="sng" algn="ctr">
+                      <a:solidFill>
+                        <a:schemeClr val="tx1"/>
+                      </a:solidFill>
+                      <a:prstDash val="solid"/>
+                      <a:round/>
+                      <a:headEnd type="none" w="med" len="med"/>
+                      <a:tailEnd type="none" w="med" len="med"/>
+                    </a:lnB>
+                    <a:noFill/>
+                  </a:tcPr>
+                </a:tc>
+                <a:tc>
+                  <a:txBody>
+                    <a:bodyPr/>
+                    <a:lstStyle/>
+                    <a:p>
+                      <a:pPr algn="ctr"/>
+                      <a:r>
+                        <a:rPr lang="en-US" sz="3600" i="1" dirty="0">
+                          <a:solidFill>
+                            <a:schemeClr val="tx1"/>
+                          </a:solidFill>
+                          <a:latin typeface="Times New Roman" charset="0"/>
+                          <a:ea typeface="Times New Roman" charset="0"/>
+                          <a:cs typeface="Times New Roman" charset="0"/>
+                        </a:rPr>
+                        <a:t>p</a:t>
+                      </a:r>
+                    </a:p>
+                  </a:txBody>
+                  <a:tcPr>
+                    <a:lnT w="12700" cap="flat" cmpd="sng" algn="ctr">
+                      <a:solidFill>
+                        <a:scrgbClr r="0" g="0" b="0"/>
+                      </a:solidFill>
+                      <a:prstDash val="solid"/>
+                      <a:round/>
+                      <a:headEnd type="none" w="med" len="med"/>
+                      <a:tailEnd type="none" w="med" len="med"/>
+                    </a:lnT>
+                    <a:lnB w="12700" cap="flat" cmpd="sng" algn="ctr">
+                      <a:solidFill>
+                        <a:schemeClr val="tx1"/>
+                      </a:solidFill>
+                      <a:prstDash val="solid"/>
+                      <a:round/>
+                      <a:headEnd type="none" w="med" len="med"/>
+                      <a:tailEnd type="none" w="med" len="med"/>
+                    </a:lnB>
+                    <a:noFill/>
+                  </a:tcPr>
+                </a:tc>
+                <a:tc>
+                  <a:txBody>
+                    <a:bodyPr/>
+                    <a:lstStyle/>
+                    <a:p>
+                      <a:pPr algn="ctr"/>
+                      <a:r>
+                        <a:rPr lang="en-US" sz="3600" i="1" dirty="0">
+                          <a:solidFill>
+                            <a:schemeClr val="tx1"/>
+                          </a:solidFill>
+                          <a:latin typeface="Times New Roman" charset="0"/>
+                          <a:ea typeface="Times New Roman" charset="0"/>
+                          <a:cs typeface="Times New Roman" charset="0"/>
+                        </a:rPr>
+                        <a:t>d</a:t>
+                      </a:r>
+                    </a:p>
+                  </a:txBody>
+                  <a:tcPr>
+                    <a:lnT w="12700" cap="flat" cmpd="sng" algn="ctr">
+                      <a:solidFill>
+                        <a:scrgbClr r="0" g="0" b="0"/>
+                      </a:solidFill>
+                      <a:prstDash val="solid"/>
+                      <a:round/>
+                      <a:headEnd type="none" w="med" len="med"/>
+                      <a:tailEnd type="none" w="med" len="med"/>
+                    </a:lnT>
+                    <a:lnB w="12700" cap="flat" cmpd="sng" algn="ctr">
+                      <a:solidFill>
+                        <a:schemeClr val="tx1"/>
+                      </a:solidFill>
+                      <a:prstDash val="solid"/>
+                      <a:round/>
+                      <a:headEnd type="none" w="med" len="med"/>
+                      <a:tailEnd type="none" w="med" len="med"/>
+                    </a:lnB>
+                    <a:noFill/>
+                  </a:tcPr>
+                </a:tc>
+                <a:extLst>
+                  <a:ext uri="{0D108BD9-81ED-4DB2-BD59-A6C34878D82A}">
+                    <a16:rowId xmlns:a16="http://schemas.microsoft.com/office/drawing/2014/main" val="10000"/>
+                  </a:ext>
+                </a:extLst>
+              </a:tr>
+              <a:tr h="366238">
+                <a:tc>
+                  <a:txBody>
+                    <a:bodyPr/>
+                    <a:lstStyle/>
+                    <a:p>
+                      <a:r>
+                        <a:rPr lang="en-US" sz="3600" dirty="0">
+                          <a:solidFill>
+                            <a:schemeClr val="tx1"/>
+                          </a:solidFill>
+                          <a:latin typeface="Times New Roman" charset="0"/>
+                          <a:ea typeface="Times New Roman" charset="0"/>
+                          <a:cs typeface="Times New Roman" charset="0"/>
+                        </a:rPr>
+                        <a:t>Harm/Care</a:t>
+                      </a:r>
+                    </a:p>
+                  </a:txBody>
+                  <a:tcPr>
+                    <a:lnT w="12700" cap="flat" cmpd="sng" algn="ctr">
+                      <a:solidFill>
+                        <a:schemeClr val="tx1"/>
+                      </a:solidFill>
+                      <a:prstDash val="solid"/>
+                      <a:round/>
+                      <a:headEnd type="none" w="med" len="med"/>
+                      <a:tailEnd type="none" w="med" len="med"/>
+                    </a:lnT>
+                    <a:noFill/>
+                  </a:tcPr>
+                </a:tc>
+                <a:tc>
+                  <a:txBody>
+                    <a:bodyPr/>
+                    <a:lstStyle/>
+                    <a:p>
+                      <a:pPr algn="ctr"/>
+                      <a:r>
+                        <a:rPr lang="en-US" sz="3600" dirty="0">
+                          <a:solidFill>
+                            <a:schemeClr val="tx1"/>
+                          </a:solidFill>
+                          <a:latin typeface="Times New Roman" charset="0"/>
+                          <a:ea typeface="Times New Roman" charset="0"/>
+                          <a:cs typeface="Times New Roman" charset="0"/>
+                        </a:rPr>
+                        <a:t>-0.21</a:t>
+                      </a:r>
+                    </a:p>
+                  </a:txBody>
+                  <a:tcPr>
+                    <a:lnT w="12700" cap="flat" cmpd="sng" algn="ctr">
+                      <a:solidFill>
+                        <a:schemeClr val="tx1"/>
+                      </a:solidFill>
+                      <a:prstDash val="solid"/>
+                      <a:round/>
+                      <a:headEnd type="none" w="med" len="med"/>
+                      <a:tailEnd type="none" w="med" len="med"/>
+                    </a:lnT>
+                    <a:noFill/>
+                  </a:tcPr>
+                </a:tc>
+                <a:tc>
+                  <a:txBody>
+                    <a:bodyPr/>
+                    <a:lstStyle/>
+                    <a:p>
+                      <a:pPr algn="ctr"/>
+                      <a:r>
+                        <a:rPr lang="en-US" sz="3600" dirty="0">
+                          <a:solidFill>
+                            <a:schemeClr val="tx1"/>
+                          </a:solidFill>
+                          <a:latin typeface="Times New Roman" charset="0"/>
+                          <a:ea typeface="Times New Roman" charset="0"/>
+                          <a:cs typeface="Times New Roman" charset="0"/>
+                        </a:rPr>
+                        <a:t>.850</a:t>
+                      </a:r>
+                    </a:p>
+                  </a:txBody>
+                  <a:tcPr>
+                    <a:lnT w="12700" cap="flat" cmpd="sng" algn="ctr">
+                      <a:solidFill>
+                        <a:schemeClr val="tx1"/>
+                      </a:solidFill>
+                      <a:prstDash val="solid"/>
+                      <a:round/>
+                      <a:headEnd type="none" w="med" len="med"/>
+                      <a:tailEnd type="none" w="med" len="med"/>
+                    </a:lnT>
+                    <a:noFill/>
+                  </a:tcPr>
+                </a:tc>
+                <a:tc>
+                  <a:txBody>
+                    <a:bodyPr/>
+                    <a:lstStyle/>
+                    <a:p>
+                      <a:pPr algn="ctr"/>
+                      <a:r>
+                        <a:rPr lang="en-US" sz="3600" dirty="0">
+                          <a:solidFill>
+                            <a:schemeClr val="tx1"/>
+                          </a:solidFill>
+                          <a:latin typeface="Times New Roman" charset="0"/>
+                          <a:ea typeface="Times New Roman" charset="0"/>
+                          <a:cs typeface="Times New Roman" charset="0"/>
+                        </a:rPr>
+                        <a:t>0.01</a:t>
+                      </a:r>
+                    </a:p>
+                  </a:txBody>
+                  <a:tcPr>
+                    <a:lnT w="12700" cap="flat" cmpd="sng" algn="ctr">
+                      <a:solidFill>
+                        <a:schemeClr val="tx1"/>
+                      </a:solidFill>
+                      <a:prstDash val="solid"/>
+                      <a:round/>
+                      <a:headEnd type="none" w="med" len="med"/>
+                      <a:tailEnd type="none" w="med" len="med"/>
+                    </a:lnT>
+                    <a:noFill/>
+                  </a:tcPr>
+                </a:tc>
+                <a:extLst>
+                  <a:ext uri="{0D108BD9-81ED-4DB2-BD59-A6C34878D82A}">
+                    <a16:rowId xmlns:a16="http://schemas.microsoft.com/office/drawing/2014/main" val="10001"/>
+                  </a:ext>
+                </a:extLst>
+              </a:tr>
+              <a:tr h="366238">
+                <a:tc>
+                  <a:txBody>
+                    <a:bodyPr/>
+                    <a:lstStyle/>
+                    <a:p>
+                      <a:r>
+                        <a:rPr lang="en-US" sz="3600" dirty="0">
+                          <a:solidFill>
+                            <a:schemeClr val="tx1"/>
+                          </a:solidFill>
+                          <a:latin typeface="Times New Roman" charset="0"/>
+                          <a:ea typeface="Times New Roman" charset="0"/>
+                          <a:cs typeface="Times New Roman" charset="0"/>
+                        </a:rPr>
+                        <a:t>Fairness/Reciprocity</a:t>
+                      </a:r>
+                    </a:p>
+                  </a:txBody>
+                  <a:tcPr>
+                    <a:noFill/>
+                  </a:tcPr>
+                </a:tc>
+                <a:tc>
+                  <a:txBody>
+                    <a:bodyPr/>
+                    <a:lstStyle/>
+                    <a:p>
+                      <a:pPr algn="ctr"/>
+                      <a:r>
+                        <a:rPr lang="en-US" sz="3600" dirty="0">
+                          <a:solidFill>
+                            <a:schemeClr val="tx1"/>
+                          </a:solidFill>
+                          <a:latin typeface="Times New Roman" charset="0"/>
+                          <a:ea typeface="Times New Roman" charset="0"/>
+                          <a:cs typeface="Times New Roman" charset="0"/>
+                        </a:rPr>
+                        <a:t>-0.42</a:t>
+                      </a:r>
+                    </a:p>
+                  </a:txBody>
+                  <a:tcPr>
+                    <a:noFill/>
+                  </a:tcPr>
+                </a:tc>
+                <a:tc>
+                  <a:txBody>
+                    <a:bodyPr/>
+                    <a:lstStyle/>
+                    <a:p>
+                      <a:pPr algn="ctr"/>
+                      <a:r>
+                        <a:rPr lang="en-US" sz="3600" dirty="0">
+                          <a:solidFill>
+                            <a:schemeClr val="tx1"/>
+                          </a:solidFill>
+                          <a:latin typeface="Times New Roman" charset="0"/>
+                          <a:ea typeface="Times New Roman" charset="0"/>
+                          <a:cs typeface="Times New Roman" charset="0"/>
+                        </a:rPr>
+                        <a:t>.715</a:t>
+                      </a:r>
+                    </a:p>
+                  </a:txBody>
+                  <a:tcPr>
+                    <a:noFill/>
+                  </a:tcPr>
+                </a:tc>
+                <a:tc>
+                  <a:txBody>
+                    <a:bodyPr/>
+                    <a:lstStyle/>
+                    <a:p>
+                      <a:pPr algn="ctr"/>
+                      <a:r>
+                        <a:rPr lang="en-US" sz="3600" dirty="0">
+                          <a:solidFill>
+                            <a:schemeClr val="tx1"/>
+                          </a:solidFill>
+                          <a:latin typeface="Times New Roman" charset="0"/>
+                          <a:ea typeface="Times New Roman" charset="0"/>
+                          <a:cs typeface="Times New Roman" charset="0"/>
+                        </a:rPr>
+                        <a:t>0.02</a:t>
+                      </a:r>
+                    </a:p>
+                  </a:txBody>
+                  <a:tcPr>
+                    <a:noFill/>
+                  </a:tcPr>
+                </a:tc>
+                <a:extLst>
+                  <a:ext uri="{0D108BD9-81ED-4DB2-BD59-A6C34878D82A}">
+                    <a16:rowId xmlns:a16="http://schemas.microsoft.com/office/drawing/2014/main" val="10002"/>
+                  </a:ext>
+                </a:extLst>
+              </a:tr>
+              <a:tr h="366238">
+                <a:tc>
+                  <a:txBody>
+                    <a:bodyPr/>
+                    <a:lstStyle/>
+                    <a:p>
+                      <a:r>
+                        <a:rPr lang="en-US" sz="3600" b="0" dirty="0" err="1">
+                          <a:solidFill>
+                            <a:schemeClr val="tx1"/>
+                          </a:solidFill>
+                          <a:latin typeface="Times New Roman" charset="0"/>
+                          <a:ea typeface="Times New Roman" charset="0"/>
+                          <a:cs typeface="Times New Roman" charset="0"/>
+                        </a:rPr>
+                        <a:t>Ingroup</a:t>
+                      </a:r>
+                      <a:r>
+                        <a:rPr lang="en-US" sz="3600" b="0" dirty="0">
+                          <a:solidFill>
+                            <a:schemeClr val="tx1"/>
+                          </a:solidFill>
+                          <a:latin typeface="Times New Roman" charset="0"/>
+                          <a:ea typeface="Times New Roman" charset="0"/>
+                          <a:cs typeface="Times New Roman" charset="0"/>
+                        </a:rPr>
+                        <a:t>/Loyalty</a:t>
+                      </a:r>
+                    </a:p>
+                  </a:txBody>
+                  <a:tcPr>
+                    <a:noFill/>
+                  </a:tcPr>
+                </a:tc>
+                <a:tc>
+                  <a:txBody>
+                    <a:bodyPr/>
+                    <a:lstStyle/>
+                    <a:p>
+                      <a:pPr algn="ctr"/>
+                      <a:r>
+                        <a:rPr lang="en-US" sz="3600" b="0" dirty="0">
+                          <a:solidFill>
+                            <a:schemeClr val="tx1"/>
+                          </a:solidFill>
+                          <a:latin typeface="Times New Roman" charset="0"/>
+                          <a:ea typeface="Times New Roman" charset="0"/>
+                          <a:cs typeface="Times New Roman" charset="0"/>
+                        </a:rPr>
+                        <a:t>0.30</a:t>
+                      </a:r>
+                    </a:p>
+                  </a:txBody>
+                  <a:tcPr>
+                    <a:noFill/>
+                  </a:tcPr>
+                </a:tc>
+                <a:tc>
+                  <a:txBody>
+                    <a:bodyPr/>
+                    <a:lstStyle/>
+                    <a:p>
+                      <a:pPr algn="ctr"/>
+                      <a:r>
+                        <a:rPr lang="en-US" sz="3600" b="0" dirty="0">
+                          <a:solidFill>
+                            <a:schemeClr val="tx1"/>
+                          </a:solidFill>
+                          <a:latin typeface="Times New Roman" charset="0"/>
+                          <a:ea typeface="Times New Roman" charset="0"/>
+                          <a:cs typeface="Times New Roman" charset="0"/>
+                        </a:rPr>
+                        <a:t>.789</a:t>
+                      </a:r>
+                    </a:p>
+                  </a:txBody>
+                  <a:tcPr>
+                    <a:noFill/>
+                  </a:tcPr>
+                </a:tc>
+                <a:tc>
+                  <a:txBody>
+                    <a:bodyPr/>
+                    <a:lstStyle/>
+                    <a:p>
+                      <a:pPr algn="ctr"/>
+                      <a:r>
+                        <a:rPr lang="en-US" sz="3600" b="0" dirty="0">
+                          <a:solidFill>
+                            <a:schemeClr val="tx1"/>
+                          </a:solidFill>
+                          <a:latin typeface="Times New Roman" charset="0"/>
+                          <a:ea typeface="Times New Roman" charset="0"/>
+                          <a:cs typeface="Times New Roman" charset="0"/>
+                        </a:rPr>
+                        <a:t>-0.04</a:t>
+                      </a:r>
+                    </a:p>
+                  </a:txBody>
+                  <a:tcPr>
+                    <a:noFill/>
+                  </a:tcPr>
+                </a:tc>
+                <a:extLst>
+                  <a:ext uri="{0D108BD9-81ED-4DB2-BD59-A6C34878D82A}">
+                    <a16:rowId xmlns:a16="http://schemas.microsoft.com/office/drawing/2014/main" val="10003"/>
+                  </a:ext>
+                </a:extLst>
+              </a:tr>
+              <a:tr h="366238">
+                <a:tc>
+                  <a:txBody>
+                    <a:bodyPr/>
+                    <a:lstStyle/>
+                    <a:p>
+                      <a:r>
+                        <a:rPr lang="en-US" sz="3600" b="0" dirty="0">
+                          <a:solidFill>
+                            <a:schemeClr val="tx1"/>
+                          </a:solidFill>
+                          <a:latin typeface="Times New Roman" charset="0"/>
+                          <a:ea typeface="Times New Roman" charset="0"/>
+                          <a:cs typeface="Times New Roman" charset="0"/>
+                        </a:rPr>
+                        <a:t>Authority/Respect</a:t>
+                      </a:r>
+                    </a:p>
+                  </a:txBody>
+                  <a:tcPr>
+                    <a:noFill/>
+                  </a:tcPr>
+                </a:tc>
+                <a:tc>
+                  <a:txBody>
+                    <a:bodyPr/>
+                    <a:lstStyle/>
+                    <a:p>
+                      <a:pPr algn="ctr"/>
+                      <a:r>
+                        <a:rPr lang="en-US" sz="3600" b="0" dirty="0">
+                          <a:solidFill>
+                            <a:schemeClr val="tx1"/>
+                          </a:solidFill>
+                          <a:latin typeface="Times New Roman" charset="0"/>
+                          <a:ea typeface="Times New Roman" charset="0"/>
+                          <a:cs typeface="Times New Roman" charset="0"/>
+                        </a:rPr>
+                        <a:t>3.17</a:t>
+                      </a:r>
+                    </a:p>
+                  </a:txBody>
+                  <a:tcPr>
+                    <a:noFill/>
+                  </a:tcPr>
+                </a:tc>
+                <a:tc>
+                  <a:txBody>
+                    <a:bodyPr/>
+                    <a:lstStyle/>
+                    <a:p>
+                      <a:pPr algn="ctr"/>
+                      <a:r>
+                        <a:rPr lang="en-US" sz="3600" b="0" dirty="0">
+                          <a:solidFill>
+                            <a:schemeClr val="tx1"/>
+                          </a:solidFill>
+                          <a:latin typeface="Times New Roman" charset="0"/>
+                          <a:ea typeface="Times New Roman" charset="0"/>
+                          <a:cs typeface="Times New Roman" charset="0"/>
+                        </a:rPr>
+                        <a:t>.087</a:t>
+                      </a:r>
+                    </a:p>
+                  </a:txBody>
+                  <a:tcPr>
+                    <a:noFill/>
+                  </a:tcPr>
+                </a:tc>
+                <a:tc>
+                  <a:txBody>
+                    <a:bodyPr/>
+                    <a:lstStyle/>
+                    <a:p>
+                      <a:pPr algn="ctr"/>
+                      <a:r>
+                        <a:rPr lang="en-US" sz="3600" b="0" dirty="0">
+                          <a:solidFill>
+                            <a:schemeClr val="tx1"/>
+                          </a:solidFill>
+                          <a:latin typeface="Times New Roman" charset="0"/>
+                          <a:ea typeface="Times New Roman" charset="0"/>
+                          <a:cs typeface="Times New Roman" charset="0"/>
+                        </a:rPr>
+                        <a:t>-0.20</a:t>
+                      </a:r>
+                    </a:p>
+                  </a:txBody>
+                  <a:tcPr>
+                    <a:noFill/>
+                  </a:tcPr>
+                </a:tc>
+                <a:extLst>
+                  <a:ext uri="{0D108BD9-81ED-4DB2-BD59-A6C34878D82A}">
+                    <a16:rowId xmlns:a16="http://schemas.microsoft.com/office/drawing/2014/main" val="10004"/>
+                  </a:ext>
+                </a:extLst>
+              </a:tr>
+              <a:tr h="366238">
+                <a:tc>
+                  <a:txBody>
+                    <a:bodyPr/>
+                    <a:lstStyle/>
+                    <a:p>
+                      <a:r>
+                        <a:rPr lang="en-US" sz="3600" b="0" dirty="0">
+                          <a:solidFill>
+                            <a:schemeClr val="tx1"/>
+                          </a:solidFill>
+                          <a:latin typeface="Times New Roman" charset="0"/>
+                          <a:ea typeface="Times New Roman" charset="0"/>
+                          <a:cs typeface="Times New Roman" charset="0"/>
+                        </a:rPr>
+                        <a:t>Purity/Sanctity</a:t>
+                      </a:r>
+                    </a:p>
+                  </a:txBody>
+                  <a:tcPr>
+                    <a:lnB w="12700" cap="flat" cmpd="sng" algn="ctr">
+                      <a:solidFill>
+                        <a:schemeClr val="tx1"/>
+                      </a:solidFill>
+                      <a:prstDash val="solid"/>
+                      <a:round/>
+                      <a:headEnd type="none" w="med" len="med"/>
+                      <a:tailEnd type="none" w="med" len="med"/>
+                    </a:lnB>
+                    <a:noFill/>
+                  </a:tcPr>
+                </a:tc>
+                <a:tc>
+                  <a:txBody>
+                    <a:bodyPr/>
+                    <a:lstStyle/>
+                    <a:p>
+                      <a:pPr algn="ctr"/>
+                      <a:r>
+                        <a:rPr lang="en-US" sz="3600" b="0" dirty="0">
+                          <a:solidFill>
+                            <a:schemeClr val="tx1"/>
+                          </a:solidFill>
+                          <a:latin typeface="Times New Roman" charset="0"/>
+                          <a:ea typeface="Times New Roman" charset="0"/>
+                          <a:cs typeface="Times New Roman" charset="0"/>
+                        </a:rPr>
+                        <a:t>2.37</a:t>
+                      </a:r>
+                    </a:p>
+                  </a:txBody>
+                  <a:tcPr>
+                    <a:lnB w="12700" cap="flat" cmpd="sng" algn="ctr">
+                      <a:solidFill>
+                        <a:schemeClr val="tx1"/>
+                      </a:solidFill>
+                      <a:prstDash val="solid"/>
+                      <a:round/>
+                      <a:headEnd type="none" w="med" len="med"/>
+                      <a:tailEnd type="none" w="med" len="med"/>
+                    </a:lnB>
+                    <a:noFill/>
+                  </a:tcPr>
+                </a:tc>
+                <a:tc>
+                  <a:txBody>
+                    <a:bodyPr/>
+                    <a:lstStyle/>
+                    <a:p>
+                      <a:pPr algn="ctr"/>
+                      <a:r>
+                        <a:rPr lang="en-US" sz="3600" b="0" dirty="0">
+                          <a:solidFill>
+                            <a:schemeClr val="tx1"/>
+                          </a:solidFill>
+                          <a:latin typeface="Times New Roman" charset="0"/>
+                          <a:ea typeface="Times New Roman" charset="0"/>
+                          <a:cs typeface="Times New Roman" charset="0"/>
+                        </a:rPr>
+                        <a:t>.141</a:t>
+                      </a:r>
+                    </a:p>
+                  </a:txBody>
+                  <a:tcPr>
+                    <a:lnB w="12700" cap="flat" cmpd="sng" algn="ctr">
+                      <a:solidFill>
+                        <a:schemeClr val="tx1"/>
+                      </a:solidFill>
+                      <a:prstDash val="solid"/>
+                      <a:round/>
+                      <a:headEnd type="none" w="med" len="med"/>
+                      <a:tailEnd type="none" w="med" len="med"/>
+                    </a:lnB>
+                    <a:noFill/>
+                  </a:tcPr>
+                </a:tc>
+                <a:tc>
+                  <a:txBody>
+                    <a:bodyPr/>
+                    <a:lstStyle/>
+                    <a:p>
+                      <a:pPr algn="ctr"/>
+                      <a:r>
+                        <a:rPr lang="en-US" sz="3600" b="0" dirty="0">
+                          <a:solidFill>
+                            <a:schemeClr val="tx1"/>
+                          </a:solidFill>
+                          <a:latin typeface="Times New Roman" charset="0"/>
+                          <a:ea typeface="Times New Roman" charset="0"/>
+                          <a:cs typeface="Times New Roman" charset="0"/>
+                        </a:rPr>
+                        <a:t>-0.09</a:t>
+                      </a:r>
+                    </a:p>
+                  </a:txBody>
+                  <a:tcPr>
+                    <a:lnB w="12700" cap="flat" cmpd="sng" algn="ctr">
+                      <a:solidFill>
+                        <a:schemeClr val="tx1"/>
+                      </a:solidFill>
+                      <a:prstDash val="solid"/>
+                      <a:round/>
+                      <a:headEnd type="none" w="med" len="med"/>
+                      <a:tailEnd type="none" w="med" len="med"/>
+                    </a:lnB>
+                    <a:noFill/>
+                  </a:tcPr>
+                </a:tc>
+                <a:extLst>
+                  <a:ext uri="{0D108BD9-81ED-4DB2-BD59-A6C34878D82A}">
+                    <a16:rowId xmlns:a16="http://schemas.microsoft.com/office/drawing/2014/main" val="10005"/>
+                  </a:ext>
+                </a:extLst>
+              </a:tr>
+            </a:tbl>
+          </a:graphicData>
+        </a:graphic>
+      </p:graphicFrame>
+      <p:sp>
+        <p:nvSpPr>
+          <p:cNvPr id="35" name="TextBox 34"/>
+          <p:cNvSpPr txBox="1"/>
+          <p:nvPr/>
+        </p:nvSpPr>
+        <p:spPr>
+          <a:xfrm>
+            <a:off x="15925800" y="18135600"/>
+            <a:ext cx="12344400" cy="4524316"/>
+          </a:xfrm>
+          <a:prstGeom prst="rect">
+            <a:avLst/>
+          </a:prstGeom>
+          <a:noFill/>
+        </p:spPr>
+        <p:txBody>
+          <a:bodyPr wrap="square" rtlCol="0">
+            <a:spAutoFit/>
+          </a:bodyPr>
+          <a:lstStyle/>
+          <a:p>
+            <a:r>
+              <a:rPr lang="en-US" sz="3600" i="1" dirty="0">
+                <a:latin typeface="Times New Roman" charset="0"/>
+                <a:ea typeface="Times New Roman" charset="0"/>
+                <a:cs typeface="Times New Roman" charset="0"/>
+              </a:rPr>
+              <a:t>Note. </a:t>
+            </a:r>
+            <a:r>
+              <a:rPr lang="en-US" sz="3600" dirty="0">
+                <a:latin typeface="Times New Roman" charset="0"/>
+                <a:ea typeface="Times New Roman" charset="0"/>
+                <a:cs typeface="Times New Roman" charset="0"/>
+              </a:rPr>
+              <a:t>The MLM did not indicate the presence of any significant or practical effect of political lean for any of the moral foundations. The strongest effect was observed for </a:t>
+            </a:r>
+            <a:r>
+              <a:rPr lang="en-US" sz="3600" i="1" dirty="0">
+                <a:latin typeface="Times New Roman" charset="0"/>
+                <a:ea typeface="Times New Roman" charset="0"/>
+                <a:cs typeface="Times New Roman" charset="0"/>
+              </a:rPr>
+              <a:t>authority/respect</a:t>
+            </a:r>
+            <a:r>
+              <a:rPr lang="en-US" sz="3600" dirty="0">
+                <a:latin typeface="Times New Roman" charset="0"/>
+                <a:ea typeface="Times New Roman" charset="0"/>
+                <a:cs typeface="Times New Roman" charset="0"/>
+              </a:rPr>
+              <a:t>, but in the opposite direction from what was expected. The sign of the weighted mean score indicates directionality of endorsement for that moral foundation.</a:t>
+            </a:r>
+          </a:p>
+          <a:p>
+            <a:endParaRPr lang="en-US" sz="3600" dirty="0">
+              <a:latin typeface="Times New Roman" charset="0"/>
+              <a:ea typeface="Times New Roman" charset="0"/>
+              <a:cs typeface="Times New Roman" charset="0"/>
+            </a:endParaRPr>
+          </a:p>
+          <a:p>
+            <a:r>
+              <a:rPr lang="en-US" sz="3600" b="1" i="1" dirty="0">
+                <a:latin typeface="Times New Roman" charset="0"/>
+                <a:ea typeface="Times New Roman" charset="0"/>
+                <a:cs typeface="Times New Roman" charset="0"/>
+              </a:rPr>
+              <a:t>Descriptive Statistics - Sources</a:t>
+            </a:r>
+          </a:p>
+        </p:txBody>
+      </p:sp>
+      <p:graphicFrame>
+        <p:nvGraphicFramePr>
+          <p:cNvPr id="23" name="Table 22"/>
+          <p:cNvGraphicFramePr>
+            <a:graphicFrameLocks noGrp="1"/>
+          </p:cNvGraphicFramePr>
+          <p:nvPr>
+            <p:extLst>
+              <p:ext uri="{D42A27DB-BD31-4B8C-83A1-F6EECF244321}">
+                <p14:modId xmlns:p14="http://schemas.microsoft.com/office/powerpoint/2010/main" val="190839424"/>
+              </p:ext>
+            </p:extLst>
+          </p:nvPr>
+        </p:nvGraphicFramePr>
+        <p:xfrm>
+          <a:off x="16002002" y="22765988"/>
+          <a:ext cx="12115798" cy="7256812"/>
+        </p:xfrm>
+        <a:graphic>
+          <a:graphicData uri="http://schemas.openxmlformats.org/drawingml/2006/table">
+            <a:tbl>
+              <a:tblPr firstRow="1" bandRow="1">
+                <a:tableStyleId>{5C22544A-7EE6-4342-B048-85BDC9FD1C3A}</a:tableStyleId>
+              </a:tblPr>
+              <a:tblGrid>
+                <a:gridCol w="3023887">
+                  <a:extLst>
+                    <a:ext uri="{9D8B030D-6E8A-4147-A177-3AD203B41FA5}">
+                      <a16:colId xmlns:a16="http://schemas.microsoft.com/office/drawing/2014/main" val="20000"/>
+                    </a:ext>
+                  </a:extLst>
+                </a:gridCol>
+                <a:gridCol w="1658905">
+                  <a:extLst>
+                    <a:ext uri="{9D8B030D-6E8A-4147-A177-3AD203B41FA5}">
+                      <a16:colId xmlns:a16="http://schemas.microsoft.com/office/drawing/2014/main" val="20001"/>
+                    </a:ext>
+                  </a:extLst>
+                </a:gridCol>
+                <a:gridCol w="2119498">
+                  <a:extLst>
+                    <a:ext uri="{9D8B030D-6E8A-4147-A177-3AD203B41FA5}">
+                      <a16:colId xmlns:a16="http://schemas.microsoft.com/office/drawing/2014/main" val="20002"/>
+                    </a:ext>
+                  </a:extLst>
+                </a:gridCol>
+                <a:gridCol w="1894325">
+                  <a:extLst>
+                    <a:ext uri="{9D8B030D-6E8A-4147-A177-3AD203B41FA5}">
+                      <a16:colId xmlns:a16="http://schemas.microsoft.com/office/drawing/2014/main" val="20003"/>
+                    </a:ext>
+                  </a:extLst>
+                </a:gridCol>
+                <a:gridCol w="3419183">
+                  <a:extLst>
+                    <a:ext uri="{9D8B030D-6E8A-4147-A177-3AD203B41FA5}">
+                      <a16:colId xmlns:a16="http://schemas.microsoft.com/office/drawing/2014/main" val="20004"/>
+                    </a:ext>
+                  </a:extLst>
+                </a:gridCol>
+              </a:tblGrid>
+              <a:tr h="1905000">
+                <a:tc>
+                  <a:txBody>
+                    <a:bodyPr/>
+                    <a:lstStyle/>
+                    <a:p>
+                      <a:r>
+                        <a:rPr lang="en-US" sz="3600" dirty="0">
+                          <a:solidFill>
+                            <a:schemeClr val="tx1"/>
+                          </a:solidFill>
+                          <a:latin typeface="Times New Roman" charset="0"/>
+                          <a:ea typeface="Times New Roman" charset="0"/>
+                          <a:cs typeface="Times New Roman" charset="0"/>
+                        </a:rPr>
+                        <a:t>Source</a:t>
+                      </a:r>
+                    </a:p>
+                  </a:txBody>
+                  <a:tcPr>
+                    <a:lnT w="12700" cap="flat" cmpd="sng" algn="ctr">
+                      <a:solidFill>
+                        <a:scrgbClr r="0" g="0" b="0"/>
+                      </a:solidFill>
+                      <a:prstDash val="solid"/>
+                      <a:round/>
+                      <a:headEnd type="none" w="med" len="med"/>
+                      <a:tailEnd type="none" w="med" len="med"/>
+                    </a:lnT>
+                    <a:lnB w="12700" cap="flat" cmpd="sng" algn="ctr">
+                      <a:solidFill>
+                        <a:schemeClr val="tx1"/>
+                      </a:solidFill>
+                      <a:prstDash val="solid"/>
+                      <a:round/>
+                      <a:headEnd type="none" w="med" len="med"/>
+                      <a:tailEnd type="none" w="med" len="med"/>
+                    </a:lnB>
+                    <a:noFill/>
+                  </a:tcPr>
+                </a:tc>
+                <a:tc>
+                  <a:txBody>
+                    <a:bodyPr/>
+                    <a:lstStyle/>
+                    <a:p>
+                      <a:pPr algn="ctr"/>
+                      <a:r>
+                        <a:rPr lang="en-US" sz="3600" i="1" dirty="0">
+                          <a:solidFill>
+                            <a:schemeClr val="tx1"/>
+                          </a:solidFill>
+                          <a:latin typeface="Times New Roman" charset="0"/>
+                          <a:ea typeface="Times New Roman" charset="0"/>
+                          <a:cs typeface="Times New Roman" charset="0"/>
+                        </a:rPr>
+                        <a:t>Mean</a:t>
+                      </a:r>
+                      <a:r>
+                        <a:rPr lang="en-US" sz="3600" i="1" baseline="0" dirty="0">
+                          <a:solidFill>
+                            <a:schemeClr val="tx1"/>
+                          </a:solidFill>
+                          <a:latin typeface="Times New Roman" charset="0"/>
+                          <a:ea typeface="Times New Roman" charset="0"/>
+                          <a:cs typeface="Times New Roman" charset="0"/>
+                        </a:rPr>
+                        <a:t> Valence (SD)</a:t>
                       </a:r>
                       <a:endParaRPr lang="en-US" sz="3600" i="1" dirty="0">
                         <a:solidFill>
@@ -7463,24 +8166,16 @@
                     <a:p>
                       <a:pPr algn="ctr"/>
                       <a:r>
-                        <a:rPr lang="en-US" sz="3600" i="1" dirty="0" smtClean="0">
-                          <a:solidFill>
-                            <a:schemeClr val="tx1"/>
-                          </a:solidFill>
-                          <a:latin typeface="Times New Roman" charset="0"/>
-                          <a:ea typeface="Times New Roman" charset="0"/>
-                          <a:cs typeface="Times New Roman" charset="0"/>
-                        </a:rPr>
-                        <a:t>p</a:t>
-                      </a:r>
-                      <a:endParaRPr lang="en-US" sz="3600" i="1" dirty="0">
-                        <a:solidFill>
-                          <a:schemeClr val="tx1"/>
-                        </a:solidFill>
-                        <a:latin typeface="Times New Roman" charset="0"/>
-                        <a:ea typeface="Times New Roman" charset="0"/>
-                        <a:cs typeface="Times New Roman" charset="0"/>
-                      </a:endParaRPr>
+                        <a:rPr lang="en-US" sz="3600" i="1" dirty="0">
+                          <a:solidFill>
+                            <a:schemeClr val="tx1"/>
+                          </a:solidFill>
+                          <a:latin typeface="Times New Roman" charset="0"/>
+                          <a:ea typeface="Times New Roman" charset="0"/>
+                          <a:cs typeface="Times New Roman" charset="0"/>
+                        </a:rPr>
+                        <a:t>Mean Tokens (SD)</a:t>
+                      </a:r>
                     </a:p>
                   </a:txBody>
                   <a:tcPr>
@@ -7512,909 +8207,38 @@
                     <a:p>
                       <a:pPr algn="ctr"/>
                       <a:r>
-                        <a:rPr lang="en-US" sz="3600" i="1" dirty="0" smtClean="0">
-                          <a:solidFill>
-                            <a:schemeClr val="tx1"/>
-                          </a:solidFill>
-                          <a:latin typeface="Times New Roman" charset="0"/>
-                          <a:ea typeface="Times New Roman" charset="0"/>
-                          <a:cs typeface="Times New Roman" charset="0"/>
-                        </a:rPr>
-                        <a:t>d</a:t>
-                      </a:r>
-                      <a:endParaRPr lang="en-US" sz="3600" i="1" dirty="0">
-                        <a:solidFill>
-                          <a:schemeClr val="tx1"/>
-                        </a:solidFill>
-                        <a:latin typeface="Times New Roman" charset="0"/>
-                        <a:ea typeface="Times New Roman" charset="0"/>
-                        <a:cs typeface="Times New Roman" charset="0"/>
-                      </a:endParaRPr>
-                    </a:p>
-                  </a:txBody>
-                  <a:tcPr>
-                    <a:lnT w="12700" cap="flat" cmpd="sng" algn="ctr">
-                      <a:solidFill>
-                        <a:scrgbClr r="0" g="0" b="0"/>
-                      </a:solidFill>
-                      <a:prstDash val="solid"/>
-                      <a:round/>
-                      <a:headEnd type="none" w="med" len="med"/>
-                      <a:tailEnd type="none" w="med" len="med"/>
-                    </a:lnT>
-                    <a:lnB w="12700" cap="flat" cmpd="sng" algn="ctr">
-                      <a:solidFill>
-                        <a:schemeClr val="tx1"/>
-                      </a:solidFill>
-                      <a:prstDash val="solid"/>
-                      <a:round/>
-                      <a:headEnd type="none" w="med" len="med"/>
-                      <a:tailEnd type="none" w="med" len="med"/>
-                    </a:lnB>
-                    <a:noFill/>
-                  </a:tcPr>
-                </a:tc>
-              </a:tr>
-              <a:tr h="366238">
-                <a:tc>
-                  <a:txBody>
-                    <a:bodyPr/>
-                    <a:lstStyle/>
-                    <a:p>
-                      <a:r>
-                        <a:rPr lang="en-US" sz="3600" dirty="0" smtClean="0">
-                          <a:solidFill>
-                            <a:schemeClr val="tx1"/>
-                          </a:solidFill>
-                          <a:latin typeface="Times New Roman" charset="0"/>
-                          <a:ea typeface="Times New Roman" charset="0"/>
-                          <a:cs typeface="Times New Roman" charset="0"/>
-                        </a:rPr>
-                        <a:t>Harm/Care</a:t>
-                      </a:r>
-                      <a:endParaRPr lang="en-US" sz="3600" dirty="0">
-                        <a:solidFill>
-                          <a:schemeClr val="tx1"/>
-                        </a:solidFill>
-                        <a:latin typeface="Times New Roman" charset="0"/>
-                        <a:ea typeface="Times New Roman" charset="0"/>
-                        <a:cs typeface="Times New Roman" charset="0"/>
-                      </a:endParaRPr>
-                    </a:p>
-                  </a:txBody>
-                  <a:tcPr>
-                    <a:lnT w="12700" cap="flat" cmpd="sng" algn="ctr">
-                      <a:solidFill>
-                        <a:schemeClr val="tx1"/>
-                      </a:solidFill>
-                      <a:prstDash val="solid"/>
-                      <a:round/>
-                      <a:headEnd type="none" w="med" len="med"/>
-                      <a:tailEnd type="none" w="med" len="med"/>
-                    </a:lnT>
-                    <a:noFill/>
-                  </a:tcPr>
-                </a:tc>
-                <a:tc>
-                  <a:txBody>
-                    <a:bodyPr/>
-                    <a:lstStyle/>
-                    <a:p>
-                      <a:pPr algn="ctr"/>
-                      <a:r>
-                        <a:rPr lang="en-US" sz="3600" dirty="0" smtClean="0">
-                          <a:solidFill>
-                            <a:schemeClr val="tx1"/>
-                          </a:solidFill>
-                          <a:latin typeface="Times New Roman" charset="0"/>
-                          <a:ea typeface="Times New Roman" charset="0"/>
-                          <a:cs typeface="Times New Roman" charset="0"/>
-                        </a:rPr>
-                        <a:t>-0.21</a:t>
-                      </a:r>
-                      <a:endParaRPr lang="en-US" sz="3600" dirty="0">
-                        <a:solidFill>
-                          <a:schemeClr val="tx1"/>
-                        </a:solidFill>
-                        <a:latin typeface="Times New Roman" charset="0"/>
-                        <a:ea typeface="Times New Roman" charset="0"/>
-                        <a:cs typeface="Times New Roman" charset="0"/>
-                      </a:endParaRPr>
-                    </a:p>
-                  </a:txBody>
-                  <a:tcPr>
-                    <a:lnT w="12700" cap="flat" cmpd="sng" algn="ctr">
-                      <a:solidFill>
-                        <a:schemeClr val="tx1"/>
-                      </a:solidFill>
-                      <a:prstDash val="solid"/>
-                      <a:round/>
-                      <a:headEnd type="none" w="med" len="med"/>
-                      <a:tailEnd type="none" w="med" len="med"/>
-                    </a:lnT>
-                    <a:noFill/>
-                  </a:tcPr>
-                </a:tc>
-                <a:tc>
-                  <a:txBody>
-                    <a:bodyPr/>
-                    <a:lstStyle/>
-                    <a:p>
-                      <a:pPr algn="ctr"/>
-                      <a:r>
-                        <a:rPr lang="en-US" sz="3600" dirty="0" smtClean="0">
-                          <a:solidFill>
-                            <a:schemeClr val="tx1"/>
-                          </a:solidFill>
-                          <a:latin typeface="Times New Roman" charset="0"/>
-                          <a:ea typeface="Times New Roman" charset="0"/>
-                          <a:cs typeface="Times New Roman" charset="0"/>
-                        </a:rPr>
-                        <a:t>.850</a:t>
-                      </a:r>
-                      <a:endParaRPr lang="en-US" sz="3600" dirty="0">
-                        <a:solidFill>
-                          <a:schemeClr val="tx1"/>
-                        </a:solidFill>
-                        <a:latin typeface="Times New Roman" charset="0"/>
-                        <a:ea typeface="Times New Roman" charset="0"/>
-                        <a:cs typeface="Times New Roman" charset="0"/>
-                      </a:endParaRPr>
-                    </a:p>
-                  </a:txBody>
-                  <a:tcPr>
-                    <a:lnT w="12700" cap="flat" cmpd="sng" algn="ctr">
-                      <a:solidFill>
-                        <a:schemeClr val="tx1"/>
-                      </a:solidFill>
-                      <a:prstDash val="solid"/>
-                      <a:round/>
-                      <a:headEnd type="none" w="med" len="med"/>
-                      <a:tailEnd type="none" w="med" len="med"/>
-                    </a:lnT>
-                    <a:noFill/>
-                  </a:tcPr>
-                </a:tc>
-                <a:tc>
-                  <a:txBody>
-                    <a:bodyPr/>
-                    <a:lstStyle/>
-                    <a:p>
-                      <a:pPr algn="ctr"/>
-                      <a:r>
-                        <a:rPr lang="en-US" sz="3600" dirty="0" smtClean="0">
-                          <a:solidFill>
-                            <a:schemeClr val="tx1"/>
-                          </a:solidFill>
-                          <a:latin typeface="Times New Roman" charset="0"/>
-                          <a:ea typeface="Times New Roman" charset="0"/>
-                          <a:cs typeface="Times New Roman" charset="0"/>
-                        </a:rPr>
-                        <a:t>0.01</a:t>
-                      </a:r>
-                      <a:endParaRPr lang="en-US" sz="3600" dirty="0">
-                        <a:solidFill>
-                          <a:schemeClr val="tx1"/>
-                        </a:solidFill>
-                        <a:latin typeface="Times New Roman" charset="0"/>
-                        <a:ea typeface="Times New Roman" charset="0"/>
-                        <a:cs typeface="Times New Roman" charset="0"/>
-                      </a:endParaRPr>
-                    </a:p>
-                  </a:txBody>
-                  <a:tcPr>
-                    <a:lnT w="12700" cap="flat" cmpd="sng" algn="ctr">
-                      <a:solidFill>
-                        <a:schemeClr val="tx1"/>
-                      </a:solidFill>
-                      <a:prstDash val="solid"/>
-                      <a:round/>
-                      <a:headEnd type="none" w="med" len="med"/>
-                      <a:tailEnd type="none" w="med" len="med"/>
-                    </a:lnT>
-                    <a:noFill/>
-                  </a:tcPr>
-                </a:tc>
-              </a:tr>
-              <a:tr h="366238">
-                <a:tc>
-                  <a:txBody>
-                    <a:bodyPr/>
-                    <a:lstStyle/>
-                    <a:p>
-                      <a:r>
-                        <a:rPr lang="en-US" sz="3600" dirty="0" smtClean="0">
-                          <a:solidFill>
-                            <a:schemeClr val="tx1"/>
-                          </a:solidFill>
-                          <a:latin typeface="Times New Roman" charset="0"/>
-                          <a:ea typeface="Times New Roman" charset="0"/>
-                          <a:cs typeface="Times New Roman" charset="0"/>
-                        </a:rPr>
-                        <a:t>Fairness/Reciprocity</a:t>
-                      </a:r>
-                      <a:endParaRPr lang="en-US" sz="3600" dirty="0">
-                        <a:solidFill>
-                          <a:schemeClr val="tx1"/>
-                        </a:solidFill>
-                        <a:latin typeface="Times New Roman" charset="0"/>
-                        <a:ea typeface="Times New Roman" charset="0"/>
-                        <a:cs typeface="Times New Roman" charset="0"/>
-                      </a:endParaRPr>
-                    </a:p>
-                  </a:txBody>
-                  <a:tcPr>
-                    <a:noFill/>
-                  </a:tcPr>
-                </a:tc>
-                <a:tc>
-                  <a:txBody>
-                    <a:bodyPr/>
-                    <a:lstStyle/>
-                    <a:p>
-                      <a:pPr algn="ctr"/>
-                      <a:r>
-                        <a:rPr lang="en-US" sz="3600" dirty="0" smtClean="0">
-                          <a:solidFill>
-                            <a:schemeClr val="tx1"/>
-                          </a:solidFill>
-                          <a:latin typeface="Times New Roman" charset="0"/>
-                          <a:ea typeface="Times New Roman" charset="0"/>
-                          <a:cs typeface="Times New Roman" charset="0"/>
-                        </a:rPr>
-                        <a:t>-0.42</a:t>
-                      </a:r>
-                      <a:endParaRPr lang="en-US" sz="3600" dirty="0">
-                        <a:solidFill>
-                          <a:schemeClr val="tx1"/>
-                        </a:solidFill>
-                        <a:latin typeface="Times New Roman" charset="0"/>
-                        <a:ea typeface="Times New Roman" charset="0"/>
-                        <a:cs typeface="Times New Roman" charset="0"/>
-                      </a:endParaRPr>
-                    </a:p>
-                  </a:txBody>
-                  <a:tcPr>
-                    <a:noFill/>
-                  </a:tcPr>
-                </a:tc>
-                <a:tc>
-                  <a:txBody>
-                    <a:bodyPr/>
-                    <a:lstStyle/>
-                    <a:p>
-                      <a:pPr algn="ctr"/>
-                      <a:r>
-                        <a:rPr lang="en-US" sz="3600" dirty="0" smtClean="0">
-                          <a:solidFill>
-                            <a:schemeClr val="tx1"/>
-                          </a:solidFill>
-                          <a:latin typeface="Times New Roman" charset="0"/>
-                          <a:ea typeface="Times New Roman" charset="0"/>
-                          <a:cs typeface="Times New Roman" charset="0"/>
-                        </a:rPr>
-                        <a:t>.715</a:t>
-                      </a:r>
-                      <a:endParaRPr lang="en-US" sz="3600" dirty="0">
-                        <a:solidFill>
-                          <a:schemeClr val="tx1"/>
-                        </a:solidFill>
-                        <a:latin typeface="Times New Roman" charset="0"/>
-                        <a:ea typeface="Times New Roman" charset="0"/>
-                        <a:cs typeface="Times New Roman" charset="0"/>
-                      </a:endParaRPr>
-                    </a:p>
-                  </a:txBody>
-                  <a:tcPr>
-                    <a:noFill/>
-                  </a:tcPr>
-                </a:tc>
-                <a:tc>
-                  <a:txBody>
-                    <a:bodyPr/>
-                    <a:lstStyle/>
-                    <a:p>
-                      <a:pPr algn="ctr"/>
-                      <a:r>
-                        <a:rPr lang="en-US" sz="3600" dirty="0" smtClean="0">
-                          <a:solidFill>
-                            <a:schemeClr val="tx1"/>
-                          </a:solidFill>
-                          <a:latin typeface="Times New Roman" charset="0"/>
-                          <a:ea typeface="Times New Roman" charset="0"/>
-                          <a:cs typeface="Times New Roman" charset="0"/>
-                        </a:rPr>
-                        <a:t>0.02</a:t>
-                      </a:r>
-                      <a:endParaRPr lang="en-US" sz="3600" dirty="0">
-                        <a:solidFill>
-                          <a:schemeClr val="tx1"/>
-                        </a:solidFill>
-                        <a:latin typeface="Times New Roman" charset="0"/>
-                        <a:ea typeface="Times New Roman" charset="0"/>
-                        <a:cs typeface="Times New Roman" charset="0"/>
-                      </a:endParaRPr>
-                    </a:p>
-                  </a:txBody>
-                  <a:tcPr>
-                    <a:noFill/>
-                  </a:tcPr>
-                </a:tc>
-              </a:tr>
-              <a:tr h="366238">
-                <a:tc>
-                  <a:txBody>
-                    <a:bodyPr/>
-                    <a:lstStyle/>
-                    <a:p>
-                      <a:r>
-                        <a:rPr lang="en-US" sz="3600" b="0" dirty="0" err="1" smtClean="0">
-                          <a:solidFill>
-                            <a:schemeClr val="tx1"/>
-                          </a:solidFill>
-                          <a:latin typeface="Times New Roman" charset="0"/>
-                          <a:ea typeface="Times New Roman" charset="0"/>
-                          <a:cs typeface="Times New Roman" charset="0"/>
-                        </a:rPr>
-                        <a:t>Ingroup</a:t>
-                      </a:r>
-                      <a:r>
-                        <a:rPr lang="en-US" sz="3600" b="0" dirty="0" smtClean="0">
-                          <a:solidFill>
-                            <a:schemeClr val="tx1"/>
-                          </a:solidFill>
-                          <a:latin typeface="Times New Roman" charset="0"/>
-                          <a:ea typeface="Times New Roman" charset="0"/>
-                          <a:cs typeface="Times New Roman" charset="0"/>
-                        </a:rPr>
-                        <a:t>/Loyalty</a:t>
-                      </a:r>
-                      <a:endParaRPr lang="en-US" sz="3600" b="0" dirty="0">
-                        <a:solidFill>
-                          <a:schemeClr val="tx1"/>
-                        </a:solidFill>
-                        <a:latin typeface="Times New Roman" charset="0"/>
-                        <a:ea typeface="Times New Roman" charset="0"/>
-                        <a:cs typeface="Times New Roman" charset="0"/>
-                      </a:endParaRPr>
-                    </a:p>
-                  </a:txBody>
-                  <a:tcPr>
-                    <a:noFill/>
-                  </a:tcPr>
-                </a:tc>
-                <a:tc>
-                  <a:txBody>
-                    <a:bodyPr/>
-                    <a:lstStyle/>
-                    <a:p>
-                      <a:pPr algn="ctr"/>
-                      <a:r>
-                        <a:rPr lang="en-US" sz="3600" b="0" dirty="0" smtClean="0">
-                          <a:solidFill>
-                            <a:schemeClr val="tx1"/>
-                          </a:solidFill>
-                          <a:latin typeface="Times New Roman" charset="0"/>
-                          <a:ea typeface="Times New Roman" charset="0"/>
-                          <a:cs typeface="Times New Roman" charset="0"/>
-                        </a:rPr>
-                        <a:t>0.30</a:t>
-                      </a:r>
-                      <a:endParaRPr lang="en-US" sz="3600" b="0" dirty="0">
-                        <a:solidFill>
-                          <a:schemeClr val="tx1"/>
-                        </a:solidFill>
-                        <a:latin typeface="Times New Roman" charset="0"/>
-                        <a:ea typeface="Times New Roman" charset="0"/>
-                        <a:cs typeface="Times New Roman" charset="0"/>
-                      </a:endParaRPr>
-                    </a:p>
-                  </a:txBody>
-                  <a:tcPr>
-                    <a:noFill/>
-                  </a:tcPr>
-                </a:tc>
-                <a:tc>
-                  <a:txBody>
-                    <a:bodyPr/>
-                    <a:lstStyle/>
-                    <a:p>
-                      <a:pPr algn="ctr"/>
-                      <a:r>
-                        <a:rPr lang="en-US" sz="3600" b="0" dirty="0" smtClean="0">
-                          <a:solidFill>
-                            <a:schemeClr val="tx1"/>
-                          </a:solidFill>
-                          <a:latin typeface="Times New Roman" charset="0"/>
-                          <a:ea typeface="Times New Roman" charset="0"/>
-                          <a:cs typeface="Times New Roman" charset="0"/>
-                        </a:rPr>
-                        <a:t>.789</a:t>
-                      </a:r>
-                      <a:endParaRPr lang="en-US" sz="3600" b="0" dirty="0">
-                        <a:solidFill>
-                          <a:schemeClr val="tx1"/>
-                        </a:solidFill>
-                        <a:latin typeface="Times New Roman" charset="0"/>
-                        <a:ea typeface="Times New Roman" charset="0"/>
-                        <a:cs typeface="Times New Roman" charset="0"/>
-                      </a:endParaRPr>
-                    </a:p>
-                  </a:txBody>
-                  <a:tcPr>
-                    <a:noFill/>
-                  </a:tcPr>
-                </a:tc>
-                <a:tc>
-                  <a:txBody>
-                    <a:bodyPr/>
-                    <a:lstStyle/>
-                    <a:p>
-                      <a:pPr algn="ctr"/>
-                      <a:r>
-                        <a:rPr lang="en-US" sz="3600" b="0" dirty="0" smtClean="0">
-                          <a:solidFill>
-                            <a:schemeClr val="tx1"/>
-                          </a:solidFill>
-                          <a:latin typeface="Times New Roman" charset="0"/>
-                          <a:ea typeface="Times New Roman" charset="0"/>
-                          <a:cs typeface="Times New Roman" charset="0"/>
-                        </a:rPr>
-                        <a:t>-0.04</a:t>
-                      </a:r>
-                      <a:endParaRPr lang="en-US" sz="3600" b="0" dirty="0">
-                        <a:solidFill>
-                          <a:schemeClr val="tx1"/>
-                        </a:solidFill>
-                        <a:latin typeface="Times New Roman" charset="0"/>
-                        <a:ea typeface="Times New Roman" charset="0"/>
-                        <a:cs typeface="Times New Roman" charset="0"/>
-                      </a:endParaRPr>
-                    </a:p>
-                  </a:txBody>
-                  <a:tcPr>
-                    <a:noFill/>
-                  </a:tcPr>
-                </a:tc>
-              </a:tr>
-              <a:tr h="366238">
-                <a:tc>
-                  <a:txBody>
-                    <a:bodyPr/>
-                    <a:lstStyle/>
-                    <a:p>
-                      <a:r>
-                        <a:rPr lang="en-US" sz="3600" b="0" dirty="0" smtClean="0">
-                          <a:solidFill>
-                            <a:schemeClr val="tx1"/>
-                          </a:solidFill>
-                          <a:latin typeface="Times New Roman" charset="0"/>
-                          <a:ea typeface="Times New Roman" charset="0"/>
-                          <a:cs typeface="Times New Roman" charset="0"/>
-                        </a:rPr>
-                        <a:t>Authority/Respect</a:t>
-                      </a:r>
-                      <a:endParaRPr lang="en-US" sz="3600" b="0" dirty="0">
-                        <a:solidFill>
-                          <a:schemeClr val="tx1"/>
-                        </a:solidFill>
-                        <a:latin typeface="Times New Roman" charset="0"/>
-                        <a:ea typeface="Times New Roman" charset="0"/>
-                        <a:cs typeface="Times New Roman" charset="0"/>
-                      </a:endParaRPr>
-                    </a:p>
-                  </a:txBody>
-                  <a:tcPr>
-                    <a:noFill/>
-                  </a:tcPr>
-                </a:tc>
-                <a:tc>
-                  <a:txBody>
-                    <a:bodyPr/>
-                    <a:lstStyle/>
-                    <a:p>
-                      <a:pPr algn="ctr"/>
-                      <a:r>
-                        <a:rPr lang="en-US" sz="3600" b="0" dirty="0" smtClean="0">
-                          <a:solidFill>
-                            <a:schemeClr val="tx1"/>
-                          </a:solidFill>
-                          <a:latin typeface="Times New Roman" charset="0"/>
-                          <a:ea typeface="Times New Roman" charset="0"/>
-                          <a:cs typeface="Times New Roman" charset="0"/>
-                        </a:rPr>
-                        <a:t>3.17</a:t>
-                      </a:r>
-                      <a:endParaRPr lang="en-US" sz="3600" b="0" dirty="0">
-                        <a:solidFill>
-                          <a:schemeClr val="tx1"/>
-                        </a:solidFill>
-                        <a:latin typeface="Times New Roman" charset="0"/>
-                        <a:ea typeface="Times New Roman" charset="0"/>
-                        <a:cs typeface="Times New Roman" charset="0"/>
-                      </a:endParaRPr>
-                    </a:p>
-                  </a:txBody>
-                  <a:tcPr>
-                    <a:noFill/>
-                  </a:tcPr>
-                </a:tc>
-                <a:tc>
-                  <a:txBody>
-                    <a:bodyPr/>
-                    <a:lstStyle/>
-                    <a:p>
-                      <a:pPr algn="ctr"/>
-                      <a:r>
-                        <a:rPr lang="en-US" sz="3600" b="0" dirty="0" smtClean="0">
-                          <a:solidFill>
-                            <a:schemeClr val="tx1"/>
-                          </a:solidFill>
-                          <a:latin typeface="Times New Roman" charset="0"/>
-                          <a:ea typeface="Times New Roman" charset="0"/>
-                          <a:cs typeface="Times New Roman" charset="0"/>
-                        </a:rPr>
-                        <a:t>.087</a:t>
-                      </a:r>
-                      <a:endParaRPr lang="en-US" sz="3600" b="0" dirty="0">
-                        <a:solidFill>
-                          <a:schemeClr val="tx1"/>
-                        </a:solidFill>
-                        <a:latin typeface="Times New Roman" charset="0"/>
-                        <a:ea typeface="Times New Roman" charset="0"/>
-                        <a:cs typeface="Times New Roman" charset="0"/>
-                      </a:endParaRPr>
-                    </a:p>
-                  </a:txBody>
-                  <a:tcPr>
-                    <a:noFill/>
-                  </a:tcPr>
-                </a:tc>
-                <a:tc>
-                  <a:txBody>
-                    <a:bodyPr/>
-                    <a:lstStyle/>
-                    <a:p>
-                      <a:pPr algn="ctr"/>
-                      <a:r>
-                        <a:rPr lang="en-US" sz="3600" b="0" dirty="0" smtClean="0">
-                          <a:solidFill>
-                            <a:schemeClr val="tx1"/>
-                          </a:solidFill>
-                          <a:latin typeface="Times New Roman" charset="0"/>
-                          <a:ea typeface="Times New Roman" charset="0"/>
-                          <a:cs typeface="Times New Roman" charset="0"/>
-                        </a:rPr>
-                        <a:t>-0.20</a:t>
-                      </a:r>
-                      <a:endParaRPr lang="en-US" sz="3600" b="0" dirty="0">
-                        <a:solidFill>
-                          <a:schemeClr val="tx1"/>
-                        </a:solidFill>
-                        <a:latin typeface="Times New Roman" charset="0"/>
-                        <a:ea typeface="Times New Roman" charset="0"/>
-                        <a:cs typeface="Times New Roman" charset="0"/>
-                      </a:endParaRPr>
-                    </a:p>
-                  </a:txBody>
-                  <a:tcPr>
-                    <a:noFill/>
-                  </a:tcPr>
-                </a:tc>
-              </a:tr>
-              <a:tr h="366238">
-                <a:tc>
-                  <a:txBody>
-                    <a:bodyPr/>
-                    <a:lstStyle/>
-                    <a:p>
-                      <a:r>
-                        <a:rPr lang="en-US" sz="3600" b="0" dirty="0" smtClean="0">
-                          <a:solidFill>
-                            <a:schemeClr val="tx1"/>
-                          </a:solidFill>
-                          <a:latin typeface="Times New Roman" charset="0"/>
-                          <a:ea typeface="Times New Roman" charset="0"/>
-                          <a:cs typeface="Times New Roman" charset="0"/>
-                        </a:rPr>
-                        <a:t>Purity/Sanctity</a:t>
-                      </a:r>
-                      <a:endParaRPr lang="en-US" sz="3600" b="0" dirty="0">
-                        <a:solidFill>
-                          <a:schemeClr val="tx1"/>
-                        </a:solidFill>
-                        <a:latin typeface="Times New Roman" charset="0"/>
-                        <a:ea typeface="Times New Roman" charset="0"/>
-                        <a:cs typeface="Times New Roman" charset="0"/>
-                      </a:endParaRPr>
-                    </a:p>
-                  </a:txBody>
-                  <a:tcPr>
-                    <a:lnB w="12700" cap="flat" cmpd="sng" algn="ctr">
-                      <a:solidFill>
-                        <a:schemeClr val="tx1"/>
-                      </a:solidFill>
-                      <a:prstDash val="solid"/>
-                      <a:round/>
-                      <a:headEnd type="none" w="med" len="med"/>
-                      <a:tailEnd type="none" w="med" len="med"/>
-                    </a:lnB>
-                    <a:noFill/>
-                  </a:tcPr>
-                </a:tc>
-                <a:tc>
-                  <a:txBody>
-                    <a:bodyPr/>
-                    <a:lstStyle/>
-                    <a:p>
-                      <a:pPr algn="ctr"/>
-                      <a:r>
-                        <a:rPr lang="en-US" sz="3600" b="0" dirty="0" smtClean="0">
-                          <a:solidFill>
-                            <a:schemeClr val="tx1"/>
-                          </a:solidFill>
-                          <a:latin typeface="Times New Roman" charset="0"/>
-                          <a:ea typeface="Times New Roman" charset="0"/>
-                          <a:cs typeface="Times New Roman" charset="0"/>
-                        </a:rPr>
-                        <a:t>2.37</a:t>
-                      </a:r>
-                      <a:endParaRPr lang="en-US" sz="3600" b="0" dirty="0">
-                        <a:solidFill>
-                          <a:schemeClr val="tx1"/>
-                        </a:solidFill>
-                        <a:latin typeface="Times New Roman" charset="0"/>
-                        <a:ea typeface="Times New Roman" charset="0"/>
-                        <a:cs typeface="Times New Roman" charset="0"/>
-                      </a:endParaRPr>
-                    </a:p>
-                  </a:txBody>
-                  <a:tcPr>
-                    <a:lnB w="12700" cap="flat" cmpd="sng" algn="ctr">
-                      <a:solidFill>
-                        <a:schemeClr val="tx1"/>
-                      </a:solidFill>
-                      <a:prstDash val="solid"/>
-                      <a:round/>
-                      <a:headEnd type="none" w="med" len="med"/>
-                      <a:tailEnd type="none" w="med" len="med"/>
-                    </a:lnB>
-                    <a:noFill/>
-                  </a:tcPr>
-                </a:tc>
-                <a:tc>
-                  <a:txBody>
-                    <a:bodyPr/>
-                    <a:lstStyle/>
-                    <a:p>
-                      <a:pPr algn="ctr"/>
-                      <a:r>
-                        <a:rPr lang="en-US" sz="3600" b="0" dirty="0" smtClean="0">
-                          <a:solidFill>
-                            <a:schemeClr val="tx1"/>
-                          </a:solidFill>
-                          <a:latin typeface="Times New Roman" charset="0"/>
-                          <a:ea typeface="Times New Roman" charset="0"/>
-                          <a:cs typeface="Times New Roman" charset="0"/>
-                        </a:rPr>
-                        <a:t>.141</a:t>
-                      </a:r>
-                      <a:endParaRPr lang="en-US" sz="3600" b="0" dirty="0">
-                        <a:solidFill>
-                          <a:schemeClr val="tx1"/>
-                        </a:solidFill>
-                        <a:latin typeface="Times New Roman" charset="0"/>
-                        <a:ea typeface="Times New Roman" charset="0"/>
-                        <a:cs typeface="Times New Roman" charset="0"/>
-                      </a:endParaRPr>
-                    </a:p>
-                  </a:txBody>
-                  <a:tcPr>
-                    <a:lnB w="12700" cap="flat" cmpd="sng" algn="ctr">
-                      <a:solidFill>
-                        <a:schemeClr val="tx1"/>
-                      </a:solidFill>
-                      <a:prstDash val="solid"/>
-                      <a:round/>
-                      <a:headEnd type="none" w="med" len="med"/>
-                      <a:tailEnd type="none" w="med" len="med"/>
-                    </a:lnB>
-                    <a:noFill/>
-                  </a:tcPr>
-                </a:tc>
-                <a:tc>
-                  <a:txBody>
-                    <a:bodyPr/>
-                    <a:lstStyle/>
-                    <a:p>
-                      <a:pPr algn="ctr"/>
-                      <a:r>
-                        <a:rPr lang="en-US" sz="3600" b="0" dirty="0" smtClean="0">
-                          <a:solidFill>
-                            <a:schemeClr val="tx1"/>
-                          </a:solidFill>
-                          <a:latin typeface="Times New Roman" charset="0"/>
-                          <a:ea typeface="Times New Roman" charset="0"/>
-                          <a:cs typeface="Times New Roman" charset="0"/>
-                        </a:rPr>
-                        <a:t>-0.09</a:t>
-                      </a:r>
-                      <a:endParaRPr lang="en-US" sz="3600" b="0" dirty="0">
-                        <a:solidFill>
-                          <a:schemeClr val="tx1"/>
-                        </a:solidFill>
-                        <a:latin typeface="Times New Roman" charset="0"/>
-                        <a:ea typeface="Times New Roman" charset="0"/>
-                        <a:cs typeface="Times New Roman" charset="0"/>
-                      </a:endParaRPr>
-                    </a:p>
-                  </a:txBody>
-                  <a:tcPr>
-                    <a:lnB w="12700" cap="flat" cmpd="sng" algn="ctr">
-                      <a:solidFill>
-                        <a:schemeClr val="tx1"/>
-                      </a:solidFill>
-                      <a:prstDash val="solid"/>
-                      <a:round/>
-                      <a:headEnd type="none" w="med" len="med"/>
-                      <a:tailEnd type="none" w="med" len="med"/>
-                    </a:lnB>
-                    <a:noFill/>
-                  </a:tcPr>
-                </a:tc>
-              </a:tr>
-            </a:tbl>
-          </a:graphicData>
-        </a:graphic>
-      </p:graphicFrame>
-      <p:sp>
-        <p:nvSpPr>
-          <p:cNvPr id="35" name="TextBox 34"/>
-          <p:cNvSpPr txBox="1"/>
-          <p:nvPr/>
-        </p:nvSpPr>
-        <p:spPr>
-          <a:xfrm>
-            <a:off x="15773400" y="18135600"/>
-            <a:ext cx="12344400" cy="4524316"/>
-          </a:xfrm>
-          <a:prstGeom prst="rect">
-            <a:avLst/>
-          </a:prstGeom>
-          <a:noFill/>
-        </p:spPr>
-        <p:txBody>
-          <a:bodyPr wrap="square" rtlCol="0">
-            <a:spAutoFit/>
-          </a:bodyPr>
-          <a:lstStyle/>
-          <a:p>
-            <a:r>
-              <a:rPr lang="en-US" sz="3600" i="1" dirty="0" smtClean="0">
-                <a:latin typeface="Times New Roman" charset="0"/>
-                <a:ea typeface="Times New Roman" charset="0"/>
-                <a:cs typeface="Times New Roman" charset="0"/>
-              </a:rPr>
-              <a:t>Note. </a:t>
-            </a:r>
-            <a:r>
-              <a:rPr lang="en-US" sz="3600" dirty="0" smtClean="0">
-                <a:latin typeface="Times New Roman" charset="0"/>
-                <a:ea typeface="Times New Roman" charset="0"/>
-                <a:cs typeface="Times New Roman" charset="0"/>
-              </a:rPr>
-              <a:t>The MLM did not indicate the presence of any significant or practical effect of political lean for any of the moral foundations. The strongest effect was observed for </a:t>
-            </a:r>
-            <a:r>
-              <a:rPr lang="en-US" sz="3600" i="1" dirty="0" smtClean="0">
-                <a:latin typeface="Times New Roman" charset="0"/>
-                <a:ea typeface="Times New Roman" charset="0"/>
-                <a:cs typeface="Times New Roman" charset="0"/>
-              </a:rPr>
-              <a:t>authority/respect</a:t>
-            </a:r>
-            <a:r>
-              <a:rPr lang="en-US" sz="3600" dirty="0" smtClean="0">
-                <a:latin typeface="Times New Roman" charset="0"/>
-                <a:ea typeface="Times New Roman" charset="0"/>
-                <a:cs typeface="Times New Roman" charset="0"/>
-              </a:rPr>
-              <a:t>, but in the opposite direction from what was expected. </a:t>
-            </a:r>
-            <a:r>
-              <a:rPr lang="en-US" sz="3600" dirty="0" smtClean="0">
-                <a:latin typeface="Times New Roman" charset="0"/>
-                <a:ea typeface="Times New Roman" charset="0"/>
-                <a:cs typeface="Times New Roman" charset="0"/>
-              </a:rPr>
-              <a:t>The sign of the weighted mean score indicates directionality of endorsement for that moral foundation.</a:t>
-            </a:r>
-            <a:endParaRPr lang="en-US" sz="3600" dirty="0" smtClean="0">
-              <a:latin typeface="Times New Roman" charset="0"/>
-              <a:ea typeface="Times New Roman" charset="0"/>
-              <a:cs typeface="Times New Roman" charset="0"/>
-            </a:endParaRPr>
-          </a:p>
-          <a:p>
-            <a:endParaRPr lang="en-US" sz="3600" dirty="0">
-              <a:latin typeface="Times New Roman" charset="0"/>
-              <a:ea typeface="Times New Roman" charset="0"/>
-              <a:cs typeface="Times New Roman" charset="0"/>
-            </a:endParaRPr>
-          </a:p>
-          <a:p>
-            <a:r>
-              <a:rPr lang="en-US" sz="3600" b="1" i="1" dirty="0" smtClean="0">
-                <a:latin typeface="Times New Roman" charset="0"/>
-                <a:ea typeface="Times New Roman" charset="0"/>
-                <a:cs typeface="Times New Roman" charset="0"/>
-              </a:rPr>
-              <a:t>Descriptive Statistics - Sources</a:t>
-            </a:r>
-            <a:endParaRPr lang="en-US" sz="3600" b="1" i="1" dirty="0" smtClean="0">
-              <a:latin typeface="Times New Roman" charset="0"/>
-              <a:ea typeface="Times New Roman" charset="0"/>
-              <a:cs typeface="Times New Roman" charset="0"/>
-            </a:endParaRPr>
-          </a:p>
-        </p:txBody>
-      </p:sp>
-      <p:graphicFrame>
-        <p:nvGraphicFramePr>
-          <p:cNvPr id="23" name="Table 22"/>
-          <p:cNvGraphicFramePr>
-            <a:graphicFrameLocks noGrp="1"/>
-          </p:cNvGraphicFramePr>
-          <p:nvPr>
-            <p:extLst>
-              <p:ext uri="{D42A27DB-BD31-4B8C-83A1-F6EECF244321}">
-                <p14:modId xmlns:p14="http://schemas.microsoft.com/office/powerpoint/2010/main" val="1807764502"/>
-              </p:ext>
-            </p:extLst>
-          </p:nvPr>
-        </p:nvGraphicFramePr>
-        <p:xfrm>
-          <a:off x="15697200" y="22765988"/>
-          <a:ext cx="12115798" cy="7256812"/>
-        </p:xfrm>
-        <a:graphic>
-          <a:graphicData uri="http://schemas.openxmlformats.org/drawingml/2006/table">
-            <a:tbl>
-              <a:tblPr firstRow="1" bandRow="1">
-                <a:tableStyleId>{5C22544A-7EE6-4342-B048-85BDC9FD1C3A}</a:tableStyleId>
-              </a:tblPr>
-              <a:tblGrid>
-                <a:gridCol w="3023887"/>
-                <a:gridCol w="1658905"/>
-                <a:gridCol w="2119498"/>
-                <a:gridCol w="1894325"/>
-                <a:gridCol w="3419183"/>
-              </a:tblGrid>
-              <a:tr h="1905000">
-                <a:tc>
-                  <a:txBody>
-                    <a:bodyPr/>
-                    <a:lstStyle/>
-                    <a:p>
-                      <a:r>
-                        <a:rPr lang="en-US" sz="3600" dirty="0" smtClean="0">
-                          <a:solidFill>
-                            <a:schemeClr val="tx1"/>
-                          </a:solidFill>
-                          <a:latin typeface="Times New Roman" charset="0"/>
-                          <a:ea typeface="Times New Roman" charset="0"/>
-                          <a:cs typeface="Times New Roman" charset="0"/>
-                        </a:rPr>
-                        <a:t>Source</a:t>
-                      </a:r>
-                      <a:endParaRPr lang="en-US" sz="3600" dirty="0">
-                        <a:solidFill>
-                          <a:schemeClr val="tx1"/>
-                        </a:solidFill>
-                        <a:latin typeface="Times New Roman" charset="0"/>
-                        <a:ea typeface="Times New Roman" charset="0"/>
-                        <a:cs typeface="Times New Roman" charset="0"/>
-                      </a:endParaRPr>
+                        <a:rPr lang="en-US" sz="3600" i="1" dirty="0">
+                          <a:solidFill>
+                            <a:schemeClr val="tx1"/>
+                          </a:solidFill>
+                          <a:latin typeface="Times New Roman" charset="0"/>
+                          <a:ea typeface="Times New Roman" charset="0"/>
+                          <a:cs typeface="Times New Roman" charset="0"/>
+                        </a:rPr>
+                        <a:t>Mean</a:t>
+                      </a:r>
+                      <a:r>
+                        <a:rPr lang="en-US" sz="3600" i="1" baseline="0" dirty="0">
+                          <a:solidFill>
+                            <a:schemeClr val="tx1"/>
+                          </a:solidFill>
+                          <a:latin typeface="Times New Roman" charset="0"/>
+                          <a:ea typeface="Times New Roman" charset="0"/>
+                          <a:cs typeface="Times New Roman" charset="0"/>
+                        </a:rPr>
+                        <a:t> </a:t>
+                      </a:r>
+                      <a:r>
+                        <a:rPr lang="en-US" sz="3600" i="1" dirty="0">
+                          <a:solidFill>
+                            <a:schemeClr val="tx1"/>
+                          </a:solidFill>
+                          <a:latin typeface="Times New Roman" charset="0"/>
+                          <a:ea typeface="Times New Roman" charset="0"/>
+                          <a:cs typeface="Times New Roman" charset="0"/>
+                        </a:rPr>
+                        <a:t>Types (SD)</a:t>
+                      </a:r>
                     </a:p>
                   </a:txBody>
                   <a:tcPr>
@@ -8446,35 +8270,16 @@
                     <a:p>
                       <a:pPr algn="ctr"/>
                       <a:r>
-                        <a:rPr lang="en-US" sz="3600" i="1" dirty="0" smtClean="0">
-                          <a:solidFill>
-                            <a:schemeClr val="tx1"/>
-                          </a:solidFill>
-                          <a:latin typeface="Times New Roman" charset="0"/>
-                          <a:ea typeface="Times New Roman" charset="0"/>
-                          <a:cs typeface="Times New Roman" charset="0"/>
-                        </a:rPr>
-                        <a:t>Mean</a:t>
-                      </a:r>
-                      <a:r>
-                        <a:rPr lang="en-US" sz="3600" i="1" baseline="0" dirty="0" smtClean="0">
-                          <a:solidFill>
-                            <a:schemeClr val="tx1"/>
-                          </a:solidFill>
-                          <a:latin typeface="Times New Roman" charset="0"/>
-                          <a:ea typeface="Times New Roman" charset="0"/>
-                          <a:cs typeface="Times New Roman" charset="0"/>
-                        </a:rPr>
-                        <a:t> Valence (SD)</a:t>
-                      </a:r>
-                      <a:endParaRPr lang="en-US" sz="3600" i="1" dirty="0">
-                        <a:solidFill>
-                          <a:schemeClr val="tx1"/>
-                        </a:solidFill>
-                        <a:latin typeface="Times New Roman" charset="0"/>
-                        <a:ea typeface="Times New Roman" charset="0"/>
-                        <a:cs typeface="Times New Roman" charset="0"/>
-                      </a:endParaRPr>
+                        <a:rPr lang="en-US" sz="3600" i="1" dirty="0">
+                          <a:solidFill>
+                            <a:schemeClr val="tx1"/>
+                          </a:solidFill>
+                          <a:latin typeface="Times New Roman" charset="0"/>
+                          <a:ea typeface="Times New Roman" charset="0"/>
+                          <a:cs typeface="Times New Roman" charset="0"/>
+                        </a:rPr>
+                        <a:t>Mean Readability (SD)</a:t>
+                      </a:r>
                     </a:p>
                   </a:txBody>
                   <a:tcPr>
@@ -8499,175 +8304,11 @@
                     <a:noFill/>
                   </a:tcPr>
                 </a:tc>
-                <a:tc>
-                  <a:txBody>
-                    <a:bodyPr/>
-                    <a:lstStyle/>
-                    <a:p>
-                      <a:pPr algn="ctr"/>
-                      <a:r>
-                        <a:rPr lang="en-US" sz="3600" i="1" dirty="0" smtClean="0">
-                          <a:solidFill>
-                            <a:schemeClr val="tx1"/>
-                          </a:solidFill>
-                          <a:latin typeface="Times New Roman" charset="0"/>
-                          <a:ea typeface="Times New Roman" charset="0"/>
-                          <a:cs typeface="Times New Roman" charset="0"/>
-                        </a:rPr>
-                        <a:t>Mean Tokens (SD)</a:t>
-                      </a:r>
-                      <a:endParaRPr lang="en-US" sz="3600" i="1" dirty="0">
-                        <a:solidFill>
-                          <a:schemeClr val="tx1"/>
-                        </a:solidFill>
-                        <a:latin typeface="Times New Roman" charset="0"/>
-                        <a:ea typeface="Times New Roman" charset="0"/>
-                        <a:cs typeface="Times New Roman" charset="0"/>
-                      </a:endParaRPr>
-                    </a:p>
-                  </a:txBody>
-                  <a:tcPr>
-                    <a:lnT w="12700" cap="flat" cmpd="sng" algn="ctr">
-                      <a:solidFill>
-                        <a:scrgbClr r="0" g="0" b="0"/>
-                      </a:solidFill>
-                      <a:prstDash val="solid"/>
-                      <a:round/>
-                      <a:headEnd type="none" w="med" len="med"/>
-                      <a:tailEnd type="none" w="med" len="med"/>
-                    </a:lnT>
-                    <a:lnB w="12700" cap="flat" cmpd="sng" algn="ctr">
-                      <a:solidFill>
-                        <a:schemeClr val="tx1"/>
-                      </a:solidFill>
-                      <a:prstDash val="solid"/>
-                      <a:round/>
-                      <a:headEnd type="none" w="med" len="med"/>
-                      <a:tailEnd type="none" w="med" len="med"/>
-                    </a:lnB>
-                    <a:noFill/>
-                  </a:tcPr>
-                </a:tc>
-                <a:tc>
-                  <a:txBody>
-                    <a:bodyPr/>
-                    <a:lstStyle/>
-                    <a:p>
-                      <a:pPr algn="ctr"/>
-                      <a:r>
-                        <a:rPr lang="en-US" sz="3600" i="1" dirty="0" smtClean="0">
-                          <a:solidFill>
-                            <a:schemeClr val="tx1"/>
-                          </a:solidFill>
-                          <a:latin typeface="Times New Roman" charset="0"/>
-                          <a:ea typeface="Times New Roman" charset="0"/>
-                          <a:cs typeface="Times New Roman" charset="0"/>
-                        </a:rPr>
-                        <a:t>Mean</a:t>
-                      </a:r>
-                      <a:r>
-                        <a:rPr lang="en-US" sz="3600" i="1" baseline="0" dirty="0" smtClean="0">
-                          <a:solidFill>
-                            <a:schemeClr val="tx1"/>
-                          </a:solidFill>
-                          <a:latin typeface="Times New Roman" charset="0"/>
-                          <a:ea typeface="Times New Roman" charset="0"/>
-                          <a:cs typeface="Times New Roman" charset="0"/>
-                        </a:rPr>
-                        <a:t> </a:t>
-                      </a:r>
-                      <a:r>
-                        <a:rPr lang="en-US" sz="3600" i="1" dirty="0" smtClean="0">
-                          <a:solidFill>
-                            <a:schemeClr val="tx1"/>
-                          </a:solidFill>
-                          <a:latin typeface="Times New Roman" charset="0"/>
-                          <a:ea typeface="Times New Roman" charset="0"/>
-                          <a:cs typeface="Times New Roman" charset="0"/>
-                        </a:rPr>
-                        <a:t>Types (SD)</a:t>
-                      </a:r>
-                      <a:endParaRPr lang="en-US" sz="3600" i="1" dirty="0">
-                        <a:solidFill>
-                          <a:schemeClr val="tx1"/>
-                        </a:solidFill>
-                        <a:latin typeface="Times New Roman" charset="0"/>
-                        <a:ea typeface="Times New Roman" charset="0"/>
-                        <a:cs typeface="Times New Roman" charset="0"/>
-                      </a:endParaRPr>
-                    </a:p>
-                  </a:txBody>
-                  <a:tcPr>
-                    <a:lnT w="12700" cap="flat" cmpd="sng" algn="ctr">
-                      <a:solidFill>
-                        <a:scrgbClr r="0" g="0" b="0"/>
-                      </a:solidFill>
-                      <a:prstDash val="solid"/>
-                      <a:round/>
-                      <a:headEnd type="none" w="med" len="med"/>
-                      <a:tailEnd type="none" w="med" len="med"/>
-                    </a:lnT>
-                    <a:lnB w="12700" cap="flat" cmpd="sng" algn="ctr">
-                      <a:solidFill>
-                        <a:schemeClr val="tx1"/>
-                      </a:solidFill>
-                      <a:prstDash val="solid"/>
-                      <a:round/>
-                      <a:headEnd type="none" w="med" len="med"/>
-                      <a:tailEnd type="none" w="med" len="med"/>
-                    </a:lnB>
-                    <a:noFill/>
-                  </a:tcPr>
-                </a:tc>
-                <a:tc>
-                  <a:txBody>
-                    <a:bodyPr/>
-                    <a:lstStyle/>
-                    <a:p>
-                      <a:pPr algn="ctr"/>
-                      <a:r>
-                        <a:rPr lang="en-US" sz="3600" i="1" dirty="0" smtClean="0">
-                          <a:solidFill>
-                            <a:schemeClr val="tx1"/>
-                          </a:solidFill>
-                          <a:latin typeface="Times New Roman" charset="0"/>
-                          <a:ea typeface="Times New Roman" charset="0"/>
-                          <a:cs typeface="Times New Roman" charset="0"/>
-                        </a:rPr>
-                        <a:t>Mean Readability (SD)</a:t>
-                      </a:r>
-                      <a:endParaRPr lang="en-US" sz="3600" i="1" dirty="0">
-                        <a:solidFill>
-                          <a:schemeClr val="tx1"/>
-                        </a:solidFill>
-                        <a:latin typeface="Times New Roman" charset="0"/>
-                        <a:ea typeface="Times New Roman" charset="0"/>
-                        <a:cs typeface="Times New Roman" charset="0"/>
-                      </a:endParaRPr>
-                    </a:p>
-                  </a:txBody>
-                  <a:tcPr>
-                    <a:lnT w="12700" cap="flat" cmpd="sng" algn="ctr">
-                      <a:solidFill>
-                        <a:scrgbClr r="0" g="0" b="0"/>
-                      </a:solidFill>
-                      <a:prstDash val="solid"/>
-                      <a:round/>
-                      <a:headEnd type="none" w="med" len="med"/>
-                      <a:tailEnd type="none" w="med" len="med"/>
-                    </a:lnT>
-                    <a:lnB w="12700" cap="flat" cmpd="sng" algn="ctr">
-                      <a:solidFill>
-                        <a:schemeClr val="tx1"/>
-                      </a:solidFill>
-                      <a:prstDash val="solid"/>
-                      <a:round/>
-                      <a:headEnd type="none" w="med" len="med"/>
-                      <a:tailEnd type="none" w="med" len="med"/>
-                    </a:lnB>
-                    <a:noFill/>
-                  </a:tcPr>
-                </a:tc>
+                <a:extLst>
+                  <a:ext uri="{0D108BD9-81ED-4DB2-BD59-A6C34878D82A}">
+                    <a16:rowId xmlns:a16="http://schemas.microsoft.com/office/drawing/2014/main" val="10000"/>
+                  </a:ext>
+                </a:extLst>
               </a:tr>
               <a:tr h="1337953">
                 <a:tc>
@@ -8676,7 +8317,7 @@
                     <a:lstStyle/>
                     <a:p>
                       <a:r>
-                        <a:rPr lang="en-US" sz="3600" i="1" dirty="0" smtClean="0">
+                        <a:rPr lang="en-US" sz="3600" i="1" dirty="0">
                           <a:solidFill>
                             <a:schemeClr val="tx1"/>
                           </a:solidFill>
@@ -8687,7 +8328,7 @@
                         <a:t>The</a:t>
                       </a:r>
                       <a:r>
-                        <a:rPr lang="en-US" sz="3600" i="1" baseline="0" dirty="0" smtClean="0">
+                        <a:rPr lang="en-US" sz="3600" i="1" baseline="0" dirty="0">
                           <a:solidFill>
                             <a:schemeClr val="tx1"/>
                           </a:solidFill>
@@ -8727,7 +8368,7 @@
                     <a:p>
                       <a:pPr algn="ctr"/>
                       <a:r>
-                        <a:rPr lang="en-US" sz="3600" dirty="0" smtClean="0">
+                        <a:rPr lang="en-US" sz="3600" dirty="0">
                           <a:solidFill>
                             <a:schemeClr val="tx1"/>
                           </a:solidFill>
@@ -8736,6 +8377,81 @@
                           <a:cs typeface="Times New Roman" charset="0"/>
                         </a:rPr>
                         <a:t>0.30 (0.31)</a:t>
+                      </a:r>
+                    </a:p>
+                  </a:txBody>
+                  <a:tcPr>
+                    <a:lnT w="12700" cap="flat" cmpd="sng" algn="ctr">
+                      <a:solidFill>
+                        <a:schemeClr val="tx1"/>
+                      </a:solidFill>
+                      <a:prstDash val="solid"/>
+                      <a:round/>
+                      <a:headEnd type="none" w="med" len="med"/>
+                      <a:tailEnd type="none" w="med" len="med"/>
+                    </a:lnT>
+                    <a:noFill/>
+                  </a:tcPr>
+                </a:tc>
+                <a:tc>
+                  <a:txBody>
+                    <a:bodyPr/>
+                    <a:lstStyle/>
+                    <a:p>
+                      <a:pPr algn="ctr"/>
+                      <a:r>
+                        <a:rPr lang="en-US" sz="3600" dirty="0">
+                          <a:solidFill>
+                            <a:schemeClr val="tx1"/>
+                          </a:solidFill>
+                          <a:latin typeface="Times New Roman" charset="0"/>
+                          <a:ea typeface="Times New Roman" charset="0"/>
+                          <a:cs typeface="Times New Roman" charset="0"/>
+                        </a:rPr>
+                        <a:t>1114.73 (511.86)</a:t>
+                      </a:r>
+                    </a:p>
+                  </a:txBody>
+                  <a:tcPr>
+                    <a:lnT w="12700" cap="flat" cmpd="sng" algn="ctr">
+                      <a:solidFill>
+                        <a:schemeClr val="tx1"/>
+                      </a:solidFill>
+                      <a:prstDash val="solid"/>
+                      <a:round/>
+                      <a:headEnd type="none" w="med" len="med"/>
+                      <a:tailEnd type="none" w="med" len="med"/>
+                    </a:lnT>
+                    <a:noFill/>
+                  </a:tcPr>
+                </a:tc>
+                <a:tc>
+                  <a:txBody>
+                    <a:bodyPr/>
+                    <a:lstStyle/>
+                    <a:p>
+                      <a:pPr algn="ctr"/>
+                      <a:r>
+                        <a:rPr lang="en-US" sz="3600" dirty="0">
+                          <a:solidFill>
+                            <a:schemeClr val="tx1"/>
+                          </a:solidFill>
+                          <a:latin typeface="Times New Roman" charset="0"/>
+                          <a:ea typeface="Times New Roman" charset="0"/>
+                          <a:cs typeface="Times New Roman" charset="0"/>
+                        </a:rPr>
+                        <a:t>454.27</a:t>
+                      </a:r>
+                      <a:r>
+                        <a:rPr lang="en-US" sz="3600" baseline="0" dirty="0">
+                          <a:solidFill>
+                            <a:schemeClr val="tx1"/>
+                          </a:solidFill>
+                          <a:latin typeface="Times New Roman" charset="0"/>
+                          <a:ea typeface="Times New Roman" charset="0"/>
+                          <a:cs typeface="Times New Roman" charset="0"/>
+                        </a:rPr>
+                        <a:t> (154.58)</a:t>
                       </a:r>
                       <a:endParaRPr lang="en-US" sz="3600" dirty="0">
                         <a:solidFill>
@@ -8767,24 +8483,16 @@
                     <a:p>
                       <a:pPr algn="ctr"/>
                       <a:r>
-                        <a:rPr lang="en-US" sz="3600" dirty="0" smtClean="0">
-                          <a:solidFill>
-                            <a:schemeClr val="tx1"/>
-                          </a:solidFill>
-                          <a:latin typeface="Times New Roman" charset="0"/>
-                          <a:ea typeface="Times New Roman" charset="0"/>
-                          <a:cs typeface="Times New Roman" charset="0"/>
-                        </a:rPr>
-                        <a:t>1114.73 (511.86)</a:t>
-                      </a:r>
-                      <a:endParaRPr lang="en-US" sz="3600" dirty="0">
-                        <a:solidFill>
-                          <a:schemeClr val="tx1"/>
-                        </a:solidFill>
-                        <a:latin typeface="Times New Roman" charset="0"/>
-                        <a:ea typeface="Times New Roman" charset="0"/>
-                        <a:cs typeface="Times New Roman" charset="0"/>
-                      </a:endParaRPr>
+                        <a:rPr lang="en-US" sz="3600" dirty="0">
+                          <a:solidFill>
+                            <a:schemeClr val="tx1"/>
+                          </a:solidFill>
+                          <a:latin typeface="Times New Roman" charset="0"/>
+                          <a:ea typeface="Times New Roman" charset="0"/>
+                          <a:cs typeface="Times New Roman" charset="0"/>
+                        </a:rPr>
+                        <a:t>16.32 (3.29)</a:t>
+                      </a:r>
                     </a:p>
                   </a:txBody>
                   <a:tcPr>
@@ -8800,97 +8508,11 @@
                     <a:noFill/>
                   </a:tcPr>
                 </a:tc>
-                <a:tc>
-                  <a:txBody>
-                    <a:bodyPr/>
-                    <a:lstStyle/>
-                    <a:p>
-                      <a:pPr algn="ctr"/>
-                      <a:r>
-                        <a:rPr lang="en-US" sz="3600" dirty="0" smtClean="0">
-                          <a:solidFill>
-                            <a:schemeClr val="tx1"/>
-                          </a:solidFill>
-                          <a:latin typeface="Times New Roman" charset="0"/>
-                          <a:ea typeface="Times New Roman" charset="0"/>
-                          <a:cs typeface="Times New Roman" charset="0"/>
-                        </a:rPr>
-                        <a:t>454.27</a:t>
-                      </a:r>
-                      <a:r>
-                        <a:rPr lang="en-US" sz="3600" baseline="0" dirty="0" smtClean="0">
-                          <a:solidFill>
-                            <a:schemeClr val="tx1"/>
-                          </a:solidFill>
-                          <a:latin typeface="Times New Roman" charset="0"/>
-                          <a:ea typeface="Times New Roman" charset="0"/>
-                          <a:cs typeface="Times New Roman" charset="0"/>
-                        </a:rPr>
-                        <a:t> (154.58)</a:t>
-                      </a:r>
-                      <a:endParaRPr lang="en-US" sz="3600" dirty="0">
-                        <a:solidFill>
-                          <a:schemeClr val="tx1"/>
-                        </a:solidFill>
-                        <a:latin typeface="Times New Roman" charset="0"/>
-                        <a:ea typeface="Times New Roman" charset="0"/>
-                        <a:cs typeface="Times New Roman" charset="0"/>
-                      </a:endParaRPr>
-                    </a:p>
-                  </a:txBody>
-                  <a:tcPr>
-                    <a:lnT w="12700" cap="flat" cmpd="sng" algn="ctr">
-                      <a:solidFill>
-                        <a:schemeClr val="tx1"/>
-                      </a:solidFill>
-                      <a:prstDash val="solid"/>
-                      <a:round/>
-                      <a:headEnd type="none" w="med" len="med"/>
-                      <a:tailEnd type="none" w="med" len="med"/>
-                    </a:lnT>
-                    <a:noFill/>
-                  </a:tcPr>
-                </a:tc>
-                <a:tc>
-                  <a:txBody>
-                    <a:bodyPr/>
-                    <a:lstStyle/>
-                    <a:p>
-                      <a:pPr algn="ctr"/>
-                      <a:r>
-                        <a:rPr lang="en-US" sz="3600" dirty="0" smtClean="0">
-                          <a:solidFill>
-                            <a:schemeClr val="tx1"/>
-                          </a:solidFill>
-                          <a:latin typeface="Times New Roman" charset="0"/>
-                          <a:ea typeface="Times New Roman" charset="0"/>
-                          <a:cs typeface="Times New Roman" charset="0"/>
-                        </a:rPr>
-                        <a:t>16.32 (3.29)</a:t>
-                      </a:r>
-                      <a:endParaRPr lang="en-US" sz="3600" dirty="0">
-                        <a:solidFill>
-                          <a:schemeClr val="tx1"/>
-                        </a:solidFill>
-                        <a:latin typeface="Times New Roman" charset="0"/>
-                        <a:ea typeface="Times New Roman" charset="0"/>
-                        <a:cs typeface="Times New Roman" charset="0"/>
-                      </a:endParaRPr>
-                    </a:p>
-                  </a:txBody>
-                  <a:tcPr>
-                    <a:lnT w="12700" cap="flat" cmpd="sng" algn="ctr">
-                      <a:solidFill>
-                        <a:schemeClr val="tx1"/>
-                      </a:solidFill>
-                      <a:prstDash val="solid"/>
-                      <a:round/>
-                      <a:headEnd type="none" w="med" len="med"/>
-                      <a:tailEnd type="none" w="med" len="med"/>
-                    </a:lnT>
-                    <a:noFill/>
-                  </a:tcPr>
-                </a:tc>
+                <a:extLst>
+                  <a:ext uri="{0D108BD9-81ED-4DB2-BD59-A6C34878D82A}">
+                    <a16:rowId xmlns:a16="http://schemas.microsoft.com/office/drawing/2014/main" val="10001"/>
+                  </a:ext>
+                </a:extLst>
               </a:tr>
               <a:tr h="1337953">
                 <a:tc>
@@ -8899,7 +8521,7 @@
                     <a:lstStyle/>
                     <a:p>
                       <a:r>
-                        <a:rPr lang="en-US" sz="3600" i="1" dirty="0" smtClean="0">
+                        <a:rPr lang="en-US" sz="3600" i="1" dirty="0">
                           <a:solidFill>
                             <a:schemeClr val="tx1"/>
                           </a:solidFill>
@@ -8909,14 +8531,6 @@
                         </a:rPr>
                         <a:t>NPR</a:t>
                       </a:r>
-                      <a:endParaRPr lang="en-US" sz="3600" i="1" dirty="0">
-                        <a:solidFill>
-                          <a:schemeClr val="tx1"/>
-                        </a:solidFill>
-                        <a:latin typeface="Times New Roman" charset="0"/>
-                        <a:ea typeface="Times New Roman" charset="0"/>
-                        <a:cs typeface="Times New Roman" charset="0"/>
-                      </a:endParaRPr>
                     </a:p>
                   </a:txBody>
                   <a:tcPr>
@@ -8930,7 +8544,7 @@
                     <a:p>
                       <a:pPr algn="ctr"/>
                       <a:r>
-                        <a:rPr lang="en-US" sz="3600" dirty="0" smtClean="0">
+                        <a:rPr lang="en-US" sz="3600" dirty="0">
                           <a:solidFill>
                             <a:schemeClr val="tx1"/>
                           </a:solidFill>
@@ -8939,6 +8553,40 @@
                           <a:cs typeface="Times New Roman" charset="0"/>
                         </a:rPr>
                         <a:t>0.28 (0.23)</a:t>
+                      </a:r>
+                    </a:p>
+                  </a:txBody>
+                  <a:tcPr>
+                    <a:noFill/>
+                  </a:tcPr>
+                </a:tc>
+                <a:tc>
+                  <a:txBody>
+                    <a:bodyPr/>
+                    <a:lstStyle/>
+                    <a:p>
+                      <a:pPr algn="ctr"/>
+                      <a:r>
+                        <a:rPr lang="en-US" sz="3600" dirty="0">
+                          <a:solidFill>
+                            <a:schemeClr val="tx1"/>
+                          </a:solidFill>
+                          <a:latin typeface="Times New Roman" charset="0"/>
+                          <a:ea typeface="Times New Roman" charset="0"/>
+                          <a:cs typeface="Times New Roman" charset="0"/>
+                        </a:rPr>
+                        <a:t>435.94</a:t>
+                      </a:r>
+                      <a:r>
+                        <a:rPr lang="en-US" sz="3600" baseline="0" dirty="0">
+                          <a:solidFill>
+                            <a:schemeClr val="tx1"/>
+                          </a:solidFill>
+                          <a:latin typeface="Times New Roman" charset="0"/>
+                          <a:ea typeface="Times New Roman" charset="0"/>
+                          <a:cs typeface="Times New Roman" charset="0"/>
+                        </a:rPr>
+                        <a:t> (642.63)</a:t>
                       </a:r>
                       <a:endParaRPr lang="en-US" sz="3600" dirty="0">
                         <a:solidFill>
@@ -8961,26 +8609,26 @@
                     <a:p>
                       <a:pPr algn="ctr"/>
                       <a:r>
-                        <a:rPr lang="en-US" sz="3600" dirty="0" smtClean="0">
-                          <a:solidFill>
-                            <a:schemeClr val="tx1"/>
-                          </a:solidFill>
-                          <a:latin typeface="Times New Roman" charset="0"/>
-                          <a:ea typeface="Times New Roman" charset="0"/>
-                          <a:cs typeface="Times New Roman" charset="0"/>
-                        </a:rPr>
-                        <a:t>435.94</a:t>
-                      </a:r>
-                      <a:r>
-                        <a:rPr lang="en-US" sz="3600" baseline="0" dirty="0" smtClean="0">
-                          <a:solidFill>
-                            <a:schemeClr val="tx1"/>
-                          </a:solidFill>
-                          <a:latin typeface="Times New Roman" charset="0"/>
-                          <a:ea typeface="Times New Roman" charset="0"/>
-                          <a:cs typeface="Times New Roman" charset="0"/>
-                        </a:rPr>
-                        <a:t> (642.63)</a:t>
+                        <a:rPr lang="en-US" sz="3600" dirty="0">
+                          <a:solidFill>
+                            <a:schemeClr val="tx1"/>
+                          </a:solidFill>
+                          <a:latin typeface="Times New Roman" charset="0"/>
+                          <a:ea typeface="Times New Roman" charset="0"/>
+                          <a:cs typeface="Times New Roman" charset="0"/>
+                        </a:rPr>
+                        <a:t>191.96</a:t>
+                      </a:r>
+                      <a:r>
+                        <a:rPr lang="en-US" sz="3600" baseline="0" dirty="0">
+                          <a:solidFill>
+                            <a:schemeClr val="tx1"/>
+                          </a:solidFill>
+                          <a:latin typeface="Times New Roman" charset="0"/>
+                          <a:ea typeface="Times New Roman" charset="0"/>
+                          <a:cs typeface="Times New Roman" charset="0"/>
+                        </a:rPr>
+                        <a:t> (192.29)</a:t>
                       </a:r>
                       <a:endParaRPr lang="en-US" sz="3600" dirty="0">
                         <a:solidFill>
@@ -9003,72 +8651,27 @@
                     <a:p>
                       <a:pPr algn="ctr"/>
                       <a:r>
-                        <a:rPr lang="en-US" sz="3600" dirty="0" smtClean="0">
-                          <a:solidFill>
-                            <a:schemeClr val="tx1"/>
-                          </a:solidFill>
-                          <a:latin typeface="Times New Roman" charset="0"/>
-                          <a:ea typeface="Times New Roman" charset="0"/>
-                          <a:cs typeface="Times New Roman" charset="0"/>
-                        </a:rPr>
-                        <a:t>191.96</a:t>
-                      </a:r>
-                      <a:r>
-                        <a:rPr lang="en-US" sz="3600" baseline="0" dirty="0" smtClean="0">
-                          <a:solidFill>
-                            <a:schemeClr val="tx1"/>
-                          </a:solidFill>
-                          <a:latin typeface="Times New Roman" charset="0"/>
-                          <a:ea typeface="Times New Roman" charset="0"/>
-                          <a:cs typeface="Times New Roman" charset="0"/>
-                        </a:rPr>
-                        <a:t> (192.29)</a:t>
-                      </a:r>
-                      <a:endParaRPr lang="en-US" sz="3600" dirty="0">
-                        <a:solidFill>
-                          <a:schemeClr val="tx1"/>
-                        </a:solidFill>
-                        <a:latin typeface="Times New Roman" charset="0"/>
-                        <a:ea typeface="Times New Roman" charset="0"/>
-                        <a:cs typeface="Times New Roman" charset="0"/>
-                      </a:endParaRPr>
+                        <a:rPr lang="en-US" sz="3600" dirty="0">
+                          <a:solidFill>
+                            <a:schemeClr val="tx1"/>
+                          </a:solidFill>
+                          <a:latin typeface="Times New Roman" charset="0"/>
+                          <a:ea typeface="Times New Roman" charset="0"/>
+                          <a:cs typeface="Times New Roman" charset="0"/>
+                        </a:rPr>
+                        <a:t>13.80 (3.92)</a:t>
+                      </a:r>
                     </a:p>
                   </a:txBody>
                   <a:tcPr>
                     <a:noFill/>
                   </a:tcPr>
                 </a:tc>
-                <a:tc>
-                  <a:txBody>
-                    <a:bodyPr/>
-                    <a:lstStyle/>
-                    <a:p>
-                      <a:pPr algn="ctr"/>
-                      <a:r>
-                        <a:rPr lang="en-US" sz="3600" dirty="0" smtClean="0">
-                          <a:solidFill>
-                            <a:schemeClr val="tx1"/>
-                          </a:solidFill>
-                          <a:latin typeface="Times New Roman" charset="0"/>
-                          <a:ea typeface="Times New Roman" charset="0"/>
-                          <a:cs typeface="Times New Roman" charset="0"/>
-                        </a:rPr>
-                        <a:t>13.80 (3.92)</a:t>
-                      </a:r>
-                      <a:endParaRPr lang="en-US" sz="3600" dirty="0">
-                        <a:solidFill>
-                          <a:schemeClr val="tx1"/>
-                        </a:solidFill>
-                        <a:latin typeface="Times New Roman" charset="0"/>
-                        <a:ea typeface="Times New Roman" charset="0"/>
-                        <a:cs typeface="Times New Roman" charset="0"/>
-                      </a:endParaRPr>
-                    </a:p>
-                  </a:txBody>
-                  <a:tcPr>
-                    <a:noFill/>
-                  </a:tcPr>
-                </a:tc>
+                <a:extLst>
+                  <a:ext uri="{0D108BD9-81ED-4DB2-BD59-A6C34878D82A}">
+                    <a16:rowId xmlns:a16="http://schemas.microsoft.com/office/drawing/2014/main" val="10002"/>
+                  </a:ext>
+                </a:extLst>
               </a:tr>
               <a:tr h="1337953">
                 <a:tc>
@@ -9077,7 +8680,7 @@
                     <a:lstStyle/>
                     <a:p>
                       <a:r>
-                        <a:rPr lang="en-US" sz="3600" b="0" i="1" dirty="0" smtClean="0">
+                        <a:rPr lang="en-US" sz="3600" b="0" i="1" dirty="0">
                           <a:solidFill>
                             <a:schemeClr val="tx1"/>
                           </a:solidFill>
@@ -9088,7 +8691,7 @@
                         <a:t>Fox</a:t>
                       </a:r>
                       <a:r>
-                        <a:rPr lang="en-US" sz="3600" b="0" i="1" baseline="0" dirty="0" smtClean="0">
+                        <a:rPr lang="en-US" sz="3600" b="0" i="1" baseline="0" dirty="0">
                           <a:solidFill>
                             <a:schemeClr val="tx1"/>
                           </a:solidFill>
@@ -9119,7 +8722,7 @@
                     <a:p>
                       <a:pPr algn="ctr"/>
                       <a:r>
-                        <a:rPr lang="en-US" sz="3600" b="0" dirty="0" smtClean="0">
+                        <a:rPr lang="en-US" sz="3600" b="0" dirty="0">
                           <a:solidFill>
                             <a:schemeClr val="tx1"/>
                           </a:solidFill>
@@ -9128,6 +8731,40 @@
                           <a:cs typeface="Times New Roman" charset="0"/>
                         </a:rPr>
                         <a:t>0.29 (0.17)</a:t>
+                      </a:r>
+                    </a:p>
+                  </a:txBody>
+                  <a:tcPr>
+                    <a:noFill/>
+                  </a:tcPr>
+                </a:tc>
+                <a:tc>
+                  <a:txBody>
+                    <a:bodyPr/>
+                    <a:lstStyle/>
+                    <a:p>
+                      <a:pPr algn="ctr"/>
+                      <a:r>
+                        <a:rPr lang="en-US" sz="3600" b="0" dirty="0">
+                          <a:solidFill>
+                            <a:schemeClr val="tx1"/>
+                          </a:solidFill>
+                          <a:latin typeface="Times New Roman" charset="0"/>
+                          <a:ea typeface="Times New Roman" charset="0"/>
+                          <a:cs typeface="Times New Roman" charset="0"/>
+                        </a:rPr>
+                        <a:t>590.02</a:t>
+                      </a:r>
+                      <a:r>
+                        <a:rPr lang="en-US" sz="3600" b="0" baseline="0" dirty="0">
+                          <a:solidFill>
+                            <a:schemeClr val="tx1"/>
+                          </a:solidFill>
+                          <a:latin typeface="Times New Roman" charset="0"/>
+                          <a:ea typeface="Times New Roman" charset="0"/>
+                          <a:cs typeface="Times New Roman" charset="0"/>
+                        </a:rPr>
+                        <a:t> (528.60)</a:t>
                       </a:r>
                       <a:endParaRPr lang="en-US" sz="3600" b="0" dirty="0">
                         <a:solidFill>
@@ -9150,26 +8787,26 @@
                     <a:p>
                       <a:pPr algn="ctr"/>
                       <a:r>
-                        <a:rPr lang="en-US" sz="3600" b="0" dirty="0" smtClean="0">
-                          <a:solidFill>
-                            <a:schemeClr val="tx1"/>
-                          </a:solidFill>
-                          <a:latin typeface="Times New Roman" charset="0"/>
-                          <a:ea typeface="Times New Roman" charset="0"/>
-                          <a:cs typeface="Times New Roman" charset="0"/>
-                        </a:rPr>
-                        <a:t>590.02</a:t>
-                      </a:r>
-                      <a:r>
-                        <a:rPr lang="en-US" sz="3600" b="0" baseline="0" dirty="0" smtClean="0">
-                          <a:solidFill>
-                            <a:schemeClr val="tx1"/>
-                          </a:solidFill>
-                          <a:latin typeface="Times New Roman" charset="0"/>
-                          <a:ea typeface="Times New Roman" charset="0"/>
-                          <a:cs typeface="Times New Roman" charset="0"/>
-                        </a:rPr>
-                        <a:t> (528.60)</a:t>
+                        <a:rPr lang="en-US" sz="3600" b="0" dirty="0">
+                          <a:solidFill>
+                            <a:schemeClr val="tx1"/>
+                          </a:solidFill>
+                          <a:latin typeface="Times New Roman" charset="0"/>
+                          <a:ea typeface="Times New Roman" charset="0"/>
+                          <a:cs typeface="Times New Roman" charset="0"/>
+                        </a:rPr>
+                        <a:t>283.57</a:t>
+                      </a:r>
+                      <a:r>
+                        <a:rPr lang="en-US" sz="3600" b="0" baseline="0" dirty="0">
+                          <a:solidFill>
+                            <a:schemeClr val="tx1"/>
+                          </a:solidFill>
+                          <a:latin typeface="Times New Roman" charset="0"/>
+                          <a:ea typeface="Times New Roman" charset="0"/>
+                          <a:cs typeface="Times New Roman" charset="0"/>
+                        </a:rPr>
+                        <a:t> (189.00)</a:t>
                       </a:r>
                       <a:endParaRPr lang="en-US" sz="3600" b="0" dirty="0">
                         <a:solidFill>
@@ -9192,72 +8829,27 @@
                     <a:p>
                       <a:pPr algn="ctr"/>
                       <a:r>
-                        <a:rPr lang="en-US" sz="3600" b="0" dirty="0" smtClean="0">
-                          <a:solidFill>
-                            <a:schemeClr val="tx1"/>
-                          </a:solidFill>
-                          <a:latin typeface="Times New Roman" charset="0"/>
-                          <a:ea typeface="Times New Roman" charset="0"/>
-                          <a:cs typeface="Times New Roman" charset="0"/>
-                        </a:rPr>
-                        <a:t>283.57</a:t>
-                      </a:r>
-                      <a:r>
-                        <a:rPr lang="en-US" sz="3600" b="0" baseline="0" dirty="0" smtClean="0">
-                          <a:solidFill>
-                            <a:schemeClr val="tx1"/>
-                          </a:solidFill>
-                          <a:latin typeface="Times New Roman" charset="0"/>
-                          <a:ea typeface="Times New Roman" charset="0"/>
-                          <a:cs typeface="Times New Roman" charset="0"/>
-                        </a:rPr>
-                        <a:t> (189.00)</a:t>
-                      </a:r>
-                      <a:endParaRPr lang="en-US" sz="3600" b="0" dirty="0">
-                        <a:solidFill>
-                          <a:schemeClr val="tx1"/>
-                        </a:solidFill>
-                        <a:latin typeface="Times New Roman" charset="0"/>
-                        <a:ea typeface="Times New Roman" charset="0"/>
-                        <a:cs typeface="Times New Roman" charset="0"/>
-                      </a:endParaRPr>
+                        <a:rPr lang="en-US" sz="3600" b="0" dirty="0">
+                          <a:solidFill>
+                            <a:schemeClr val="tx1"/>
+                          </a:solidFill>
+                          <a:latin typeface="Times New Roman" charset="0"/>
+                          <a:ea typeface="Times New Roman" charset="0"/>
+                          <a:cs typeface="Times New Roman" charset="0"/>
+                        </a:rPr>
+                        <a:t>16.92 (7.16)</a:t>
+                      </a:r>
                     </a:p>
                   </a:txBody>
                   <a:tcPr>
                     <a:noFill/>
                   </a:tcPr>
                 </a:tc>
-                <a:tc>
-                  <a:txBody>
-                    <a:bodyPr/>
-                    <a:lstStyle/>
-                    <a:p>
-                      <a:pPr algn="ctr"/>
-                      <a:r>
-                        <a:rPr lang="en-US" sz="3600" b="0" dirty="0" smtClean="0">
-                          <a:solidFill>
-                            <a:schemeClr val="tx1"/>
-                          </a:solidFill>
-                          <a:latin typeface="Times New Roman" charset="0"/>
-                          <a:ea typeface="Times New Roman" charset="0"/>
-                          <a:cs typeface="Times New Roman" charset="0"/>
-                        </a:rPr>
-                        <a:t>16.92 (7.16)</a:t>
-                      </a:r>
-                      <a:endParaRPr lang="en-US" sz="3600" b="0" dirty="0">
-                        <a:solidFill>
-                          <a:schemeClr val="tx1"/>
-                        </a:solidFill>
-                        <a:latin typeface="Times New Roman" charset="0"/>
-                        <a:ea typeface="Times New Roman" charset="0"/>
-                        <a:cs typeface="Times New Roman" charset="0"/>
-                      </a:endParaRPr>
-                    </a:p>
-                  </a:txBody>
-                  <a:tcPr>
-                    <a:noFill/>
-                  </a:tcPr>
-                </a:tc>
+                <a:extLst>
+                  <a:ext uri="{0D108BD9-81ED-4DB2-BD59-A6C34878D82A}">
+                    <a16:rowId xmlns:a16="http://schemas.microsoft.com/office/drawing/2014/main" val="10003"/>
+                  </a:ext>
+                </a:extLst>
               </a:tr>
               <a:tr h="1337953">
                 <a:tc>
@@ -9266,7 +8858,7 @@
                     <a:lstStyle/>
                     <a:p>
                       <a:r>
-                        <a:rPr lang="en-US" sz="3600" b="0" i="1" dirty="0" err="1" smtClean="0">
+                        <a:rPr lang="en-US" sz="3600" b="0" i="1" dirty="0" err="1">
                           <a:solidFill>
                             <a:schemeClr val="tx1"/>
                           </a:solidFill>
@@ -9306,7 +8898,7 @@
                     <a:p>
                       <a:pPr algn="ctr"/>
                       <a:r>
-                        <a:rPr lang="en-US" sz="3600" b="0" dirty="0" smtClean="0">
+                        <a:rPr lang="en-US" sz="3600" b="0" dirty="0">
                           <a:solidFill>
                             <a:schemeClr val="tx1"/>
                           </a:solidFill>
@@ -9315,6 +8907,49 @@
                           <a:cs typeface="Times New Roman" charset="0"/>
                         </a:rPr>
                         <a:t>0.29 (0.18)</a:t>
+                      </a:r>
+                    </a:p>
+                  </a:txBody>
+                  <a:tcPr>
+                    <a:lnB w="12700" cap="flat" cmpd="sng" algn="ctr">
+                      <a:solidFill>
+                        <a:scrgbClr r="0" g="0" b="0"/>
+                      </a:solidFill>
+                      <a:prstDash val="solid"/>
+                      <a:round/>
+                      <a:headEnd type="none" w="med" len="med"/>
+                      <a:tailEnd type="none" w="med" len="med"/>
+                    </a:lnB>
+                    <a:noFill/>
+                  </a:tcPr>
+                </a:tc>
+                <a:tc>
+                  <a:txBody>
+                    <a:bodyPr/>
+                    <a:lstStyle/>
+                    <a:p>
+                      <a:pPr algn="ctr"/>
+                      <a:r>
+                        <a:rPr lang="en-US" sz="3600" b="0" dirty="0">
+                          <a:solidFill>
+                            <a:schemeClr val="tx1"/>
+                          </a:solidFill>
+                          <a:latin typeface="Times New Roman" charset="0"/>
+                          <a:ea typeface="Times New Roman" charset="0"/>
+                          <a:cs typeface="Times New Roman" charset="0"/>
+                        </a:rPr>
+                        <a:t>502.45</a:t>
+                      </a:r>
+                      <a:r>
+                        <a:rPr lang="en-US" sz="3600" b="0" baseline="0" dirty="0">
+                          <a:solidFill>
+                            <a:schemeClr val="tx1"/>
+                          </a:solidFill>
+                          <a:latin typeface="Times New Roman" charset="0"/>
+                          <a:ea typeface="Times New Roman" charset="0"/>
+                          <a:cs typeface="Times New Roman" charset="0"/>
+                        </a:rPr>
+                        <a:t> (347.90)</a:t>
                       </a:r>
                       <a:endParaRPr lang="en-US" sz="3600" b="0" dirty="0">
                         <a:solidFill>
@@ -9346,26 +8981,26 @@
                     <a:p>
                       <a:pPr algn="ctr"/>
                       <a:r>
-                        <a:rPr lang="en-US" sz="3600" b="0" dirty="0" smtClean="0">
-                          <a:solidFill>
-                            <a:schemeClr val="tx1"/>
-                          </a:solidFill>
-                          <a:latin typeface="Times New Roman" charset="0"/>
-                          <a:ea typeface="Times New Roman" charset="0"/>
-                          <a:cs typeface="Times New Roman" charset="0"/>
-                        </a:rPr>
-                        <a:t>502.45</a:t>
-                      </a:r>
-                      <a:r>
-                        <a:rPr lang="en-US" sz="3600" b="0" baseline="0" dirty="0" smtClean="0">
-                          <a:solidFill>
-                            <a:schemeClr val="tx1"/>
-                          </a:solidFill>
-                          <a:latin typeface="Times New Roman" charset="0"/>
-                          <a:ea typeface="Times New Roman" charset="0"/>
-                          <a:cs typeface="Times New Roman" charset="0"/>
-                        </a:rPr>
-                        <a:t> (347.90)</a:t>
+                        <a:rPr lang="en-US" sz="3600" b="0" dirty="0">
+                          <a:solidFill>
+                            <a:schemeClr val="tx1"/>
+                          </a:solidFill>
+                          <a:latin typeface="Times New Roman" charset="0"/>
+                          <a:ea typeface="Times New Roman" charset="0"/>
+                          <a:cs typeface="Times New Roman" charset="0"/>
+                        </a:rPr>
+                        <a:t>243.36</a:t>
+                      </a:r>
+                      <a:r>
+                        <a:rPr lang="en-US" sz="3600" b="0" baseline="0" dirty="0">
+                          <a:solidFill>
+                            <a:schemeClr val="tx1"/>
+                          </a:solidFill>
+                          <a:latin typeface="Times New Roman" charset="0"/>
+                          <a:ea typeface="Times New Roman" charset="0"/>
+                          <a:cs typeface="Times New Roman" charset="0"/>
+                        </a:rPr>
+                        <a:t> (120.76)</a:t>
                       </a:r>
                       <a:endParaRPr lang="en-US" sz="3600" b="0" dirty="0">
                         <a:solidFill>
@@ -9397,35 +9032,16 @@
                     <a:p>
                       <a:pPr algn="ctr"/>
                       <a:r>
-                        <a:rPr lang="en-US" sz="3600" b="0" dirty="0" smtClean="0">
-                          <a:solidFill>
-                            <a:schemeClr val="tx1"/>
-                          </a:solidFill>
-                          <a:latin typeface="Times New Roman" charset="0"/>
-                          <a:ea typeface="Times New Roman" charset="0"/>
-                          <a:cs typeface="Times New Roman" charset="0"/>
-                        </a:rPr>
-                        <a:t>243.36</a:t>
-                      </a:r>
-                      <a:r>
-                        <a:rPr lang="en-US" sz="3600" b="0" baseline="0" dirty="0" smtClean="0">
-                          <a:solidFill>
-                            <a:schemeClr val="tx1"/>
-                          </a:solidFill>
-                          <a:latin typeface="Times New Roman" charset="0"/>
-                          <a:ea typeface="Times New Roman" charset="0"/>
-                          <a:cs typeface="Times New Roman" charset="0"/>
-                        </a:rPr>
-                        <a:t> (120.76)</a:t>
-                      </a:r>
-                      <a:endParaRPr lang="en-US" sz="3600" b="0" dirty="0">
-                        <a:solidFill>
-                          <a:schemeClr val="tx1"/>
-                        </a:solidFill>
-                        <a:latin typeface="Times New Roman" charset="0"/>
-                        <a:ea typeface="Times New Roman" charset="0"/>
-                        <a:cs typeface="Times New Roman" charset="0"/>
-                      </a:endParaRPr>
+                        <a:rPr lang="en-US" sz="3600" b="0" dirty="0">
+                          <a:solidFill>
+                            <a:schemeClr val="tx1"/>
+                          </a:solidFill>
+                          <a:latin typeface="Times New Roman" charset="0"/>
+                          <a:ea typeface="Times New Roman" charset="0"/>
+                          <a:cs typeface="Times New Roman" charset="0"/>
+                        </a:rPr>
+                        <a:t>18.42 (8.01)</a:t>
+                      </a:r>
                     </a:p>
                   </a:txBody>
                   <a:tcPr>
@@ -9441,46 +9057,11 @@
                     <a:noFill/>
                   </a:tcPr>
                 </a:tc>
-                <a:tc>
-                  <a:txBody>
-                    <a:bodyPr/>
-                    <a:lstStyle/>
-                    <a:p>
-                      <a:pPr algn="ctr"/>
-                      <a:r>
-                        <a:rPr lang="en-US" sz="3600" b="0" dirty="0" smtClean="0">
-                          <a:solidFill>
-                            <a:schemeClr val="tx1"/>
-                          </a:solidFill>
-                          <a:latin typeface="Times New Roman" charset="0"/>
-                          <a:ea typeface="Times New Roman" charset="0"/>
-                          <a:cs typeface="Times New Roman" charset="0"/>
-                        </a:rPr>
-                        <a:t>18.42 (8.01)</a:t>
-                      </a:r>
-                      <a:endParaRPr lang="en-US" sz="3600" b="0" dirty="0">
-                        <a:solidFill>
-                          <a:schemeClr val="tx1"/>
-                        </a:solidFill>
-                        <a:latin typeface="Times New Roman" charset="0"/>
-                        <a:ea typeface="Times New Roman" charset="0"/>
-                        <a:cs typeface="Times New Roman" charset="0"/>
-                      </a:endParaRPr>
-                    </a:p>
-                  </a:txBody>
-                  <a:tcPr>
-                    <a:lnB w="12700" cap="flat" cmpd="sng" algn="ctr">
-                      <a:solidFill>
-                        <a:scrgbClr r="0" g="0" b="0"/>
-                      </a:solidFill>
-                      <a:prstDash val="solid"/>
-                      <a:round/>
-                      <a:headEnd type="none" w="med" len="med"/>
-                      <a:tailEnd type="none" w="med" len="med"/>
-                    </a:lnB>
-                    <a:noFill/>
-                  </a:tcPr>
-                </a:tc>
+                <a:extLst>
+                  <a:ext uri="{0D108BD9-81ED-4DB2-BD59-A6C34878D82A}">
+                    <a16:rowId xmlns:a16="http://schemas.microsoft.com/office/drawing/2014/main" val="10004"/>
+                  </a:ext>
+                </a:extLst>
               </a:tr>
             </a:tbl>
           </a:graphicData>
@@ -9494,7 +9075,7 @@
         </p:nvSpPr>
         <p:spPr>
           <a:xfrm>
-            <a:off x="15773400" y="30175200"/>
+            <a:off x="15849600" y="30175200"/>
             <a:ext cx="12344400" cy="1200329"/>
           </a:xfrm>
           <a:prstGeom prst="rect">
@@ -9509,7 +9090,7 @@
           <a:lstStyle/>
           <a:p>
             <a:r>
-              <a:rPr lang="en-US" sz="3600" i="1" dirty="0" smtClean="0">
+              <a:rPr lang="en-US" sz="3600" i="1" dirty="0">
                 <a:latin typeface="Times New Roman" charset="0"/>
                 <a:ea typeface="Times New Roman" charset="0"/>
                 <a:cs typeface="Times New Roman" charset="0"/>
@@ -9517,7 +9098,7 @@
               <a:t>Note. </a:t>
             </a:r>
             <a:r>
-              <a:rPr lang="en-US" sz="3600" dirty="0" smtClean="0">
+              <a:rPr lang="en-US" sz="3600" dirty="0">
                 <a:latin typeface="Times New Roman" charset="0"/>
                 <a:ea typeface="Times New Roman" charset="0"/>
                 <a:cs typeface="Times New Roman" charset="0"/>
@@ -9525,7 +9106,7 @@
               <a:t>Valence is </a:t>
             </a:r>
             <a:r>
-              <a:rPr lang="en-US" sz="3600" i="1" dirty="0" smtClean="0">
+              <a:rPr lang="en-US" sz="3600" i="1" dirty="0">
                 <a:latin typeface="Times New Roman" charset="0"/>
                 <a:ea typeface="Times New Roman" charset="0"/>
                 <a:cs typeface="Times New Roman" charset="0"/>
@@ -9533,73 +9114,21 @@
               <a:t>z</a:t>
             </a:r>
             <a:r>
-              <a:rPr lang="en-US" sz="3600" dirty="0" smtClean="0">
+              <a:rPr lang="en-US" sz="3600" dirty="0">
                 <a:latin typeface="Times New Roman" charset="0"/>
                 <a:ea typeface="Times New Roman" charset="0"/>
                 <a:cs typeface="Times New Roman" charset="0"/>
               </a:rPr>
-              <a:t>-scored. Readability statistics were calculated </a:t>
-            </a:r>
-            <a:r>
-              <a:rPr lang="en-US" sz="3600" dirty="0" smtClean="0">
-                <a:latin typeface="Times New Roman" charset="0"/>
-                <a:ea typeface="Times New Roman" charset="0"/>
-                <a:cs typeface="Times New Roman" charset="0"/>
-              </a:rPr>
-              <a:t>using the Flesch-Kincaid Grade Level readability formula.</a:t>
-            </a:r>
-            <a:endParaRPr lang="en-US" sz="3600" dirty="0" smtClean="0">
-              <a:latin typeface="Times New Roman" charset="0"/>
-              <a:ea typeface="Times New Roman" charset="0"/>
-              <a:cs typeface="Times New Roman" charset="0"/>
-            </a:endParaRPr>
+              <a:t>-scored. Readability statistics were calculated using the Flesch-Kincaid Grade Level readability formula.</a:t>
+            </a:r>
           </a:p>
         </p:txBody>
       </p:sp>
-      <p:pic>
-        <p:nvPicPr>
-          <p:cNvPr id="2" name="Picture 1"/>
-          <p:cNvPicPr>
-            <a:picLocks noChangeAspect="1"/>
-          </p:cNvPicPr>
-          <p:nvPr/>
-        </p:nvPicPr>
-        <p:blipFill>
-          <a:blip r:embed="rId5"/>
-          <a:stretch>
-            <a:fillRect/>
-          </a:stretch>
-        </p:blipFill>
-        <p:spPr>
-          <a:xfrm>
-            <a:off x="28524200" y="6400800"/>
-            <a:ext cx="13309600" cy="9982200"/>
-          </a:xfrm>
-          <a:prstGeom prst="rect">
-            <a:avLst/>
-          </a:prstGeom>
-        </p:spPr>
-      </p:pic>
     </p:spTree>
   </p:cSld>
   <p:clrMapOvr>
     <a:masterClrMapping/>
   </p:clrMapOvr>
-  <mc:AlternateContent xmlns:mc="http://schemas.openxmlformats.org/markup-compatibility/2006" xmlns:p14="http://schemas.microsoft.com/office/powerpoint/2010/main">
-    <mc:Choice Requires="p14">
-      <p:transition spd="slow" p14:dur="2000"/>
-    </mc:Choice>
-    <mc:Fallback xmlns="">
-      <p:transition spd="slow"/>
-    </mc:Fallback>
-  </mc:AlternateContent>
-  <p:timing>
-    <p:tnLst>
-      <p:par>
-        <p:cTn xmlns:p14="http://schemas.microsoft.com/office/powerpoint/2010/main" id="1" dur="indefinite" restart="never" nodeType="tmRoot"/>
-      </p:par>
-    </p:tnLst>
-  </p:timing>
 </p:sld>
 </file>
 
@@ -9858,7 +9387,7 @@
   <a:extraClrSchemeLst/>
   <a:extLst>
     <a:ext uri="{05A4C25C-085E-4340-85A3-A5531E510DB2}">
-      <thm15:themeFamily xmlns:thm15="http://schemas.microsoft.com/office/thememl/2012/main" xmlns="" name="Office Theme" id="{62F939B6-93AF-4DB8-9C6B-D6C7DFDC589F}" vid="{AE6F2518-B084-4896-AF52-66CC2144AA26}"/>
+      <thm15:themeFamily xmlns:thm15="http://schemas.microsoft.com/office/thememl/2012/main" name="Office Theme" id="{62F939B6-93AF-4DB8-9C6B-D6C7DFDC589F}" vid="{AE6F2518-B084-4896-AF52-66CC2144AA26}"/>
     </a:ext>
   </a:extLst>
 </a:theme>
@@ -10119,7 +9648,7 @@
   <a:extraClrSchemeLst/>
   <a:extLst>
     <a:ext uri="{05A4C25C-085E-4340-85A3-A5531E510DB2}">
-      <thm15:themeFamily xmlns:thm15="http://schemas.microsoft.com/office/thememl/2012/main" xmlns="" name="Office Theme" id="{62F939B6-93AF-4DB8-9C6B-D6C7DFDC589F}" vid="{4A3C46E8-61CC-4603-A589-7422A47A8E4A}"/>
+      <thm15:themeFamily xmlns:thm15="http://schemas.microsoft.com/office/thememl/2012/main" name="Office Theme" id="{62F939B6-93AF-4DB8-9C6B-D6C7DFDC589F}" vid="{4A3C46E8-61CC-4603-A589-7422A47A8E4A}"/>
     </a:ext>
   </a:extLst>
 </a:theme>

--- a/conference/Will MPA 2019.pptx
+++ b/conference/Will MPA 2019.pptx
@@ -148,7 +148,7 @@
   </p:defaultTextStyle>
   <p:extLst>
     <p:ext uri="{EFAFB233-063F-42B5-8137-9DF3F51BA10A}">
-      <p15:sldGuideLst xmlns:p15="http://schemas.microsoft.com/office/powerpoint/2012/main">
+      <p15:sldGuideLst xmlns:p15="http://schemas.microsoft.com/office/powerpoint/2012/main" xmlns="">
         <p15:guide id="1" orient="horz" pos="10368">
           <p15:clr>
             <a:srgbClr val="A4A3A4"/>
@@ -357,7 +357,7 @@
             <a:fld id="{FD943D7A-167B-4D1B-8238-B31E320746FF}" type="datetimeFigureOut">
               <a:rPr lang="en-US"/>
               <a:pPr/>
-              <a:t>4/1/19</a:t>
+              <a:t>4/2/19</a:t>
             </a:fld>
             <a:endParaRPr lang="en-US"/>
           </a:p>
@@ -841,7 +841,7 @@
           <a:p>
             <a:fld id="{663379F8-D3CD-4F84-8ABE-D8B7DBD32689}" type="datetimeFigureOut">
               <a:rPr lang="en-US" smtClean="0"/>
-              <a:t>4/1/19</a:t>
+              <a:t>4/2/19</a:t>
             </a:fld>
             <a:endParaRPr lang="en-US"/>
           </a:p>
@@ -1012,7 +1012,7 @@
           <a:p>
             <a:fld id="{663379F8-D3CD-4F84-8ABE-D8B7DBD32689}" type="datetimeFigureOut">
               <a:rPr lang="en-US" smtClean="0"/>
-              <a:t>4/1/19</a:t>
+              <a:t>4/2/19</a:t>
             </a:fld>
             <a:endParaRPr lang="en-US"/>
           </a:p>
@@ -1193,7 +1193,7 @@
           <a:p>
             <a:fld id="{663379F8-D3CD-4F84-8ABE-D8B7DBD32689}" type="datetimeFigureOut">
               <a:rPr lang="en-US" smtClean="0"/>
-              <a:t>4/1/19</a:t>
+              <a:t>4/2/19</a:t>
             </a:fld>
             <a:endParaRPr lang="en-US"/>
           </a:p>
@@ -1364,7 +1364,7 @@
           <a:p>
             <a:fld id="{663379F8-D3CD-4F84-8ABE-D8B7DBD32689}" type="datetimeFigureOut">
               <a:rPr lang="en-US" smtClean="0"/>
-              <a:t>4/1/19</a:t>
+              <a:t>4/2/19</a:t>
             </a:fld>
             <a:endParaRPr lang="en-US"/>
           </a:p>
@@ -1609,7 +1609,7 @@
           <a:p>
             <a:fld id="{663379F8-D3CD-4F84-8ABE-D8B7DBD32689}" type="datetimeFigureOut">
               <a:rPr lang="en-US" smtClean="0"/>
-              <a:t>4/1/19</a:t>
+              <a:t>4/2/19</a:t>
             </a:fld>
             <a:endParaRPr lang="en-US"/>
           </a:p>
@@ -1842,7 +1842,7 @@
           <a:p>
             <a:fld id="{663379F8-D3CD-4F84-8ABE-D8B7DBD32689}" type="datetimeFigureOut">
               <a:rPr lang="en-US" smtClean="0"/>
-              <a:t>4/1/19</a:t>
+              <a:t>4/2/19</a:t>
             </a:fld>
             <a:endParaRPr lang="en-US"/>
           </a:p>
@@ -2210,7 +2210,7 @@
           <a:p>
             <a:fld id="{663379F8-D3CD-4F84-8ABE-D8B7DBD32689}" type="datetimeFigureOut">
               <a:rPr lang="en-US" smtClean="0"/>
-              <a:t>4/1/19</a:t>
+              <a:t>4/2/19</a:t>
             </a:fld>
             <a:endParaRPr lang="en-US"/>
           </a:p>
@@ -2329,7 +2329,7 @@
           <a:p>
             <a:fld id="{663379F8-D3CD-4F84-8ABE-D8B7DBD32689}" type="datetimeFigureOut">
               <a:rPr lang="en-US" smtClean="0"/>
-              <a:t>4/1/19</a:t>
+              <a:t>4/2/19</a:t>
             </a:fld>
             <a:endParaRPr lang="en-US"/>
           </a:p>
@@ -2425,7 +2425,7 @@
           <a:p>
             <a:fld id="{663379F8-D3CD-4F84-8ABE-D8B7DBD32689}" type="datetimeFigureOut">
               <a:rPr lang="en-US" smtClean="0"/>
-              <a:t>4/1/19</a:t>
+              <a:t>4/2/19</a:t>
             </a:fld>
             <a:endParaRPr lang="en-US"/>
           </a:p>
@@ -2703,7 +2703,7 @@
           <a:p>
             <a:fld id="{663379F8-D3CD-4F84-8ABE-D8B7DBD32689}" type="datetimeFigureOut">
               <a:rPr lang="en-US" smtClean="0"/>
-              <a:t>4/1/19</a:t>
+              <a:t>4/2/19</a:t>
             </a:fld>
             <a:endParaRPr lang="en-US"/>
           </a:p>
@@ -2961,7 +2961,7 @@
           <a:p>
             <a:fld id="{663379F8-D3CD-4F84-8ABE-D8B7DBD32689}" type="datetimeFigureOut">
               <a:rPr lang="en-US" smtClean="0"/>
-              <a:t>4/1/19</a:t>
+              <a:t>4/2/19</a:t>
             </a:fld>
             <a:endParaRPr lang="en-US"/>
           </a:p>
@@ -3175,7 +3175,7 @@
           <a:p>
             <a:fld id="{663379F8-D3CD-4F84-8ABE-D8B7DBD32689}" type="datetimeFigureOut">
               <a:rPr lang="en-US" smtClean="0"/>
-              <a:t>4/1/19</a:t>
+              <a:t>4/2/19</a:t>
             </a:fld>
             <a:endParaRPr lang="en-US"/>
           </a:p>
@@ -3845,7 +3845,7 @@
           </a:ln>
           <a:extLst>
             <a:ext uri="{909E8E84-426E-40dd-AFC4-6F175D3DCCD1}">
-              <a14:hiddenFill xmlns:a14="http://schemas.microsoft.com/office/drawing/2010/main" xmlns="">
+              <a14:hiddenFill xmlns:a14="http://schemas.microsoft.com/office/drawing/2010/main">
                 <a:noFill/>
               </a14:hiddenFill>
             </a:ext>
@@ -3895,7 +3895,7 @@
           </a:ln>
           <a:extLst>
             <a:ext uri="{909E8E84-426E-40dd-AFC4-6F175D3DCCD1}">
-              <a14:hiddenFill xmlns:a14="http://schemas.microsoft.com/office/drawing/2010/main" xmlns="">
+              <a14:hiddenFill xmlns:a14="http://schemas.microsoft.com/office/drawing/2010/main">
                 <a:noFill/>
               </a14:hiddenFill>
             </a:ext>
@@ -3945,7 +3945,7 @@
           </a:ln>
           <a:extLst>
             <a:ext uri="{909E8E84-426E-40dd-AFC4-6F175D3DCCD1}">
-              <a14:hiddenFill xmlns:a14="http://schemas.microsoft.com/office/drawing/2010/main" xmlns="">
+              <a14:hiddenFill xmlns:a14="http://schemas.microsoft.com/office/drawing/2010/main">
                 <a:noFill/>
               </a14:hiddenFill>
             </a:ext>
@@ -3995,14 +3995,14 @@
           </a:ln>
           <a:extLst>
             <a:ext uri="{909E8E84-426E-40dd-AFC4-6F175D3DCCD1}">
-              <a14:hiddenFill xmlns:a14="http://schemas.microsoft.com/office/drawing/2010/main" xmlns="">
+              <a14:hiddenFill xmlns:a14="http://schemas.microsoft.com/office/drawing/2010/main">
                 <a:solidFill>
                   <a:srgbClr val="FFFFFF"/>
                 </a:solidFill>
               </a14:hiddenFill>
             </a:ext>
             <a:ext uri="{91240B29-F687-4f45-9708-019B960494DF}">
-              <a14:hiddenLine xmlns:a14="http://schemas.microsoft.com/office/drawing/2010/main" xmlns="" w="12700" cap="rnd">
+              <a14:hiddenLine xmlns:a14="http://schemas.microsoft.com/office/drawing/2010/main" w="12700" cap="rnd">
                 <a:solidFill>
                   <a:schemeClr val="tx1"/>
                 </a:solidFill>
@@ -4198,14 +4198,14 @@
           </a:ln>
           <a:extLst>
             <a:ext uri="{909E8E84-426E-40dd-AFC4-6F175D3DCCD1}">
-              <a14:hiddenFill xmlns:a14="http://schemas.microsoft.com/office/drawing/2010/main" xmlns="">
+              <a14:hiddenFill xmlns:a14="http://schemas.microsoft.com/office/drawing/2010/main">
                 <a:solidFill>
                   <a:srgbClr val="FFFFFF"/>
                 </a:solidFill>
               </a14:hiddenFill>
             </a:ext>
             <a:ext uri="{91240B29-F687-4f45-9708-019B960494DF}">
-              <a14:hiddenLine xmlns:a14="http://schemas.microsoft.com/office/drawing/2010/main" xmlns="" w="12700" cap="rnd">
+              <a14:hiddenLine xmlns:a14="http://schemas.microsoft.com/office/drawing/2010/main" w="12700" cap="rnd">
                 <a:solidFill>
                   <a:schemeClr val="tx1"/>
                 </a:solidFill>
@@ -4378,14 +4378,14 @@
           </a:ln>
           <a:extLst>
             <a:ext uri="{909E8E84-426E-40dd-AFC4-6F175D3DCCD1}">
-              <a14:hiddenFill xmlns:a14="http://schemas.microsoft.com/office/drawing/2010/main" xmlns="">
+              <a14:hiddenFill xmlns:a14="http://schemas.microsoft.com/office/drawing/2010/main">
                 <a:solidFill>
                   <a:srgbClr val="FFFFFF"/>
                 </a:solidFill>
               </a14:hiddenFill>
             </a:ext>
             <a:ext uri="{91240B29-F687-4f45-9708-019B960494DF}">
-              <a14:hiddenLine xmlns:a14="http://schemas.microsoft.com/office/drawing/2010/main" xmlns="" w="12700" cap="rnd">
+              <a14:hiddenLine xmlns:a14="http://schemas.microsoft.com/office/drawing/2010/main" w="12700" cap="rnd">
                 <a:solidFill>
                   <a:schemeClr val="tx1"/>
                 </a:solidFill>
@@ -5269,14 +5269,14 @@
           </a:ln>
           <a:extLst>
             <a:ext uri="{909E8E84-426E-40dd-AFC4-6F175D3DCCD1}">
-              <a14:hiddenFill xmlns:a14="http://schemas.microsoft.com/office/drawing/2010/main" xmlns="">
+              <a14:hiddenFill xmlns:a14="http://schemas.microsoft.com/office/drawing/2010/main">
                 <a:solidFill>
                   <a:srgbClr val="FFFFFF"/>
                 </a:solidFill>
               </a14:hiddenFill>
             </a:ext>
             <a:ext uri="{91240B29-F687-4f45-9708-019B960494DF}">
-              <a14:hiddenLine xmlns:a14="http://schemas.microsoft.com/office/drawing/2010/main" xmlns="" w="12700" cap="rnd">
+              <a14:hiddenLine xmlns:a14="http://schemas.microsoft.com/office/drawing/2010/main" w="12700" cap="rnd">
                 <a:solidFill>
                   <a:schemeClr val="tx1"/>
                 </a:solidFill>
@@ -5565,7 +5565,7 @@
           </a:ln>
           <a:extLst>
             <a:ext uri="{909E8E84-426E-40dd-AFC4-6F175D3DCCD1}">
-              <a14:hiddenFill xmlns:a14="http://schemas.microsoft.com/office/drawing/2010/main" xmlns="">
+              <a14:hiddenFill xmlns:a14="http://schemas.microsoft.com/office/drawing/2010/main">
                 <a:noFill/>
               </a14:hiddenFill>
             </a:ext>
@@ -5615,7 +5615,7 @@
           </a:ln>
           <a:extLst>
             <a:ext uri="{909E8E84-426E-40dd-AFC4-6F175D3DCCD1}">
-              <a14:hiddenFill xmlns:a14="http://schemas.microsoft.com/office/drawing/2010/main" xmlns="">
+              <a14:hiddenFill xmlns:a14="http://schemas.microsoft.com/office/drawing/2010/main">
                 <a:noFill/>
               </a14:hiddenFill>
             </a:ext>
@@ -5843,7 +5843,7 @@
         <p:spPr>
           <a:xfrm>
             <a:off x="15849600" y="10744200"/>
-            <a:ext cx="12344400" cy="3970318"/>
+            <a:ext cx="12344400" cy="5078314"/>
           </a:xfrm>
           <a:prstGeom prst="rect">
             <a:avLst/>
@@ -5870,8 +5870,21 @@
                 <a:ea typeface="Times New Roman" charset="0"/>
                 <a:cs typeface="Times New Roman" charset="0"/>
               </a:rPr>
-              <a:t>For mean and standard deviation values, ‘C’ and ‘L’ refer to ‘conservative’ and ‘liberal’ respectively. Given the values obtained, it became clear usage of MFD words was quite similar across the foundations regardless of political lean.</a:t>
-            </a:r>
+              <a:t>For mean and standard deviation values, ‘C’ and ‘L’ refer to ‘conservative’ and ‘liberal’ respectively. Given the values obtained, it became clear usage of MFD words was quite similar across the foundations regardless of political lean</a:t>
+            </a:r>
+            <a:r>
+              <a:rPr lang="en-US" sz="3600" dirty="0" smtClean="0">
+                <a:latin typeface="Times New Roman" charset="0"/>
+                <a:ea typeface="Times New Roman" charset="0"/>
+                <a:cs typeface="Times New Roman" charset="0"/>
+              </a:rPr>
+              <a:t>. The sign of the weighted mean score indicates directionality of endorsement for that moral foundation.</a:t>
+            </a:r>
+            <a:endParaRPr lang="en-US" sz="3600" dirty="0">
+              <a:latin typeface="Times New Roman" charset="0"/>
+              <a:ea typeface="Times New Roman" charset="0"/>
+              <a:cs typeface="Times New Roman" charset="0"/>
+            </a:endParaRPr>
           </a:p>
           <a:p>
             <a:endParaRPr lang="en-US" sz="3600" i="1" dirty="0">
@@ -6097,35 +6110,35 @@
                 <a:gridCol w="5037370">
                   <a:extLst>
                     <a:ext uri="{9D8B030D-6E8A-4147-A177-3AD203B41FA5}">
-                      <a16:colId xmlns:a16="http://schemas.microsoft.com/office/drawing/2014/main" val="20000"/>
+                      <a16:colId xmlns:a16="http://schemas.microsoft.com/office/drawing/2014/main" xmlns="" val="20000"/>
                     </a:ext>
                   </a:extLst>
                 </a:gridCol>
                 <a:gridCol w="1441364">
                   <a:extLst>
                     <a:ext uri="{9D8B030D-6E8A-4147-A177-3AD203B41FA5}">
-                      <a16:colId xmlns:a16="http://schemas.microsoft.com/office/drawing/2014/main" val="20001"/>
+                      <a16:colId xmlns:a16="http://schemas.microsoft.com/office/drawing/2014/main" xmlns="" val="20001"/>
                     </a:ext>
                   </a:extLst>
                 </a:gridCol>
                 <a:gridCol w="2430099">
                   <a:extLst>
                     <a:ext uri="{9D8B030D-6E8A-4147-A177-3AD203B41FA5}">
-                      <a16:colId xmlns:a16="http://schemas.microsoft.com/office/drawing/2014/main" val="20002"/>
+                      <a16:colId xmlns:a16="http://schemas.microsoft.com/office/drawing/2014/main" xmlns="" val="20002"/>
                     </a:ext>
                   </a:extLst>
                 </a:gridCol>
                 <a:gridCol w="1257730">
                   <a:extLst>
                     <a:ext uri="{9D8B030D-6E8A-4147-A177-3AD203B41FA5}">
-                      <a16:colId xmlns:a16="http://schemas.microsoft.com/office/drawing/2014/main" val="20003"/>
+                      <a16:colId xmlns:a16="http://schemas.microsoft.com/office/drawing/2014/main" xmlns="" val="20003"/>
                     </a:ext>
                   </a:extLst>
                 </a:gridCol>
                 <a:gridCol w="2031718">
                   <a:extLst>
                     <a:ext uri="{9D8B030D-6E8A-4147-A177-3AD203B41FA5}">
-                      <a16:colId xmlns:a16="http://schemas.microsoft.com/office/drawing/2014/main" val="20004"/>
+                      <a16:colId xmlns:a16="http://schemas.microsoft.com/office/drawing/2014/main" xmlns="" val="20004"/>
                     </a:ext>
                   </a:extLst>
                 </a:gridCol>
@@ -6381,7 +6394,7 @@
                 </a:tc>
                 <a:extLst>
                   <a:ext uri="{0D108BD9-81ED-4DB2-BD59-A6C34878D82A}">
-                    <a16:rowId xmlns:a16="http://schemas.microsoft.com/office/drawing/2014/main" val="10000"/>
+                    <a16:rowId xmlns:a16="http://schemas.microsoft.com/office/drawing/2014/main" xmlns="" val="10000"/>
                   </a:ext>
                 </a:extLst>
               </a:tr>
@@ -6547,7 +6560,7 @@
                 </a:tc>
                 <a:extLst>
                   <a:ext uri="{0D108BD9-81ED-4DB2-BD59-A6C34878D82A}">
-                    <a16:rowId xmlns:a16="http://schemas.microsoft.com/office/drawing/2014/main" val="10001"/>
+                    <a16:rowId xmlns:a16="http://schemas.microsoft.com/office/drawing/2014/main" xmlns="" val="10001"/>
                   </a:ext>
                 </a:extLst>
               </a:tr>
@@ -6668,7 +6681,7 @@
                 </a:tc>
                 <a:extLst>
                   <a:ext uri="{0D108BD9-81ED-4DB2-BD59-A6C34878D82A}">
-                    <a16:rowId xmlns:a16="http://schemas.microsoft.com/office/drawing/2014/main" val="10002"/>
+                    <a16:rowId xmlns:a16="http://schemas.microsoft.com/office/drawing/2014/main" xmlns="" val="10002"/>
                   </a:ext>
                 </a:extLst>
               </a:tr>
@@ -6808,7 +6821,7 @@
                 </a:tc>
                 <a:extLst>
                   <a:ext uri="{0D108BD9-81ED-4DB2-BD59-A6C34878D82A}">
-                    <a16:rowId xmlns:a16="http://schemas.microsoft.com/office/drawing/2014/main" val="10003"/>
+                    <a16:rowId xmlns:a16="http://schemas.microsoft.com/office/drawing/2014/main" xmlns="" val="10003"/>
                   </a:ext>
                 </a:extLst>
               </a:tr>
@@ -6948,7 +6961,7 @@
                 </a:tc>
                 <a:extLst>
                   <a:ext uri="{0D108BD9-81ED-4DB2-BD59-A6C34878D82A}">
-                    <a16:rowId xmlns:a16="http://schemas.microsoft.com/office/drawing/2014/main" val="10004"/>
+                    <a16:rowId xmlns:a16="http://schemas.microsoft.com/office/drawing/2014/main" xmlns="" val="10004"/>
                   </a:ext>
                 </a:extLst>
               </a:tr>
@@ -7114,7 +7127,7 @@
                 </a:tc>
                 <a:extLst>
                   <a:ext uri="{0D108BD9-81ED-4DB2-BD59-A6C34878D82A}">
-                    <a16:rowId xmlns:a16="http://schemas.microsoft.com/office/drawing/2014/main" val="10005"/>
+                    <a16:rowId xmlns:a16="http://schemas.microsoft.com/office/drawing/2014/main" xmlns="" val="10005"/>
                   </a:ext>
                 </a:extLst>
               </a:tr>
@@ -7131,13 +7144,13 @@
           <p:nvPr>
             <p:extLst>
               <p:ext uri="{D42A27DB-BD31-4B8C-83A1-F6EECF244321}">
-                <p14:modId xmlns:p14="http://schemas.microsoft.com/office/powerpoint/2010/main" val="2104729952"/>
+                <p14:modId xmlns:p14="http://schemas.microsoft.com/office/powerpoint/2010/main" val="4037834223"/>
               </p:ext>
             </p:extLst>
           </p:nvPr>
         </p:nvGraphicFramePr>
         <p:xfrm>
-          <a:off x="15925801" y="14249400"/>
+          <a:off x="15925801" y="15361920"/>
           <a:ext cx="12191999" cy="3840480"/>
         </p:xfrm>
         <a:graphic>
@@ -7150,28 +7163,28 @@
                 <a:gridCol w="4097370">
                   <a:extLst>
                     <a:ext uri="{9D8B030D-6E8A-4147-A177-3AD203B41FA5}">
-                      <a16:colId xmlns:a16="http://schemas.microsoft.com/office/drawing/2014/main" val="20000"/>
+                      <a16:colId xmlns:a16="http://schemas.microsoft.com/office/drawing/2014/main" xmlns="" val="20000"/>
                     </a:ext>
                   </a:extLst>
                 </a:gridCol>
                 <a:gridCol w="2934294">
                   <a:extLst>
                     <a:ext uri="{9D8B030D-6E8A-4147-A177-3AD203B41FA5}">
-                      <a16:colId xmlns:a16="http://schemas.microsoft.com/office/drawing/2014/main" val="20001"/>
+                      <a16:colId xmlns:a16="http://schemas.microsoft.com/office/drawing/2014/main" xmlns="" val="20001"/>
                     </a:ext>
                   </a:extLst>
                 </a:gridCol>
                 <a:gridCol w="2934294">
                   <a:extLst>
                     <a:ext uri="{9D8B030D-6E8A-4147-A177-3AD203B41FA5}">
-                      <a16:colId xmlns:a16="http://schemas.microsoft.com/office/drawing/2014/main" val="20002"/>
+                      <a16:colId xmlns:a16="http://schemas.microsoft.com/office/drawing/2014/main" xmlns="" val="20002"/>
                     </a:ext>
                   </a:extLst>
                 </a:gridCol>
                 <a:gridCol w="2226041">
                   <a:extLst>
                     <a:ext uri="{9D8B030D-6E8A-4147-A177-3AD203B41FA5}">
-                      <a16:colId xmlns:a16="http://schemas.microsoft.com/office/drawing/2014/main" val="20003"/>
+                      <a16:colId xmlns:a16="http://schemas.microsoft.com/office/drawing/2014/main" xmlns="" val="20003"/>
                     </a:ext>
                   </a:extLst>
                 </a:gridCol>
@@ -7342,7 +7355,7 @@
                 </a:tc>
                 <a:extLst>
                   <a:ext uri="{0D108BD9-81ED-4DB2-BD59-A6C34878D82A}">
-                    <a16:rowId xmlns:a16="http://schemas.microsoft.com/office/drawing/2014/main" val="10000"/>
+                    <a16:rowId xmlns:a16="http://schemas.microsoft.com/office/drawing/2014/main" xmlns="" val="10000"/>
                   </a:ext>
                 </a:extLst>
               </a:tr>
@@ -7476,7 +7489,7 @@
                 </a:tc>
                 <a:extLst>
                   <a:ext uri="{0D108BD9-81ED-4DB2-BD59-A6C34878D82A}">
-                    <a16:rowId xmlns:a16="http://schemas.microsoft.com/office/drawing/2014/main" val="10001"/>
+                    <a16:rowId xmlns:a16="http://schemas.microsoft.com/office/drawing/2014/main" xmlns="" val="10001"/>
                   </a:ext>
                 </a:extLst>
               </a:tr>
@@ -7574,7 +7587,7 @@
                 </a:tc>
                 <a:extLst>
                   <a:ext uri="{0D108BD9-81ED-4DB2-BD59-A6C34878D82A}">
-                    <a16:rowId xmlns:a16="http://schemas.microsoft.com/office/drawing/2014/main" val="10002"/>
+                    <a16:rowId xmlns:a16="http://schemas.microsoft.com/office/drawing/2014/main" xmlns="" val="10002"/>
                   </a:ext>
                 </a:extLst>
               </a:tr>
@@ -7683,7 +7696,7 @@
                 </a:tc>
                 <a:extLst>
                   <a:ext uri="{0D108BD9-81ED-4DB2-BD59-A6C34878D82A}">
-                    <a16:rowId xmlns:a16="http://schemas.microsoft.com/office/drawing/2014/main" val="10003"/>
+                    <a16:rowId xmlns:a16="http://schemas.microsoft.com/office/drawing/2014/main" xmlns="" val="10003"/>
                   </a:ext>
                 </a:extLst>
               </a:tr>
@@ -7781,7 +7794,7 @@
                 </a:tc>
                 <a:extLst>
                   <a:ext uri="{0D108BD9-81ED-4DB2-BD59-A6C34878D82A}">
-                    <a16:rowId xmlns:a16="http://schemas.microsoft.com/office/drawing/2014/main" val="10004"/>
+                    <a16:rowId xmlns:a16="http://schemas.microsoft.com/office/drawing/2014/main" xmlns="" val="10004"/>
                   </a:ext>
                 </a:extLst>
               </a:tr>
@@ -7915,7 +7928,7 @@
                 </a:tc>
                 <a:extLst>
                   <a:ext uri="{0D108BD9-81ED-4DB2-BD59-A6C34878D82A}">
-                    <a16:rowId xmlns:a16="http://schemas.microsoft.com/office/drawing/2014/main" val="10005"/>
+                    <a16:rowId xmlns:a16="http://schemas.microsoft.com/office/drawing/2014/main" xmlns="" val="10005"/>
                   </a:ext>
                 </a:extLst>
               </a:tr>
@@ -7931,8 +7944,8 @@
         </p:nvSpPr>
         <p:spPr>
           <a:xfrm>
-            <a:off x="15925800" y="18135600"/>
-            <a:ext cx="12344400" cy="4524316"/>
+            <a:off x="15925800" y="19291280"/>
+            <a:ext cx="12344400" cy="3416320"/>
           </a:xfrm>
           <a:prstGeom prst="rect">
             <a:avLst/>
@@ -7975,7 +7988,15 @@
                 <a:ea typeface="Times New Roman" charset="0"/>
                 <a:cs typeface="Times New Roman" charset="0"/>
               </a:rPr>
-              <a:t>, but in the opposite direction from what was expected. The sign of the weighted mean score indicates directionality of endorsement for that moral foundation.</a:t>
+              <a:t>, but in the opposite direction from what was expected</a:t>
+            </a:r>
+            <a:r>
+              <a:rPr lang="en-US" sz="3600" dirty="0" smtClean="0">
+                <a:latin typeface="Times New Roman" charset="0"/>
+                <a:ea typeface="Times New Roman" charset="0"/>
+                <a:cs typeface="Times New Roman" charset="0"/>
+              </a:rPr>
+              <a:t>.</a:t>
             </a:r>
           </a:p>
           <a:p>
@@ -8025,35 +8046,35 @@
                 <a:gridCol w="3023887">
                   <a:extLst>
                     <a:ext uri="{9D8B030D-6E8A-4147-A177-3AD203B41FA5}">
-                      <a16:colId xmlns:a16="http://schemas.microsoft.com/office/drawing/2014/main" val="20000"/>
+                      <a16:colId xmlns:a16="http://schemas.microsoft.com/office/drawing/2014/main" xmlns="" val="20000"/>
                     </a:ext>
                   </a:extLst>
                 </a:gridCol>
                 <a:gridCol w="1658905">
                   <a:extLst>
                     <a:ext uri="{9D8B030D-6E8A-4147-A177-3AD203B41FA5}">
-                      <a16:colId xmlns:a16="http://schemas.microsoft.com/office/drawing/2014/main" val="20001"/>
+                      <a16:colId xmlns:a16="http://schemas.microsoft.com/office/drawing/2014/main" xmlns="" val="20001"/>
                     </a:ext>
                   </a:extLst>
                 </a:gridCol>
                 <a:gridCol w="2119498">
                   <a:extLst>
                     <a:ext uri="{9D8B030D-6E8A-4147-A177-3AD203B41FA5}">
-                      <a16:colId xmlns:a16="http://schemas.microsoft.com/office/drawing/2014/main" val="20002"/>
+                      <a16:colId xmlns:a16="http://schemas.microsoft.com/office/drawing/2014/main" xmlns="" val="20002"/>
                     </a:ext>
                   </a:extLst>
                 </a:gridCol>
                 <a:gridCol w="1894325">
                   <a:extLst>
                     <a:ext uri="{9D8B030D-6E8A-4147-A177-3AD203B41FA5}">
-                      <a16:colId xmlns:a16="http://schemas.microsoft.com/office/drawing/2014/main" val="20003"/>
+                      <a16:colId xmlns:a16="http://schemas.microsoft.com/office/drawing/2014/main" xmlns="" val="20003"/>
                     </a:ext>
                   </a:extLst>
                 </a:gridCol>
                 <a:gridCol w="3419183">
                   <a:extLst>
                     <a:ext uri="{9D8B030D-6E8A-4147-A177-3AD203B41FA5}">
-                      <a16:colId xmlns:a16="http://schemas.microsoft.com/office/drawing/2014/main" val="20004"/>
+                      <a16:colId xmlns:a16="http://schemas.microsoft.com/office/drawing/2014/main" xmlns="" val="20004"/>
                     </a:ext>
                   </a:extLst>
                 </a:gridCol>
@@ -8306,7 +8327,7 @@
                 </a:tc>
                 <a:extLst>
                   <a:ext uri="{0D108BD9-81ED-4DB2-BD59-A6C34878D82A}">
-                    <a16:rowId xmlns:a16="http://schemas.microsoft.com/office/drawing/2014/main" val="10000"/>
+                    <a16:rowId xmlns:a16="http://schemas.microsoft.com/office/drawing/2014/main" xmlns="" val="10000"/>
                   </a:ext>
                 </a:extLst>
               </a:tr>
@@ -8510,7 +8531,7 @@
                 </a:tc>
                 <a:extLst>
                   <a:ext uri="{0D108BD9-81ED-4DB2-BD59-A6C34878D82A}">
-                    <a16:rowId xmlns:a16="http://schemas.microsoft.com/office/drawing/2014/main" val="10001"/>
+                    <a16:rowId xmlns:a16="http://schemas.microsoft.com/office/drawing/2014/main" xmlns="" val="10001"/>
                   </a:ext>
                 </a:extLst>
               </a:tr>
@@ -8669,7 +8690,7 @@
                 </a:tc>
                 <a:extLst>
                   <a:ext uri="{0D108BD9-81ED-4DB2-BD59-A6C34878D82A}">
-                    <a16:rowId xmlns:a16="http://schemas.microsoft.com/office/drawing/2014/main" val="10002"/>
+                    <a16:rowId xmlns:a16="http://schemas.microsoft.com/office/drawing/2014/main" xmlns="" val="10002"/>
                   </a:ext>
                 </a:extLst>
               </a:tr>
@@ -8847,7 +8868,7 @@
                 </a:tc>
                 <a:extLst>
                   <a:ext uri="{0D108BD9-81ED-4DB2-BD59-A6C34878D82A}">
-                    <a16:rowId xmlns:a16="http://schemas.microsoft.com/office/drawing/2014/main" val="10003"/>
+                    <a16:rowId xmlns:a16="http://schemas.microsoft.com/office/drawing/2014/main" xmlns="" val="10003"/>
                   </a:ext>
                 </a:extLst>
               </a:tr>
@@ -9059,7 +9080,7 @@
                 </a:tc>
                 <a:extLst>
                   <a:ext uri="{0D108BD9-81ED-4DB2-BD59-A6C34878D82A}">
-                    <a16:rowId xmlns:a16="http://schemas.microsoft.com/office/drawing/2014/main" val="10004"/>
+                    <a16:rowId xmlns:a16="http://schemas.microsoft.com/office/drawing/2014/main" xmlns="" val="10004"/>
                   </a:ext>
                 </a:extLst>
               </a:tr>
@@ -9387,7 +9408,7 @@
   <a:extraClrSchemeLst/>
   <a:extLst>
     <a:ext uri="{05A4C25C-085E-4340-85A3-A5531E510DB2}">
-      <thm15:themeFamily xmlns:thm15="http://schemas.microsoft.com/office/thememl/2012/main" name="Office Theme" id="{62F939B6-93AF-4DB8-9C6B-D6C7DFDC589F}" vid="{AE6F2518-B084-4896-AF52-66CC2144AA26}"/>
+      <thm15:themeFamily xmlns:thm15="http://schemas.microsoft.com/office/thememl/2012/main" xmlns="" name="Office Theme" id="{62F939B6-93AF-4DB8-9C6B-D6C7DFDC589F}" vid="{AE6F2518-B084-4896-AF52-66CC2144AA26}"/>
     </a:ext>
   </a:extLst>
 </a:theme>
@@ -9648,7 +9669,7 @@
   <a:extraClrSchemeLst/>
   <a:extLst>
     <a:ext uri="{05A4C25C-085E-4340-85A3-A5531E510DB2}">
-      <thm15:themeFamily xmlns:thm15="http://schemas.microsoft.com/office/thememl/2012/main" name="Office Theme" id="{62F939B6-93AF-4DB8-9C6B-D6C7DFDC589F}" vid="{4A3C46E8-61CC-4603-A589-7422A47A8E4A}"/>
+      <thm15:themeFamily xmlns:thm15="http://schemas.microsoft.com/office/thememl/2012/main" xmlns="" name="Office Theme" id="{62F939B6-93AF-4DB8-9C6B-D6C7DFDC589F}" vid="{4A3C46E8-61CC-4603-A589-7422A47A8E4A}"/>
     </a:ext>
   </a:extLst>
 </a:theme>
